--- a/setup/Starling.pptx
+++ b/setup/Starling.pptx
@@ -9,6 +9,7 @@
     <p:sldId id="260" r:id="rId3"/>
     <p:sldId id="258" r:id="rId4"/>
     <p:sldId id="261" r:id="rId5"/>
+    <p:sldId id="262" r:id="rId6"/>
   </p:sldIdLst>
   <p:sldSz cx="12192000" cy="6858000"/>
   <p:notesSz cx="6858000" cy="9144000"/>
@@ -341,7 +342,7 @@
           <a:p>
             <a:fld id="{D62A82C6-D4D2-48D6-8A87-6813622EBFB9}" type="datetimeFigureOut">
               <a:rPr lang="en-US" smtClean="0"/>
-              <a:t>2/24/2021</a:t>
+              <a:t>5/24/2021</a:t>
             </a:fld>
             <a:endParaRPr lang="en-US"/>
           </a:p>
@@ -549,7 +550,7 @@
           <a:p>
             <a:fld id="{D62A82C6-D4D2-48D6-8A87-6813622EBFB9}" type="datetimeFigureOut">
               <a:rPr lang="en-US" smtClean="0"/>
-              <a:t>2/24/2021</a:t>
+              <a:t>5/24/2021</a:t>
             </a:fld>
             <a:endParaRPr lang="en-US"/>
           </a:p>
@@ -805,7 +806,7 @@
           <a:p>
             <a:fld id="{D62A82C6-D4D2-48D6-8A87-6813622EBFB9}" type="datetimeFigureOut">
               <a:rPr lang="en-US" smtClean="0"/>
-              <a:t>2/24/2021</a:t>
+              <a:t>5/24/2021</a:t>
             </a:fld>
             <a:endParaRPr lang="en-US"/>
           </a:p>
@@ -979,7 +980,7 @@
           <a:p>
             <a:fld id="{D62A82C6-D4D2-48D6-8A87-6813622EBFB9}" type="datetimeFigureOut">
               <a:rPr lang="en-US" smtClean="0"/>
-              <a:t>2/24/2021</a:t>
+              <a:t>5/24/2021</a:t>
             </a:fld>
             <a:endParaRPr lang="en-US"/>
           </a:p>
@@ -1322,7 +1323,7 @@
           <a:p>
             <a:fld id="{D62A82C6-D4D2-48D6-8A87-6813622EBFB9}" type="datetimeFigureOut">
               <a:rPr lang="en-US" smtClean="0"/>
-              <a:t>2/24/2021</a:t>
+              <a:t>5/24/2021</a:t>
             </a:fld>
             <a:endParaRPr lang="en-US"/>
           </a:p>
@@ -1597,7 +1598,7 @@
           <a:p>
             <a:fld id="{D62A82C6-D4D2-48D6-8A87-6813622EBFB9}" type="datetimeFigureOut">
               <a:rPr lang="en-US" smtClean="0"/>
-              <a:t>2/24/2021</a:t>
+              <a:t>5/24/2021</a:t>
             </a:fld>
             <a:endParaRPr lang="en-US"/>
           </a:p>
@@ -1976,7 +1977,7 @@
           <a:p>
             <a:fld id="{D62A82C6-D4D2-48D6-8A87-6813622EBFB9}" type="datetimeFigureOut">
               <a:rPr lang="en-US" smtClean="0"/>
-              <a:t>2/24/2021</a:t>
+              <a:t>5/24/2021</a:t>
             </a:fld>
             <a:endParaRPr lang="en-US"/>
           </a:p>
@@ -2094,7 +2095,7 @@
           <a:p>
             <a:fld id="{D62A82C6-D4D2-48D6-8A87-6813622EBFB9}" type="datetimeFigureOut">
               <a:rPr lang="en-US" smtClean="0"/>
-              <a:t>2/24/2021</a:t>
+              <a:t>5/24/2021</a:t>
             </a:fld>
             <a:endParaRPr lang="en-US"/>
           </a:p>
@@ -2265,7 +2266,7 @@
           <a:p>
             <a:fld id="{D62A82C6-D4D2-48D6-8A87-6813622EBFB9}" type="datetimeFigureOut">
               <a:rPr lang="en-US" smtClean="0"/>
-              <a:t>2/24/2021</a:t>
+              <a:t>5/24/2021</a:t>
             </a:fld>
             <a:endParaRPr lang="en-US"/>
           </a:p>
@@ -2619,7 +2620,7 @@
           <a:p>
             <a:fld id="{D62A82C6-D4D2-48D6-8A87-6813622EBFB9}" type="datetimeFigureOut">
               <a:rPr lang="en-US" smtClean="0"/>
-              <a:t>2/24/2021</a:t>
+              <a:t>5/24/2021</a:t>
             </a:fld>
             <a:endParaRPr lang="en-US"/>
           </a:p>
@@ -3001,7 +3002,7 @@
           <a:p>
             <a:fld id="{D62A82C6-D4D2-48D6-8A87-6813622EBFB9}" type="datetimeFigureOut">
               <a:rPr lang="en-US" smtClean="0"/>
-              <a:t>2/24/2021</a:t>
+              <a:t>5/24/2021</a:t>
             </a:fld>
             <a:endParaRPr lang="en-US"/>
           </a:p>
@@ -3288,7 +3289,7 @@
           <a:p>
             <a:fld id="{D62A82C6-D4D2-48D6-8A87-6813622EBFB9}" type="datetimeFigureOut">
               <a:rPr lang="en-US" smtClean="0"/>
-              <a:t>2/24/2021</a:t>
+              <a:t>5/24/2021</a:t>
             </a:fld>
             <a:endParaRPr lang="en-US"/>
           </a:p>
@@ -8675,7 +8676,7 @@
             <a:pPr algn="ctr"/>
             <a:r>
               <a:rPr lang="en-US" sz="700" dirty="0"/>
-              <a:t>100 batches with each 60 messages are sent</a:t>
+              <a:t>100 batches x 60 msgs = 6,000 msgs are sent</a:t>
             </a:r>
           </a:p>
         </p:txBody>
@@ -10316,6 +10317,36 @@
     <p:extLst>
       <p:ext uri="{BB962C8B-B14F-4D97-AF65-F5344CB8AC3E}">
         <p14:creationId xmlns:p14="http://schemas.microsoft.com/office/powerpoint/2010/main" val="1419696244"/>
+      </p:ext>
+    </p:extLst>
+  </p:cSld>
+  <p:clrMapOvr>
+    <a:masterClrMapping/>
+  </p:clrMapOvr>
+</p:sld>
+</file>
+
+<file path=ppt/slides/slide5.xml><?xml version="1.0" encoding="utf-8"?>
+<p:sld xmlns:a="http://schemas.openxmlformats.org/drawingml/2006/main" xmlns:r="http://schemas.openxmlformats.org/officeDocument/2006/relationships" xmlns:p="http://schemas.openxmlformats.org/presentationml/2006/main">
+  <p:cSld>
+    <p:spTree>
+      <p:nvGrpSpPr>
+        <p:cNvPr id="1" name=""/>
+        <p:cNvGrpSpPr/>
+        <p:nvPr/>
+      </p:nvGrpSpPr>
+      <p:grpSpPr>
+        <a:xfrm>
+          <a:off x="0" y="0"/>
+          <a:ext cx="0" cy="0"/>
+          <a:chOff x="0" y="0"/>
+          <a:chExt cx="0" cy="0"/>
+        </a:xfrm>
+      </p:grpSpPr>
+    </p:spTree>
+    <p:extLst>
+      <p:ext uri="{BB962C8B-B14F-4D97-AF65-F5344CB8AC3E}">
+        <p14:creationId xmlns:p14="http://schemas.microsoft.com/office/powerpoint/2010/main" val="2435270530"/>
       </p:ext>
     </p:extLst>
   </p:cSld>

--- a/setup/Starling.pptx
+++ b/setup/Starling.pptx
@@ -9,7 +9,8 @@
     <p:sldId id="260" r:id="rId3"/>
     <p:sldId id="258" r:id="rId4"/>
     <p:sldId id="261" r:id="rId5"/>
-    <p:sldId id="262" r:id="rId6"/>
+    <p:sldId id="263" r:id="rId6"/>
+    <p:sldId id="264" r:id="rId7"/>
   </p:sldIdLst>
   <p:sldSz cx="12192000" cy="6858000"/>
   <p:notesSz cx="6858000" cy="9144000"/>
@@ -342,7 +343,7 @@
           <a:p>
             <a:fld id="{D62A82C6-D4D2-48D6-8A87-6813622EBFB9}" type="datetimeFigureOut">
               <a:rPr lang="en-US" smtClean="0"/>
-              <a:t>5/24/2021</a:t>
+              <a:t>6/9/2021</a:t>
             </a:fld>
             <a:endParaRPr lang="en-US"/>
           </a:p>
@@ -550,7 +551,7 @@
           <a:p>
             <a:fld id="{D62A82C6-D4D2-48D6-8A87-6813622EBFB9}" type="datetimeFigureOut">
               <a:rPr lang="en-US" smtClean="0"/>
-              <a:t>5/24/2021</a:t>
+              <a:t>6/9/2021</a:t>
             </a:fld>
             <a:endParaRPr lang="en-US"/>
           </a:p>
@@ -806,7 +807,7 @@
           <a:p>
             <a:fld id="{D62A82C6-D4D2-48D6-8A87-6813622EBFB9}" type="datetimeFigureOut">
               <a:rPr lang="en-US" smtClean="0"/>
-              <a:t>5/24/2021</a:t>
+              <a:t>6/9/2021</a:t>
             </a:fld>
             <a:endParaRPr lang="en-US"/>
           </a:p>
@@ -980,7 +981,7 @@
           <a:p>
             <a:fld id="{D62A82C6-D4D2-48D6-8A87-6813622EBFB9}" type="datetimeFigureOut">
               <a:rPr lang="en-US" smtClean="0"/>
-              <a:t>5/24/2021</a:t>
+              <a:t>6/9/2021</a:t>
             </a:fld>
             <a:endParaRPr lang="en-US"/>
           </a:p>
@@ -1323,7 +1324,7 @@
           <a:p>
             <a:fld id="{D62A82C6-D4D2-48D6-8A87-6813622EBFB9}" type="datetimeFigureOut">
               <a:rPr lang="en-US" smtClean="0"/>
-              <a:t>5/24/2021</a:t>
+              <a:t>6/9/2021</a:t>
             </a:fld>
             <a:endParaRPr lang="en-US"/>
           </a:p>
@@ -1598,7 +1599,7 @@
           <a:p>
             <a:fld id="{D62A82C6-D4D2-48D6-8A87-6813622EBFB9}" type="datetimeFigureOut">
               <a:rPr lang="en-US" smtClean="0"/>
-              <a:t>5/24/2021</a:t>
+              <a:t>6/9/2021</a:t>
             </a:fld>
             <a:endParaRPr lang="en-US"/>
           </a:p>
@@ -1977,7 +1978,7 @@
           <a:p>
             <a:fld id="{D62A82C6-D4D2-48D6-8A87-6813622EBFB9}" type="datetimeFigureOut">
               <a:rPr lang="en-US" smtClean="0"/>
-              <a:t>5/24/2021</a:t>
+              <a:t>6/9/2021</a:t>
             </a:fld>
             <a:endParaRPr lang="en-US"/>
           </a:p>
@@ -2095,7 +2096,7 @@
           <a:p>
             <a:fld id="{D62A82C6-D4D2-48D6-8A87-6813622EBFB9}" type="datetimeFigureOut">
               <a:rPr lang="en-US" smtClean="0"/>
-              <a:t>5/24/2021</a:t>
+              <a:t>6/9/2021</a:t>
             </a:fld>
             <a:endParaRPr lang="en-US"/>
           </a:p>
@@ -2266,7 +2267,7 @@
           <a:p>
             <a:fld id="{D62A82C6-D4D2-48D6-8A87-6813622EBFB9}" type="datetimeFigureOut">
               <a:rPr lang="en-US" smtClean="0"/>
-              <a:t>5/24/2021</a:t>
+              <a:t>6/9/2021</a:t>
             </a:fld>
             <a:endParaRPr lang="en-US"/>
           </a:p>
@@ -2620,7 +2621,7 @@
           <a:p>
             <a:fld id="{D62A82C6-D4D2-48D6-8A87-6813622EBFB9}" type="datetimeFigureOut">
               <a:rPr lang="en-US" smtClean="0"/>
-              <a:t>5/24/2021</a:t>
+              <a:t>6/9/2021</a:t>
             </a:fld>
             <a:endParaRPr lang="en-US"/>
           </a:p>
@@ -3002,7 +3003,7 @@
           <a:p>
             <a:fld id="{D62A82C6-D4D2-48D6-8A87-6813622EBFB9}" type="datetimeFigureOut">
               <a:rPr lang="en-US" smtClean="0"/>
-              <a:t>5/24/2021</a:t>
+              <a:t>6/9/2021</a:t>
             </a:fld>
             <a:endParaRPr lang="en-US"/>
           </a:p>
@@ -3289,7 +3290,7 @@
           <a:p>
             <a:fld id="{D62A82C6-D4D2-48D6-8A87-6813622EBFB9}" type="datetimeFigureOut">
               <a:rPr lang="en-US" smtClean="0"/>
-              <a:t>5/24/2021</a:t>
+              <a:t>6/9/2021</a:t>
             </a:fld>
             <a:endParaRPr lang="en-US"/>
           </a:p>
@@ -7382,33 +7383,7 @@
                 <a:effectLst/>
                 <a:latin typeface="JetBrains Mono"/>
               </a:rPr>
-              <a:t>“</a:t>
-            </a:r>
-            <a:r>
-              <a:rPr kumimoji="0" lang="en-US" altLang="en-US" sz="900" b="0" i="0" u="none" strike="noStrike" cap="none" normalizeH="0" baseline="0" dirty="0" err="1">
-                <a:ln>
-                  <a:noFill/>
-                </a:ln>
-                <a:solidFill>
-                  <a:srgbClr val="9876AA"/>
-                </a:solidFill>
-                <a:effectLst/>
-                <a:latin typeface="JetBrains Mono"/>
-              </a:rPr>
-              <a:t>waveGroupCount</a:t>
-            </a:r>
-            <a:r>
-              <a:rPr kumimoji="0" lang="en-US" altLang="en-US" sz="900" b="0" i="0" u="none" strike="noStrike" cap="none" normalizeH="0" baseline="0" dirty="0">
-                <a:ln>
-                  <a:noFill/>
-                </a:ln>
-                <a:solidFill>
-                  <a:srgbClr val="9876AA"/>
-                </a:solidFill>
-                <a:effectLst/>
-                <a:latin typeface="JetBrains Mono"/>
-              </a:rPr>
-              <a:t>"</a:t>
+              <a:t>“waveGroupCount"</a:t>
             </a:r>
             <a:r>
               <a:rPr kumimoji="0" lang="en-US" altLang="en-US" sz="900" b="0" i="0" u="none" strike="noStrike" cap="none" normalizeH="0" baseline="0" dirty="0">
@@ -7459,33 +7434,7 @@
                 <a:effectLst/>
                 <a:latin typeface="JetBrains Mono"/>
               </a:rPr>
-              <a:t>“</a:t>
-            </a:r>
-            <a:r>
-              <a:rPr kumimoji="0" lang="en-US" altLang="en-US" sz="900" b="0" i="0" u="none" strike="noStrike" cap="none" normalizeH="0" baseline="0" dirty="0" err="1">
-                <a:ln>
-                  <a:noFill/>
-                </a:ln>
-                <a:solidFill>
-                  <a:srgbClr val="9876AA"/>
-                </a:solidFill>
-                <a:effectLst/>
-                <a:latin typeface="JetBrains Mono"/>
-              </a:rPr>
-              <a:t>waveGroupInterval</a:t>
-            </a:r>
-            <a:r>
-              <a:rPr kumimoji="0" lang="en-US" altLang="en-US" sz="900" b="0" i="0" u="none" strike="noStrike" cap="none" normalizeH="0" baseline="0" dirty="0">
-                <a:ln>
-                  <a:noFill/>
-                </a:ln>
-                <a:solidFill>
-                  <a:srgbClr val="9876AA"/>
-                </a:solidFill>
-                <a:effectLst/>
-                <a:latin typeface="JetBrains Mono"/>
-              </a:rPr>
-              <a:t>"</a:t>
+              <a:t>“waveGroupInterval"</a:t>
             </a:r>
             <a:r>
               <a:rPr kumimoji="0" lang="en-US" altLang="en-US" sz="900" b="0" i="0" u="none" strike="noStrike" cap="none" normalizeH="0" baseline="0" dirty="0">
@@ -7558,33 +7507,7 @@
                 <a:effectLst/>
                 <a:latin typeface="JetBrains Mono"/>
               </a:rPr>
-              <a:t>“</a:t>
-            </a:r>
-            <a:r>
-              <a:rPr kumimoji="0" lang="en-US" altLang="en-US" sz="900" b="0" i="0" u="none" strike="noStrike" cap="none" normalizeH="0" baseline="0" dirty="0" err="1">
-                <a:ln>
-                  <a:noFill/>
-                </a:ln>
-                <a:solidFill>
-                  <a:srgbClr val="9876AA"/>
-                </a:solidFill>
-                <a:effectLst/>
-                <a:latin typeface="JetBrains Mono"/>
-              </a:rPr>
-              <a:t>waveGroupCount</a:t>
-            </a:r>
-            <a:r>
-              <a:rPr kumimoji="0" lang="en-US" altLang="en-US" sz="900" b="0" i="0" u="none" strike="noStrike" cap="none" normalizeH="0" baseline="0" dirty="0">
-                <a:ln>
-                  <a:noFill/>
-                </a:ln>
-                <a:solidFill>
-                  <a:srgbClr val="9876AA"/>
-                </a:solidFill>
-                <a:effectLst/>
-                <a:latin typeface="JetBrains Mono"/>
-              </a:rPr>
-              <a:t>"</a:t>
+              <a:t>“waveGroupCount"</a:t>
             </a:r>
             <a:r>
               <a:rPr kumimoji="0" lang="en-US" altLang="en-US" sz="900" b="0" i="0" u="none" strike="noStrike" cap="none" normalizeH="0" baseline="0" dirty="0">
@@ -7657,33 +7580,7 @@
                 <a:effectLst/>
                 <a:latin typeface="JetBrains Mono"/>
               </a:rPr>
-              <a:t>“</a:t>
-            </a:r>
-            <a:r>
-              <a:rPr kumimoji="0" lang="en-US" altLang="en-US" sz="900" b="0" i="0" u="none" strike="noStrike" cap="none" normalizeH="0" baseline="0" dirty="0" err="1">
-                <a:ln>
-                  <a:noFill/>
-                </a:ln>
-                <a:solidFill>
-                  <a:srgbClr val="9876AA"/>
-                </a:solidFill>
-                <a:effectLst/>
-                <a:latin typeface="JetBrains Mono"/>
-              </a:rPr>
-              <a:t>telemetryBatchSize</a:t>
-            </a:r>
-            <a:r>
-              <a:rPr kumimoji="0" lang="en-US" altLang="en-US" sz="900" b="0" i="0" u="none" strike="noStrike" cap="none" normalizeH="0" baseline="0" dirty="0">
-                <a:ln>
-                  <a:noFill/>
-                </a:ln>
-                <a:solidFill>
-                  <a:srgbClr val="9876AA"/>
-                </a:solidFill>
-                <a:effectLst/>
-                <a:latin typeface="JetBrains Mono"/>
-              </a:rPr>
-              <a:t>"</a:t>
+              <a:t>“telemetryBatchSize"</a:t>
             </a:r>
             <a:r>
               <a:rPr kumimoji="0" lang="en-US" altLang="en-US" sz="900" b="0" i="0" u="none" strike="noStrike" cap="none" normalizeH="0" baseline="0" dirty="0">
@@ -7756,33 +7653,7 @@
                 <a:effectLst/>
                 <a:latin typeface="JetBrains Mono"/>
               </a:rPr>
-              <a:t>“</a:t>
-            </a:r>
-            <a:r>
-              <a:rPr kumimoji="0" lang="en-US" altLang="en-US" sz="900" b="0" i="0" u="none" strike="noStrike" cap="none" normalizeH="0" baseline="0" dirty="0" err="1">
-                <a:ln>
-                  <a:noFill/>
-                </a:ln>
-                <a:solidFill>
-                  <a:srgbClr val="9876AA"/>
-                </a:solidFill>
-                <a:effectLst/>
-                <a:latin typeface="JetBrains Mono"/>
-              </a:rPr>
-              <a:t>telemetryInterval</a:t>
-            </a:r>
-            <a:r>
-              <a:rPr kumimoji="0" lang="en-US" altLang="en-US" sz="900" b="0" i="0" u="none" strike="noStrike" cap="none" normalizeH="0" baseline="0" dirty="0">
-                <a:ln>
-                  <a:noFill/>
-                </a:ln>
-                <a:solidFill>
-                  <a:srgbClr val="9876AA"/>
-                </a:solidFill>
-                <a:effectLst/>
-                <a:latin typeface="JetBrains Mono"/>
-              </a:rPr>
-              <a:t>"</a:t>
+              <a:t>“telemetryInterval"</a:t>
             </a:r>
             <a:r>
               <a:rPr kumimoji="0" lang="en-US" altLang="en-US" sz="900" b="0" i="0" u="none" strike="noStrike" cap="none" normalizeH="0" baseline="0" dirty="0">
@@ -7859,33 +7730,7 @@
                 <a:effectLst/>
                 <a:latin typeface="JetBrains Mono"/>
               </a:rPr>
-              <a:t>“</a:t>
-            </a:r>
-            <a:r>
-              <a:rPr kumimoji="0" lang="en-US" altLang="en-US" sz="900" b="0" i="0" u="none" strike="noStrike" cap="none" normalizeH="0" baseline="0" dirty="0" err="1">
-                <a:ln>
-                  <a:noFill/>
-                </a:ln>
-                <a:solidFill>
-                  <a:srgbClr val="9876AA"/>
-                </a:solidFill>
-                <a:effectLst/>
-                <a:latin typeface="JetBrains Mono"/>
-              </a:rPr>
-              <a:t>reportedPropertyInterval</a:t>
-            </a:r>
-            <a:r>
-              <a:rPr kumimoji="0" lang="en-US" altLang="en-US" sz="900" b="0" i="0" u="none" strike="noStrike" cap="none" normalizeH="0" baseline="0" dirty="0">
-                <a:ln>
-                  <a:noFill/>
-                </a:ln>
-                <a:solidFill>
-                  <a:srgbClr val="9876AA"/>
-                </a:solidFill>
-                <a:effectLst/>
-                <a:latin typeface="JetBrains Mono"/>
-              </a:rPr>
-              <a:t>"</a:t>
+              <a:t>“reportedPropertyInterval"</a:t>
             </a:r>
             <a:r>
               <a:rPr kumimoji="0" lang="en-US" altLang="en-US" sz="900" b="0" i="0" u="none" strike="noStrike" cap="none" normalizeH="0" baseline="0" dirty="0">
@@ -7962,33 +7807,7 @@
                 <a:effectLst/>
                 <a:latin typeface="JetBrains Mono"/>
               </a:rPr>
-              <a:t>“</a:t>
-            </a:r>
-            <a:r>
-              <a:rPr kumimoji="0" lang="en-US" altLang="en-US" sz="900" b="0" i="0" u="none" strike="noStrike" cap="none" normalizeH="0" baseline="0" dirty="0" err="1">
-                <a:ln>
-                  <a:noFill/>
-                </a:ln>
-                <a:solidFill>
-                  <a:srgbClr val="9876AA"/>
-                </a:solidFill>
-                <a:effectLst/>
-                <a:latin typeface="JetBrains Mono"/>
-              </a:rPr>
-              <a:t>disconnectBehavior</a:t>
-            </a:r>
-            <a:r>
-              <a:rPr kumimoji="0" lang="en-US" altLang="en-US" sz="900" b="0" i="0" u="none" strike="noStrike" cap="none" normalizeH="0" baseline="0" dirty="0">
-                <a:ln>
-                  <a:noFill/>
-                </a:ln>
-                <a:solidFill>
-                  <a:srgbClr val="9876AA"/>
-                </a:solidFill>
-                <a:effectLst/>
-                <a:latin typeface="JetBrains Mono"/>
-              </a:rPr>
-              <a:t>"</a:t>
+              <a:t>“disconnectBehavior"</a:t>
             </a:r>
             <a:r>
               <a:rPr kumimoji="0" lang="en-US" altLang="en-US" sz="900" b="0" i="0" u="none" strike="noStrike" cap="none" normalizeH="0" baseline="0" dirty="0">
@@ -9315,7 +9134,7 @@
           </a:p>
           <a:p>
             <a:r>
-              <a:rPr lang="en-US" sz="1050" dirty="0" err="1">
+              <a:rPr lang="en-US" sz="1050" dirty="0">
                 <a:solidFill>
                   <a:schemeClr val="tx1">
                     <a:lumMod val="85000"/>
@@ -9323,8 +9142,10 @@
                   </a:schemeClr>
                 </a:solidFill>
               </a:rPr>
-              <a:t>WaveGroupCount</a:t>
-            </a:r>
+              <a:t>WaveGroupCount	int</a:t>
+            </a:r>
+          </a:p>
+          <a:p>
             <a:r>
               <a:rPr lang="en-US" sz="1050" dirty="0">
                 <a:solidFill>
@@ -9334,12 +9155,12 @@
                   </a:schemeClr>
                 </a:solidFill>
               </a:rPr>
-              <a:t>	int</a:t>
-            </a:r>
-          </a:p>
-          <a:p>
-            <a:r>
-              <a:rPr lang="en-US" sz="1050" dirty="0" err="1">
+              <a:t>WaveGroupInterval	int</a:t>
+            </a:r>
+          </a:p>
+          <a:p>
+            <a:r>
+              <a:rPr lang="en-US" sz="1050" dirty="0">
                 <a:solidFill>
                   <a:schemeClr val="tx1">
                     <a:lumMod val="85000"/>
@@ -9347,8 +9168,10 @@
                   </a:schemeClr>
                 </a:solidFill>
               </a:rPr>
-              <a:t>WaveGroupInterval</a:t>
-            </a:r>
+              <a:t>TelemetryBatchSize	int</a:t>
+            </a:r>
+          </a:p>
+          <a:p>
             <a:r>
               <a:rPr lang="en-US" sz="1050" dirty="0">
                 <a:solidFill>
@@ -9358,7 +9181,7 @@
                   </a:schemeClr>
                 </a:solidFill>
               </a:rPr>
-              <a:t>	int</a:t>
+              <a:t>TelemetryInterval	int</a:t>
             </a:r>
           </a:p>
           <a:p>
@@ -9371,7 +9194,7 @@
                   </a:schemeClr>
                 </a:solidFill>
               </a:rPr>
-              <a:t>TelemetryBatchSize</a:t>
+              <a:t>ReportedPropInterval</a:t>
             </a:r>
             <a:r>
               <a:rPr lang="en-US" sz="1050" dirty="0">
@@ -9387,7 +9210,7 @@
           </a:p>
           <a:p>
             <a:r>
-              <a:rPr lang="en-US" sz="1050" dirty="0" err="1">
+              <a:rPr lang="en-US" sz="1050" dirty="0">
                 <a:solidFill>
                   <a:schemeClr val="tx1">
                     <a:lumMod val="85000"/>
@@ -9395,66 +9218,7 @@
                   </a:schemeClr>
                 </a:solidFill>
               </a:rPr>
-              <a:t>TelemetryInterval</a:t>
-            </a:r>
-            <a:r>
-              <a:rPr lang="en-US" sz="1050" dirty="0">
-                <a:solidFill>
-                  <a:schemeClr val="tx1">
-                    <a:lumMod val="85000"/>
-                    <a:lumOff val="15000"/>
-                  </a:schemeClr>
-                </a:solidFill>
-              </a:rPr>
-              <a:t>	int</a:t>
-            </a:r>
-          </a:p>
-          <a:p>
-            <a:r>
-              <a:rPr lang="en-US" sz="1050" dirty="0" err="1">
-                <a:solidFill>
-                  <a:schemeClr val="tx1">
-                    <a:lumMod val="85000"/>
-                    <a:lumOff val="15000"/>
-                  </a:schemeClr>
-                </a:solidFill>
-              </a:rPr>
-              <a:t>ReportedPropInterval</a:t>
-            </a:r>
-            <a:r>
-              <a:rPr lang="en-US" sz="1050" dirty="0">
-                <a:solidFill>
-                  <a:schemeClr val="tx1">
-                    <a:lumMod val="85000"/>
-                    <a:lumOff val="15000"/>
-                  </a:schemeClr>
-                </a:solidFill>
-              </a:rPr>
-              <a:t>	int</a:t>
-            </a:r>
-          </a:p>
-          <a:p>
-            <a:r>
-              <a:rPr lang="en-US" sz="1050" dirty="0" err="1">
-                <a:solidFill>
-                  <a:schemeClr val="tx1">
-                    <a:lumMod val="85000"/>
-                    <a:lumOff val="15000"/>
-                  </a:schemeClr>
-                </a:solidFill>
-              </a:rPr>
-              <a:t>DisconnectBehavior</a:t>
-            </a:r>
-            <a:r>
-              <a:rPr lang="en-US" sz="1050" dirty="0">
-                <a:solidFill>
-                  <a:schemeClr val="tx1">
-                    <a:lumMod val="85000"/>
-                    <a:lumOff val="15000"/>
-                  </a:schemeClr>
-                </a:solidFill>
-              </a:rPr>
-              <a:t>	</a:t>
+              <a:t>DisconnectBehavior	</a:t>
             </a:r>
             <a:r>
               <a:rPr lang="en-US" sz="1050" dirty="0" err="1">
@@ -10343,10 +10107,5458 @@
           <a:chExt cx="0" cy="0"/>
         </a:xfrm>
       </p:grpSpPr>
+      <p:sp>
+        <p:nvSpPr>
+          <p:cNvPr id="2" name="Title 1">
+            <a:extLst>
+              <a:ext uri="{FF2B5EF4-FFF2-40B4-BE49-F238E27FC236}">
+                <a16:creationId xmlns:a16="http://schemas.microsoft.com/office/drawing/2014/main" id="{3653B71B-09D3-4F92-A323-6FC7BDEA0C60}"/>
+              </a:ext>
+            </a:extLst>
+          </p:cNvPr>
+          <p:cNvSpPr>
+            <a:spLocks noGrp="1"/>
+          </p:cNvSpPr>
+          <p:nvPr>
+            <p:ph type="title"/>
+          </p:nvPr>
+        </p:nvSpPr>
+        <p:spPr/>
+        <p:txBody>
+          <a:bodyPr/>
+          <a:lstStyle/>
+          <a:p>
+            <a:r>
+              <a:rPr lang="en-US" dirty="0"/>
+              <a:t>Scenario 1: Simple</a:t>
+            </a:r>
+          </a:p>
+        </p:txBody>
+      </p:sp>
+      <p:sp>
+        <p:nvSpPr>
+          <p:cNvPr id="5" name="Rectangle 4">
+            <a:extLst>
+              <a:ext uri="{FF2B5EF4-FFF2-40B4-BE49-F238E27FC236}">
+                <a16:creationId xmlns:a16="http://schemas.microsoft.com/office/drawing/2014/main" id="{A8CE9FC8-DCD7-4F1B-ACC1-E970614AE861}"/>
+              </a:ext>
+            </a:extLst>
+          </p:cNvPr>
+          <p:cNvSpPr/>
+          <p:nvPr/>
+        </p:nvSpPr>
+        <p:spPr>
+          <a:xfrm>
+            <a:off x="3551315" y="4352030"/>
+            <a:ext cx="483747" cy="265471"/>
+          </a:xfrm>
+          <a:prstGeom prst="rect">
+            <a:avLst/>
+          </a:prstGeom>
+          <a:solidFill>
+            <a:schemeClr val="accent1">
+              <a:lumMod val="20000"/>
+              <a:lumOff val="80000"/>
+            </a:schemeClr>
+          </a:solidFill>
+          <a:ln w="6350">
+            <a:solidFill>
+              <a:schemeClr val="bg1">
+                <a:lumMod val="65000"/>
+              </a:schemeClr>
+            </a:solidFill>
+          </a:ln>
+        </p:spPr>
+        <p:style>
+          <a:lnRef idx="2">
+            <a:schemeClr val="accent1">
+              <a:shade val="50000"/>
+            </a:schemeClr>
+          </a:lnRef>
+          <a:fillRef idx="1">
+            <a:schemeClr val="accent1"/>
+          </a:fillRef>
+          <a:effectRef idx="0">
+            <a:schemeClr val="accent1"/>
+          </a:effectRef>
+          <a:fontRef idx="minor">
+            <a:schemeClr val="lt1"/>
+          </a:fontRef>
+        </p:style>
+        <p:txBody>
+          <a:bodyPr rtlCol="0" anchor="ctr"/>
+          <a:lstStyle/>
+          <a:p>
+            <a:pPr algn="ctr"/>
+            <a:r>
+              <a:rPr lang="en-US" sz="700" b="1" dirty="0">
+                <a:solidFill>
+                  <a:schemeClr val="tx1">
+                    <a:lumMod val="85000"/>
+                    <a:lumOff val="15000"/>
+                  </a:schemeClr>
+                </a:solidFill>
+              </a:rPr>
+              <a:t>Car1</a:t>
+            </a:r>
+          </a:p>
+          <a:p>
+            <a:pPr algn="ctr"/>
+            <a:r>
+              <a:rPr lang="en-US" sz="700" dirty="0">
+                <a:solidFill>
+                  <a:schemeClr val="tx1">
+                    <a:lumMod val="85000"/>
+                    <a:lumOff val="15000"/>
+                  </a:schemeClr>
+                </a:solidFill>
+              </a:rPr>
+              <a:t>1 msg</a:t>
+            </a:r>
+          </a:p>
+        </p:txBody>
+      </p:sp>
+      <p:sp>
+        <p:nvSpPr>
+          <p:cNvPr id="7" name="Rectangle 6">
+            <a:extLst>
+              <a:ext uri="{FF2B5EF4-FFF2-40B4-BE49-F238E27FC236}">
+                <a16:creationId xmlns:a16="http://schemas.microsoft.com/office/drawing/2014/main" id="{F5CF39D6-F846-4D00-AFC1-AEB5678F4279}"/>
+              </a:ext>
+            </a:extLst>
+          </p:cNvPr>
+          <p:cNvSpPr/>
+          <p:nvPr/>
+        </p:nvSpPr>
+        <p:spPr>
+          <a:xfrm>
+            <a:off x="3551316" y="4617501"/>
+            <a:ext cx="483747" cy="265471"/>
+          </a:xfrm>
+          <a:prstGeom prst="rect">
+            <a:avLst/>
+          </a:prstGeom>
+          <a:solidFill>
+            <a:schemeClr val="accent1">
+              <a:lumMod val="20000"/>
+              <a:lumOff val="80000"/>
+            </a:schemeClr>
+          </a:solidFill>
+          <a:ln w="6350">
+            <a:solidFill>
+              <a:schemeClr val="bg1">
+                <a:lumMod val="65000"/>
+              </a:schemeClr>
+            </a:solidFill>
+          </a:ln>
+        </p:spPr>
+        <p:style>
+          <a:lnRef idx="2">
+            <a:schemeClr val="accent1">
+              <a:shade val="50000"/>
+            </a:schemeClr>
+          </a:lnRef>
+          <a:fillRef idx="1">
+            <a:schemeClr val="accent1"/>
+          </a:fillRef>
+          <a:effectRef idx="0">
+            <a:schemeClr val="accent1"/>
+          </a:effectRef>
+          <a:fontRef idx="minor">
+            <a:schemeClr val="lt1"/>
+          </a:fontRef>
+        </p:style>
+        <p:txBody>
+          <a:bodyPr rtlCol="0" anchor="ctr"/>
+          <a:lstStyle/>
+          <a:p>
+            <a:pPr algn="ctr"/>
+            <a:r>
+              <a:rPr lang="en-US" sz="700" b="1" dirty="0">
+                <a:solidFill>
+                  <a:schemeClr val="tx1">
+                    <a:lumMod val="85000"/>
+                    <a:lumOff val="15000"/>
+                  </a:schemeClr>
+                </a:solidFill>
+              </a:rPr>
+              <a:t>Car2</a:t>
+            </a:r>
+          </a:p>
+          <a:p>
+            <a:pPr algn="ctr"/>
+            <a:r>
+              <a:rPr lang="en-US" sz="700" dirty="0">
+                <a:solidFill>
+                  <a:schemeClr val="tx1">
+                    <a:lumMod val="85000"/>
+                    <a:lumOff val="15000"/>
+                  </a:schemeClr>
+                </a:solidFill>
+              </a:rPr>
+              <a:t>1 msg</a:t>
+            </a:r>
+          </a:p>
+        </p:txBody>
+      </p:sp>
+      <p:sp>
+        <p:nvSpPr>
+          <p:cNvPr id="9" name="Rectangle 8">
+            <a:extLst>
+              <a:ext uri="{FF2B5EF4-FFF2-40B4-BE49-F238E27FC236}">
+                <a16:creationId xmlns:a16="http://schemas.microsoft.com/office/drawing/2014/main" id="{BD6D2FE1-45FE-401B-9139-FAF14C2B026B}"/>
+              </a:ext>
+            </a:extLst>
+          </p:cNvPr>
+          <p:cNvSpPr/>
+          <p:nvPr/>
+        </p:nvSpPr>
+        <p:spPr>
+          <a:xfrm>
+            <a:off x="3551315" y="4882972"/>
+            <a:ext cx="483747" cy="265471"/>
+          </a:xfrm>
+          <a:prstGeom prst="rect">
+            <a:avLst/>
+          </a:prstGeom>
+          <a:solidFill>
+            <a:schemeClr val="accent1">
+              <a:lumMod val="20000"/>
+              <a:lumOff val="80000"/>
+            </a:schemeClr>
+          </a:solidFill>
+          <a:ln w="6350">
+            <a:solidFill>
+              <a:schemeClr val="bg1">
+                <a:lumMod val="65000"/>
+              </a:schemeClr>
+            </a:solidFill>
+          </a:ln>
+        </p:spPr>
+        <p:style>
+          <a:lnRef idx="2">
+            <a:schemeClr val="accent1">
+              <a:shade val="50000"/>
+            </a:schemeClr>
+          </a:lnRef>
+          <a:fillRef idx="1">
+            <a:schemeClr val="accent1"/>
+          </a:fillRef>
+          <a:effectRef idx="0">
+            <a:schemeClr val="accent1"/>
+          </a:effectRef>
+          <a:fontRef idx="minor">
+            <a:schemeClr val="lt1"/>
+          </a:fontRef>
+        </p:style>
+        <p:txBody>
+          <a:bodyPr rtlCol="0" anchor="ctr"/>
+          <a:lstStyle/>
+          <a:p>
+            <a:pPr algn="ctr"/>
+            <a:r>
+              <a:rPr lang="en-US" sz="700" dirty="0">
+                <a:solidFill>
+                  <a:schemeClr val="tx1">
+                    <a:lumMod val="85000"/>
+                    <a:lumOff val="15000"/>
+                  </a:schemeClr>
+                </a:solidFill>
+              </a:rPr>
+              <a:t>…</a:t>
+            </a:r>
+          </a:p>
+        </p:txBody>
+      </p:sp>
+      <p:sp>
+        <p:nvSpPr>
+          <p:cNvPr id="11" name="Rectangle 10">
+            <a:extLst>
+              <a:ext uri="{FF2B5EF4-FFF2-40B4-BE49-F238E27FC236}">
+                <a16:creationId xmlns:a16="http://schemas.microsoft.com/office/drawing/2014/main" id="{E33C3044-26EB-4CEE-87B6-D345A52B26A7}"/>
+              </a:ext>
+            </a:extLst>
+          </p:cNvPr>
+          <p:cNvSpPr/>
+          <p:nvPr/>
+        </p:nvSpPr>
+        <p:spPr>
+          <a:xfrm>
+            <a:off x="3551315" y="5148443"/>
+            <a:ext cx="483747" cy="265471"/>
+          </a:xfrm>
+          <a:prstGeom prst="rect">
+            <a:avLst/>
+          </a:prstGeom>
+          <a:solidFill>
+            <a:schemeClr val="accent1">
+              <a:lumMod val="20000"/>
+              <a:lumOff val="80000"/>
+            </a:schemeClr>
+          </a:solidFill>
+          <a:ln w="6350">
+            <a:solidFill>
+              <a:schemeClr val="bg1">
+                <a:lumMod val="65000"/>
+              </a:schemeClr>
+            </a:solidFill>
+          </a:ln>
+        </p:spPr>
+        <p:style>
+          <a:lnRef idx="2">
+            <a:schemeClr val="accent1">
+              <a:shade val="50000"/>
+            </a:schemeClr>
+          </a:lnRef>
+          <a:fillRef idx="1">
+            <a:schemeClr val="accent1"/>
+          </a:fillRef>
+          <a:effectRef idx="0">
+            <a:schemeClr val="accent1"/>
+          </a:effectRef>
+          <a:fontRef idx="minor">
+            <a:schemeClr val="lt1"/>
+          </a:fontRef>
+        </p:style>
+        <p:txBody>
+          <a:bodyPr rtlCol="0" anchor="ctr"/>
+          <a:lstStyle/>
+          <a:p>
+            <a:pPr algn="ctr"/>
+            <a:r>
+              <a:rPr lang="en-US" sz="700" b="1" dirty="0">
+                <a:solidFill>
+                  <a:schemeClr val="tx1">
+                    <a:lumMod val="85000"/>
+                    <a:lumOff val="15000"/>
+                  </a:schemeClr>
+                </a:solidFill>
+              </a:rPr>
+              <a:t>Car300</a:t>
+            </a:r>
+          </a:p>
+          <a:p>
+            <a:pPr algn="ctr"/>
+            <a:r>
+              <a:rPr lang="en-US" sz="700" dirty="0">
+                <a:solidFill>
+                  <a:schemeClr val="tx1">
+                    <a:lumMod val="85000"/>
+                    <a:lumOff val="15000"/>
+                  </a:schemeClr>
+                </a:solidFill>
+              </a:rPr>
+              <a:t>1 msg</a:t>
+            </a:r>
+          </a:p>
+        </p:txBody>
+      </p:sp>
+      <p:sp>
+        <p:nvSpPr>
+          <p:cNvPr id="29" name="Rectangle 28">
+            <a:extLst>
+              <a:ext uri="{FF2B5EF4-FFF2-40B4-BE49-F238E27FC236}">
+                <a16:creationId xmlns:a16="http://schemas.microsoft.com/office/drawing/2014/main" id="{D7EC5989-E84B-4275-AB60-BC3CE9BA5E6F}"/>
+              </a:ext>
+            </a:extLst>
+          </p:cNvPr>
+          <p:cNvSpPr/>
+          <p:nvPr/>
+        </p:nvSpPr>
+        <p:spPr>
+          <a:xfrm>
+            <a:off x="5700201" y="4312052"/>
+            <a:ext cx="483747" cy="265471"/>
+          </a:xfrm>
+          <a:prstGeom prst="rect">
+            <a:avLst/>
+          </a:prstGeom>
+          <a:solidFill>
+            <a:schemeClr val="accent1">
+              <a:lumMod val="20000"/>
+              <a:lumOff val="80000"/>
+            </a:schemeClr>
+          </a:solidFill>
+          <a:ln w="6350">
+            <a:solidFill>
+              <a:schemeClr val="bg1">
+                <a:lumMod val="65000"/>
+              </a:schemeClr>
+            </a:solidFill>
+          </a:ln>
+        </p:spPr>
+        <p:style>
+          <a:lnRef idx="2">
+            <a:schemeClr val="accent1">
+              <a:shade val="50000"/>
+            </a:schemeClr>
+          </a:lnRef>
+          <a:fillRef idx="1">
+            <a:schemeClr val="accent1"/>
+          </a:fillRef>
+          <a:effectRef idx="0">
+            <a:schemeClr val="accent1"/>
+          </a:effectRef>
+          <a:fontRef idx="minor">
+            <a:schemeClr val="lt1"/>
+          </a:fontRef>
+        </p:style>
+        <p:txBody>
+          <a:bodyPr rtlCol="0" anchor="ctr"/>
+          <a:lstStyle/>
+          <a:p>
+            <a:pPr algn="ctr"/>
+            <a:r>
+              <a:rPr lang="en-US" sz="700" b="1" dirty="0">
+                <a:solidFill>
+                  <a:schemeClr val="tx1">
+                    <a:lumMod val="85000"/>
+                    <a:lumOff val="15000"/>
+                  </a:schemeClr>
+                </a:solidFill>
+              </a:rPr>
+              <a:t>Car1</a:t>
+            </a:r>
+          </a:p>
+          <a:p>
+            <a:pPr algn="ctr"/>
+            <a:r>
+              <a:rPr lang="en-US" sz="700" dirty="0">
+                <a:solidFill>
+                  <a:schemeClr val="tx1">
+                    <a:lumMod val="85000"/>
+                    <a:lumOff val="15000"/>
+                  </a:schemeClr>
+                </a:solidFill>
+              </a:rPr>
+              <a:t>1 msg</a:t>
+            </a:r>
+          </a:p>
+        </p:txBody>
+      </p:sp>
+      <p:sp>
+        <p:nvSpPr>
+          <p:cNvPr id="31" name="Rectangle 30">
+            <a:extLst>
+              <a:ext uri="{FF2B5EF4-FFF2-40B4-BE49-F238E27FC236}">
+                <a16:creationId xmlns:a16="http://schemas.microsoft.com/office/drawing/2014/main" id="{2D29FB41-1FDC-4A53-B68B-26146C057AEA}"/>
+              </a:ext>
+            </a:extLst>
+          </p:cNvPr>
+          <p:cNvSpPr/>
+          <p:nvPr/>
+        </p:nvSpPr>
+        <p:spPr>
+          <a:xfrm>
+            <a:off x="5700202" y="4577523"/>
+            <a:ext cx="483747" cy="265471"/>
+          </a:xfrm>
+          <a:prstGeom prst="rect">
+            <a:avLst/>
+          </a:prstGeom>
+          <a:solidFill>
+            <a:schemeClr val="accent1">
+              <a:lumMod val="20000"/>
+              <a:lumOff val="80000"/>
+            </a:schemeClr>
+          </a:solidFill>
+          <a:ln w="6350">
+            <a:solidFill>
+              <a:schemeClr val="bg1">
+                <a:lumMod val="65000"/>
+              </a:schemeClr>
+            </a:solidFill>
+          </a:ln>
+        </p:spPr>
+        <p:style>
+          <a:lnRef idx="2">
+            <a:schemeClr val="accent1">
+              <a:shade val="50000"/>
+            </a:schemeClr>
+          </a:lnRef>
+          <a:fillRef idx="1">
+            <a:schemeClr val="accent1"/>
+          </a:fillRef>
+          <a:effectRef idx="0">
+            <a:schemeClr val="accent1"/>
+          </a:effectRef>
+          <a:fontRef idx="minor">
+            <a:schemeClr val="lt1"/>
+          </a:fontRef>
+        </p:style>
+        <p:txBody>
+          <a:bodyPr rtlCol="0" anchor="ctr"/>
+          <a:lstStyle/>
+          <a:p>
+            <a:pPr algn="ctr"/>
+            <a:r>
+              <a:rPr lang="en-US" sz="700" b="1" dirty="0">
+                <a:solidFill>
+                  <a:schemeClr val="tx1">
+                    <a:lumMod val="85000"/>
+                    <a:lumOff val="15000"/>
+                  </a:schemeClr>
+                </a:solidFill>
+              </a:rPr>
+              <a:t>Car2</a:t>
+            </a:r>
+          </a:p>
+          <a:p>
+            <a:pPr algn="ctr"/>
+            <a:r>
+              <a:rPr lang="en-US" sz="700" dirty="0">
+                <a:solidFill>
+                  <a:schemeClr val="tx1">
+                    <a:lumMod val="85000"/>
+                    <a:lumOff val="15000"/>
+                  </a:schemeClr>
+                </a:solidFill>
+              </a:rPr>
+              <a:t>1 msg</a:t>
+            </a:r>
+          </a:p>
+        </p:txBody>
+      </p:sp>
+      <p:sp>
+        <p:nvSpPr>
+          <p:cNvPr id="33" name="Rectangle 32">
+            <a:extLst>
+              <a:ext uri="{FF2B5EF4-FFF2-40B4-BE49-F238E27FC236}">
+                <a16:creationId xmlns:a16="http://schemas.microsoft.com/office/drawing/2014/main" id="{A1D9D51C-9C4D-4E39-8EAA-E455C2D48459}"/>
+              </a:ext>
+            </a:extLst>
+          </p:cNvPr>
+          <p:cNvSpPr/>
+          <p:nvPr/>
+        </p:nvSpPr>
+        <p:spPr>
+          <a:xfrm>
+            <a:off x="5700201" y="4842994"/>
+            <a:ext cx="483747" cy="265471"/>
+          </a:xfrm>
+          <a:prstGeom prst="rect">
+            <a:avLst/>
+          </a:prstGeom>
+          <a:solidFill>
+            <a:schemeClr val="accent1">
+              <a:lumMod val="20000"/>
+              <a:lumOff val="80000"/>
+            </a:schemeClr>
+          </a:solidFill>
+          <a:ln w="6350">
+            <a:solidFill>
+              <a:schemeClr val="bg1">
+                <a:lumMod val="65000"/>
+              </a:schemeClr>
+            </a:solidFill>
+          </a:ln>
+        </p:spPr>
+        <p:style>
+          <a:lnRef idx="2">
+            <a:schemeClr val="accent1">
+              <a:shade val="50000"/>
+            </a:schemeClr>
+          </a:lnRef>
+          <a:fillRef idx="1">
+            <a:schemeClr val="accent1"/>
+          </a:fillRef>
+          <a:effectRef idx="0">
+            <a:schemeClr val="accent1"/>
+          </a:effectRef>
+          <a:fontRef idx="minor">
+            <a:schemeClr val="lt1"/>
+          </a:fontRef>
+        </p:style>
+        <p:txBody>
+          <a:bodyPr rtlCol="0" anchor="ctr"/>
+          <a:lstStyle/>
+          <a:p>
+            <a:pPr algn="ctr"/>
+            <a:r>
+              <a:rPr lang="en-US" sz="700" dirty="0">
+                <a:solidFill>
+                  <a:schemeClr val="tx1">
+                    <a:lumMod val="85000"/>
+                    <a:lumOff val="15000"/>
+                  </a:schemeClr>
+                </a:solidFill>
+              </a:rPr>
+              <a:t>…</a:t>
+            </a:r>
+          </a:p>
+        </p:txBody>
+      </p:sp>
+      <p:sp>
+        <p:nvSpPr>
+          <p:cNvPr id="35" name="Rectangle 34">
+            <a:extLst>
+              <a:ext uri="{FF2B5EF4-FFF2-40B4-BE49-F238E27FC236}">
+                <a16:creationId xmlns:a16="http://schemas.microsoft.com/office/drawing/2014/main" id="{6C0D906A-461B-436B-8F52-02A4779E056D}"/>
+              </a:ext>
+            </a:extLst>
+          </p:cNvPr>
+          <p:cNvSpPr/>
+          <p:nvPr/>
+        </p:nvSpPr>
+        <p:spPr>
+          <a:xfrm>
+            <a:off x="5700201" y="5108465"/>
+            <a:ext cx="483747" cy="265471"/>
+          </a:xfrm>
+          <a:prstGeom prst="rect">
+            <a:avLst/>
+          </a:prstGeom>
+          <a:solidFill>
+            <a:schemeClr val="accent1">
+              <a:lumMod val="20000"/>
+              <a:lumOff val="80000"/>
+            </a:schemeClr>
+          </a:solidFill>
+          <a:ln w="6350">
+            <a:solidFill>
+              <a:schemeClr val="bg1">
+                <a:lumMod val="65000"/>
+              </a:schemeClr>
+            </a:solidFill>
+          </a:ln>
+        </p:spPr>
+        <p:style>
+          <a:lnRef idx="2">
+            <a:schemeClr val="accent1">
+              <a:shade val="50000"/>
+            </a:schemeClr>
+          </a:lnRef>
+          <a:fillRef idx="1">
+            <a:schemeClr val="accent1"/>
+          </a:fillRef>
+          <a:effectRef idx="0">
+            <a:schemeClr val="accent1"/>
+          </a:effectRef>
+          <a:fontRef idx="minor">
+            <a:schemeClr val="lt1"/>
+          </a:fontRef>
+        </p:style>
+        <p:txBody>
+          <a:bodyPr rtlCol="0" anchor="ctr"/>
+          <a:lstStyle/>
+          <a:p>
+            <a:pPr algn="ctr"/>
+            <a:r>
+              <a:rPr lang="en-US" sz="700" b="1" dirty="0">
+                <a:solidFill>
+                  <a:schemeClr val="tx1">
+                    <a:lumMod val="85000"/>
+                    <a:lumOff val="15000"/>
+                  </a:schemeClr>
+                </a:solidFill>
+              </a:rPr>
+              <a:t>Car300</a:t>
+            </a:r>
+          </a:p>
+          <a:p>
+            <a:pPr algn="ctr"/>
+            <a:r>
+              <a:rPr lang="en-US" sz="700" dirty="0">
+                <a:solidFill>
+                  <a:schemeClr val="tx1">
+                    <a:lumMod val="85000"/>
+                    <a:lumOff val="15000"/>
+                  </a:schemeClr>
+                </a:solidFill>
+              </a:rPr>
+              <a:t>1 msg</a:t>
+            </a:r>
+          </a:p>
+        </p:txBody>
+      </p:sp>
+      <p:cxnSp>
+        <p:nvCxnSpPr>
+          <p:cNvPr id="53" name="Straight Arrow Connector 52">
+            <a:extLst>
+              <a:ext uri="{FF2B5EF4-FFF2-40B4-BE49-F238E27FC236}">
+                <a16:creationId xmlns:a16="http://schemas.microsoft.com/office/drawing/2014/main" id="{E6EBE9DE-A64A-4C85-B849-060BED6475B4}"/>
+              </a:ext>
+            </a:extLst>
+          </p:cNvPr>
+          <p:cNvCxnSpPr>
+            <a:cxnSpLocks/>
+          </p:cNvCxnSpPr>
+          <p:nvPr/>
+        </p:nvCxnSpPr>
+        <p:spPr>
+          <a:xfrm>
+            <a:off x="1037443" y="5463131"/>
+            <a:ext cx="7292447" cy="0"/>
+          </a:xfrm>
+          <a:prstGeom prst="straightConnector1">
+            <a:avLst/>
+          </a:prstGeom>
+          <a:ln w="25400">
+            <a:solidFill>
+              <a:schemeClr val="tx1">
+                <a:lumMod val="65000"/>
+                <a:lumOff val="35000"/>
+              </a:schemeClr>
+            </a:solidFill>
+            <a:tailEnd type="triangle"/>
+          </a:ln>
+        </p:spPr>
+        <p:style>
+          <a:lnRef idx="1">
+            <a:schemeClr val="accent1"/>
+          </a:lnRef>
+          <a:fillRef idx="0">
+            <a:schemeClr val="accent1"/>
+          </a:fillRef>
+          <a:effectRef idx="0">
+            <a:schemeClr val="accent1"/>
+          </a:effectRef>
+          <a:fontRef idx="minor">
+            <a:schemeClr val="tx1"/>
+          </a:fontRef>
+        </p:style>
+      </p:cxnSp>
+      <p:sp>
+        <p:nvSpPr>
+          <p:cNvPr id="55" name="TextBox 54">
+            <a:extLst>
+              <a:ext uri="{FF2B5EF4-FFF2-40B4-BE49-F238E27FC236}">
+                <a16:creationId xmlns:a16="http://schemas.microsoft.com/office/drawing/2014/main" id="{EA248DA2-88DF-4B50-A32B-A5D36BBDBA39}"/>
+              </a:ext>
+            </a:extLst>
+          </p:cNvPr>
+          <p:cNvSpPr txBox="1"/>
+          <p:nvPr/>
+        </p:nvSpPr>
+        <p:spPr>
+          <a:xfrm>
+            <a:off x="3542157" y="5493908"/>
+            <a:ext cx="502061" cy="200055"/>
+          </a:xfrm>
+          <a:prstGeom prst="rect">
+            <a:avLst/>
+          </a:prstGeom>
+          <a:noFill/>
+        </p:spPr>
+        <p:txBody>
+          <a:bodyPr wrap="none" rtlCol="0">
+            <a:spAutoFit/>
+          </a:bodyPr>
+          <a:lstStyle/>
+          <a:p>
+            <a:r>
+              <a:rPr lang="en-US" sz="700" dirty="0"/>
+              <a:t>00:00:00</a:t>
+            </a:r>
+          </a:p>
+        </p:txBody>
+      </p:sp>
+      <p:sp>
+        <p:nvSpPr>
+          <p:cNvPr id="61" name="TextBox 60">
+            <a:extLst>
+              <a:ext uri="{FF2B5EF4-FFF2-40B4-BE49-F238E27FC236}">
+                <a16:creationId xmlns:a16="http://schemas.microsoft.com/office/drawing/2014/main" id="{42984166-F797-4D3E-B9C6-55FA7DA47229}"/>
+              </a:ext>
+            </a:extLst>
+          </p:cNvPr>
+          <p:cNvSpPr txBox="1"/>
+          <p:nvPr/>
+        </p:nvSpPr>
+        <p:spPr>
+          <a:xfrm>
+            <a:off x="1210410" y="5463131"/>
+            <a:ext cx="601447" cy="230832"/>
+          </a:xfrm>
+          <a:prstGeom prst="rect">
+            <a:avLst/>
+          </a:prstGeom>
+          <a:noFill/>
+        </p:spPr>
+        <p:txBody>
+          <a:bodyPr wrap="none" rtlCol="0">
+            <a:spAutoFit/>
+          </a:bodyPr>
+          <a:lstStyle/>
+          <a:p>
+            <a:r>
+              <a:rPr lang="en-US" sz="900" b="1" dirty="0"/>
+              <a:t>Timeline</a:t>
+            </a:r>
+          </a:p>
+        </p:txBody>
+      </p:sp>
+      <p:sp>
+        <p:nvSpPr>
+          <p:cNvPr id="63" name="TextBox 62">
+            <a:extLst>
+              <a:ext uri="{FF2B5EF4-FFF2-40B4-BE49-F238E27FC236}">
+                <a16:creationId xmlns:a16="http://schemas.microsoft.com/office/drawing/2014/main" id="{2A8D7FCB-021D-4155-B91D-4AB013C333E5}"/>
+              </a:ext>
+            </a:extLst>
+          </p:cNvPr>
+          <p:cNvSpPr txBox="1"/>
+          <p:nvPr/>
+        </p:nvSpPr>
+        <p:spPr>
+          <a:xfrm>
+            <a:off x="5691043" y="5453930"/>
+            <a:ext cx="502061" cy="200055"/>
+          </a:xfrm>
+          <a:prstGeom prst="rect">
+            <a:avLst/>
+          </a:prstGeom>
+          <a:noFill/>
+        </p:spPr>
+        <p:txBody>
+          <a:bodyPr wrap="none" rtlCol="0">
+            <a:spAutoFit/>
+          </a:bodyPr>
+          <a:lstStyle/>
+          <a:p>
+            <a:r>
+              <a:rPr lang="en-US" sz="700" dirty="0"/>
+              <a:t>00:02:00</a:t>
+            </a:r>
+          </a:p>
+        </p:txBody>
+      </p:sp>
+      <p:sp>
+        <p:nvSpPr>
+          <p:cNvPr id="69" name="Left Brace 68">
+            <a:extLst>
+              <a:ext uri="{FF2B5EF4-FFF2-40B4-BE49-F238E27FC236}">
+                <a16:creationId xmlns:a16="http://schemas.microsoft.com/office/drawing/2014/main" id="{A795ACAC-3DEB-423B-B3F3-D81AF196E74C}"/>
+              </a:ext>
+            </a:extLst>
+          </p:cNvPr>
+          <p:cNvSpPr/>
+          <p:nvPr/>
+        </p:nvSpPr>
+        <p:spPr>
+          <a:xfrm>
+            <a:off x="3351716" y="4352030"/>
+            <a:ext cx="133066" cy="1065932"/>
+          </a:xfrm>
+          <a:prstGeom prst="leftBrace">
+            <a:avLst/>
+          </a:prstGeom>
+          <a:ln>
+            <a:solidFill>
+              <a:schemeClr val="tx1">
+                <a:lumMod val="75000"/>
+                <a:lumOff val="25000"/>
+              </a:schemeClr>
+            </a:solidFill>
+          </a:ln>
+        </p:spPr>
+        <p:style>
+          <a:lnRef idx="1">
+            <a:schemeClr val="dk1"/>
+          </a:lnRef>
+          <a:fillRef idx="0">
+            <a:schemeClr val="dk1"/>
+          </a:fillRef>
+          <a:effectRef idx="0">
+            <a:schemeClr val="dk1"/>
+          </a:effectRef>
+          <a:fontRef idx="minor">
+            <a:schemeClr val="tx1"/>
+          </a:fontRef>
+        </p:style>
+        <p:txBody>
+          <a:bodyPr rtlCol="0" anchor="ctr"/>
+          <a:lstStyle/>
+          <a:p>
+            <a:pPr algn="ctr"/>
+            <a:endParaRPr lang="en-US"/>
+          </a:p>
+        </p:txBody>
+      </p:sp>
+      <p:sp>
+        <p:nvSpPr>
+          <p:cNvPr id="73" name="Left Brace 72">
+            <a:extLst>
+              <a:ext uri="{FF2B5EF4-FFF2-40B4-BE49-F238E27FC236}">
+                <a16:creationId xmlns:a16="http://schemas.microsoft.com/office/drawing/2014/main" id="{39E832D0-A6FC-4118-B2F1-55BDE7544EA4}"/>
+              </a:ext>
+            </a:extLst>
+          </p:cNvPr>
+          <p:cNvSpPr/>
+          <p:nvPr/>
+        </p:nvSpPr>
+        <p:spPr>
+          <a:xfrm rot="5400000">
+            <a:off x="3665929" y="3681137"/>
+            <a:ext cx="228613" cy="476157"/>
+          </a:xfrm>
+          <a:prstGeom prst="leftBrace">
+            <a:avLst/>
+          </a:prstGeom>
+          <a:ln>
+            <a:solidFill>
+              <a:schemeClr val="tx1">
+                <a:lumMod val="75000"/>
+                <a:lumOff val="25000"/>
+              </a:schemeClr>
+            </a:solidFill>
+          </a:ln>
+        </p:spPr>
+        <p:style>
+          <a:lnRef idx="1">
+            <a:schemeClr val="dk1"/>
+          </a:lnRef>
+          <a:fillRef idx="0">
+            <a:schemeClr val="dk1"/>
+          </a:fillRef>
+          <a:effectRef idx="0">
+            <a:schemeClr val="dk1"/>
+          </a:effectRef>
+          <a:fontRef idx="minor">
+            <a:schemeClr val="tx1"/>
+          </a:fontRef>
+        </p:style>
+        <p:txBody>
+          <a:bodyPr rtlCol="0" anchor="ctr"/>
+          <a:lstStyle/>
+          <a:p>
+            <a:pPr algn="ctr"/>
+            <a:endParaRPr lang="en-US"/>
+          </a:p>
+        </p:txBody>
+      </p:sp>
+      <p:sp>
+        <p:nvSpPr>
+          <p:cNvPr id="75" name="TextBox 74">
+            <a:extLst>
+              <a:ext uri="{FF2B5EF4-FFF2-40B4-BE49-F238E27FC236}">
+                <a16:creationId xmlns:a16="http://schemas.microsoft.com/office/drawing/2014/main" id="{EF97932E-9341-4971-B583-DA3BC4852967}"/>
+              </a:ext>
+            </a:extLst>
+          </p:cNvPr>
+          <p:cNvSpPr txBox="1"/>
+          <p:nvPr/>
+        </p:nvSpPr>
+        <p:spPr>
+          <a:xfrm>
+            <a:off x="2835267" y="3567401"/>
+            <a:ext cx="2069658" cy="200055"/>
+          </a:xfrm>
+          <a:prstGeom prst="rect">
+            <a:avLst/>
+          </a:prstGeom>
+          <a:noFill/>
+        </p:spPr>
+        <p:txBody>
+          <a:bodyPr wrap="square" rtlCol="0">
+            <a:spAutoFit/>
+          </a:bodyPr>
+          <a:lstStyle/>
+          <a:p>
+            <a:pPr algn="ctr"/>
+            <a:r>
+              <a:rPr lang="en-US" sz="700" dirty="0"/>
+              <a:t>300 Devices are in 1 group</a:t>
+            </a:r>
+          </a:p>
+        </p:txBody>
+      </p:sp>
+      <p:sp>
+        <p:nvSpPr>
+          <p:cNvPr id="77" name="Rectangle 1">
+            <a:extLst>
+              <a:ext uri="{FF2B5EF4-FFF2-40B4-BE49-F238E27FC236}">
+                <a16:creationId xmlns:a16="http://schemas.microsoft.com/office/drawing/2014/main" id="{5C421360-4F6D-48EC-A0D2-93DEC52F008D}"/>
+              </a:ext>
+            </a:extLst>
+          </p:cNvPr>
+          <p:cNvSpPr>
+            <a:spLocks noChangeArrowheads="1"/>
+          </p:cNvSpPr>
+          <p:nvPr/>
+        </p:nvSpPr>
+        <p:spPr bwMode="auto">
+          <a:xfrm>
+            <a:off x="8053167" y="4317830"/>
+            <a:ext cx="2062262" cy="1061829"/>
+          </a:xfrm>
+          <a:prstGeom prst="rect">
+            <a:avLst/>
+          </a:prstGeom>
+          <a:noFill/>
+          <a:ln>
+            <a:noFill/>
+          </a:ln>
+          <a:effectLst/>
+        </p:spPr>
+        <p:txBody>
+          <a:bodyPr vert="horz" wrap="square" lIns="91440" tIns="45720" rIns="91440" bIns="45720" numCol="1" anchor="ctr" anchorCtr="0" compatLnSpc="1">
+            <a:prstTxWarp prst="textNoShape">
+              <a:avLst/>
+            </a:prstTxWarp>
+            <a:spAutoFit/>
+          </a:bodyPr>
+          <a:lstStyle/>
+          <a:p>
+            <a:pPr marL="0" marR="0" lvl="0" indent="0" algn="l" defTabSz="914400" rtl="0" eaLnBrk="0" fontAlgn="base" latinLnBrk="0" hangingPunct="0">
+              <a:lnSpc>
+                <a:spcPct val="100000"/>
+              </a:lnSpc>
+              <a:spcBef>
+                <a:spcPct val="0"/>
+              </a:spcBef>
+              <a:spcAft>
+                <a:spcPct val="0"/>
+              </a:spcAft>
+              <a:buClrTx/>
+              <a:buSzTx/>
+              <a:buFontTx/>
+              <a:buNone/>
+              <a:tabLst/>
+            </a:pPr>
+            <a:r>
+              <a:rPr kumimoji="0" lang="en-US" altLang="en-US" sz="900" b="0" i="0" u="none" strike="noStrike" cap="none" normalizeH="0" baseline="0" dirty="0">
+                <a:ln>
+                  <a:noFill/>
+                </a:ln>
+                <a:solidFill>
+                  <a:srgbClr val="CC7832"/>
+                </a:solidFill>
+                <a:effectLst/>
+                <a:latin typeface="JetBrains Mono"/>
+              </a:rPr>
+              <a:t>  </a:t>
+            </a:r>
+            <a:r>
+              <a:rPr kumimoji="0" lang="en-US" altLang="en-US" sz="900" b="0" i="0" u="none" strike="noStrike" cap="none" normalizeH="0" baseline="0" dirty="0">
+                <a:ln>
+                  <a:noFill/>
+                </a:ln>
+                <a:solidFill>
+                  <a:srgbClr val="9876AA"/>
+                </a:solidFill>
+                <a:effectLst/>
+                <a:latin typeface="JetBrains Mono"/>
+              </a:rPr>
+              <a:t>“waveGroupCount"</a:t>
+            </a:r>
+            <a:r>
+              <a:rPr kumimoji="0" lang="en-US" altLang="en-US" sz="900" b="0" i="0" u="none" strike="noStrike" cap="none" normalizeH="0" baseline="0" dirty="0">
+                <a:ln>
+                  <a:noFill/>
+                </a:ln>
+                <a:solidFill>
+                  <a:srgbClr val="CC7832"/>
+                </a:solidFill>
+                <a:effectLst/>
+                <a:latin typeface="JetBrains Mono"/>
+              </a:rPr>
+              <a:t>: 1,</a:t>
+            </a:r>
+            <a:br>
+              <a:rPr kumimoji="0" lang="en-US" altLang="en-US" sz="900" b="0" i="0" u="none" strike="noStrike" cap="none" normalizeH="0" baseline="0" dirty="0">
+                <a:ln>
+                  <a:noFill/>
+                </a:ln>
+                <a:solidFill>
+                  <a:srgbClr val="CC7832"/>
+                </a:solidFill>
+                <a:effectLst/>
+                <a:latin typeface="JetBrains Mono"/>
+              </a:rPr>
+            </a:br>
+            <a:r>
+              <a:rPr kumimoji="0" lang="en-US" altLang="en-US" sz="900" b="0" i="0" u="none" strike="noStrike" cap="none" normalizeH="0" baseline="0" dirty="0">
+                <a:ln>
+                  <a:noFill/>
+                </a:ln>
+                <a:solidFill>
+                  <a:srgbClr val="CC7832"/>
+                </a:solidFill>
+                <a:effectLst/>
+                <a:latin typeface="JetBrains Mono"/>
+              </a:rPr>
+              <a:t>  </a:t>
+            </a:r>
+            <a:r>
+              <a:rPr kumimoji="0" lang="en-US" altLang="en-US" sz="900" b="0" i="0" u="none" strike="noStrike" cap="none" normalizeH="0" baseline="0" dirty="0">
+                <a:ln>
+                  <a:noFill/>
+                </a:ln>
+                <a:solidFill>
+                  <a:srgbClr val="9876AA"/>
+                </a:solidFill>
+                <a:effectLst/>
+                <a:latin typeface="JetBrains Mono"/>
+              </a:rPr>
+              <a:t>“waveGroupInterval"</a:t>
+            </a:r>
+            <a:r>
+              <a:rPr kumimoji="0" lang="en-US" altLang="en-US" sz="900" b="0" i="0" u="none" strike="noStrike" cap="none" normalizeH="0" baseline="0" dirty="0">
+                <a:ln>
+                  <a:noFill/>
+                </a:ln>
+                <a:solidFill>
+                  <a:srgbClr val="CC7832"/>
+                </a:solidFill>
+                <a:effectLst/>
+                <a:latin typeface="JetBrains Mono"/>
+              </a:rPr>
+              <a:t>: 1,</a:t>
+            </a:r>
+            <a:br>
+              <a:rPr kumimoji="0" lang="en-US" altLang="en-US" sz="900" b="0" i="0" u="none" strike="noStrike" cap="none" normalizeH="0" baseline="0" dirty="0">
+                <a:ln>
+                  <a:noFill/>
+                </a:ln>
+                <a:solidFill>
+                  <a:srgbClr val="CC7832"/>
+                </a:solidFill>
+                <a:effectLst/>
+                <a:latin typeface="JetBrains Mono"/>
+              </a:rPr>
+            </a:br>
+            <a:r>
+              <a:rPr kumimoji="0" lang="en-US" altLang="en-US" sz="900" b="0" i="0" u="none" strike="noStrike" cap="none" normalizeH="0" baseline="0" dirty="0">
+                <a:ln>
+                  <a:noFill/>
+                </a:ln>
+                <a:solidFill>
+                  <a:srgbClr val="CC7832"/>
+                </a:solidFill>
+                <a:effectLst/>
+                <a:latin typeface="JetBrains Mono"/>
+              </a:rPr>
+              <a:t>  </a:t>
+            </a:r>
+            <a:r>
+              <a:rPr kumimoji="0" lang="en-US" altLang="en-US" sz="900" b="0" i="0" u="none" strike="noStrike" cap="none" normalizeH="0" baseline="0" dirty="0">
+                <a:ln>
+                  <a:noFill/>
+                </a:ln>
+                <a:solidFill>
+                  <a:srgbClr val="9876AA"/>
+                </a:solidFill>
+                <a:effectLst/>
+                <a:latin typeface="JetBrains Mono"/>
+              </a:rPr>
+              <a:t>“telemetryBatchSize"</a:t>
+            </a:r>
+            <a:r>
+              <a:rPr kumimoji="0" lang="en-US" altLang="en-US" sz="900" b="0" i="0" u="none" strike="noStrike" cap="none" normalizeH="0" baseline="0" dirty="0">
+                <a:ln>
+                  <a:noFill/>
+                </a:ln>
+                <a:solidFill>
+                  <a:srgbClr val="CC7832"/>
+                </a:solidFill>
+                <a:effectLst/>
+                <a:latin typeface="JetBrains Mono"/>
+              </a:rPr>
+              <a:t>: 1,</a:t>
+            </a:r>
+            <a:br>
+              <a:rPr kumimoji="0" lang="en-US" altLang="en-US" sz="900" b="0" i="0" u="none" strike="noStrike" cap="none" normalizeH="0" baseline="0" dirty="0">
+                <a:ln>
+                  <a:noFill/>
+                </a:ln>
+                <a:solidFill>
+                  <a:srgbClr val="CC7832"/>
+                </a:solidFill>
+                <a:effectLst/>
+                <a:latin typeface="JetBrains Mono"/>
+              </a:rPr>
+            </a:br>
+            <a:r>
+              <a:rPr kumimoji="0" lang="en-US" altLang="en-US" sz="900" b="0" i="0" u="none" strike="noStrike" cap="none" normalizeH="0" baseline="0" dirty="0">
+                <a:ln>
+                  <a:noFill/>
+                </a:ln>
+                <a:solidFill>
+                  <a:srgbClr val="CC7832"/>
+                </a:solidFill>
+                <a:effectLst/>
+                <a:latin typeface="JetBrains Mono"/>
+              </a:rPr>
+              <a:t>  </a:t>
+            </a:r>
+            <a:r>
+              <a:rPr kumimoji="0" lang="en-US" altLang="en-US" sz="900" b="0" i="0" u="none" strike="noStrike" cap="none" normalizeH="0" baseline="0" dirty="0">
+                <a:ln>
+                  <a:noFill/>
+                </a:ln>
+                <a:solidFill>
+                  <a:srgbClr val="9876AA"/>
+                </a:solidFill>
+                <a:effectLst/>
+                <a:latin typeface="JetBrains Mono"/>
+              </a:rPr>
+              <a:t>“telemetryInterval"</a:t>
+            </a:r>
+            <a:r>
+              <a:rPr kumimoji="0" lang="en-US" altLang="en-US" sz="900" b="0" i="0" u="none" strike="noStrike" cap="none" normalizeH="0" baseline="0" dirty="0">
+                <a:ln>
+                  <a:noFill/>
+                </a:ln>
+                <a:solidFill>
+                  <a:srgbClr val="CC7832"/>
+                </a:solidFill>
+                <a:effectLst/>
+                <a:latin typeface="JetBrains Mono"/>
+              </a:rPr>
+              <a:t>: </a:t>
+            </a:r>
+            <a:r>
+              <a:rPr kumimoji="0" lang="en-US" altLang="en-US" sz="900" b="0" i="0" u="none" strike="noStrike" cap="none" normalizeH="0" baseline="0" dirty="0">
+                <a:ln>
+                  <a:noFill/>
+                </a:ln>
+                <a:solidFill>
+                  <a:srgbClr val="6897BB"/>
+                </a:solidFill>
+                <a:effectLst/>
+                <a:latin typeface="JetBrains Mono"/>
+              </a:rPr>
+              <a:t>120</a:t>
+            </a:r>
+            <a:r>
+              <a:rPr kumimoji="0" lang="en-US" altLang="en-US" sz="900" b="0" i="0" u="none" strike="noStrike" cap="none" normalizeH="0" baseline="0" dirty="0">
+                <a:ln>
+                  <a:noFill/>
+                </a:ln>
+                <a:solidFill>
+                  <a:srgbClr val="CC7832"/>
+                </a:solidFill>
+                <a:effectLst/>
+                <a:latin typeface="JetBrains Mono"/>
+              </a:rPr>
+              <a:t>,</a:t>
+            </a:r>
+            <a:br>
+              <a:rPr kumimoji="0" lang="en-US" altLang="en-US" sz="900" b="0" i="0" u="none" strike="noStrike" cap="none" normalizeH="0" baseline="0" dirty="0">
+                <a:ln>
+                  <a:noFill/>
+                </a:ln>
+                <a:solidFill>
+                  <a:srgbClr val="CC7832"/>
+                </a:solidFill>
+                <a:effectLst/>
+                <a:latin typeface="JetBrains Mono"/>
+              </a:rPr>
+            </a:br>
+            <a:r>
+              <a:rPr kumimoji="0" lang="en-US" altLang="en-US" sz="900" b="0" i="0" u="none" strike="noStrike" cap="none" normalizeH="0" baseline="0" dirty="0">
+                <a:ln>
+                  <a:noFill/>
+                </a:ln>
+                <a:solidFill>
+                  <a:srgbClr val="CC7832"/>
+                </a:solidFill>
+                <a:effectLst/>
+                <a:latin typeface="JetBrains Mono"/>
+              </a:rPr>
+              <a:t>  </a:t>
+            </a:r>
+            <a:r>
+              <a:rPr kumimoji="0" lang="en-US" altLang="en-US" sz="900" b="0" i="0" u="none" strike="noStrike" cap="none" normalizeH="0" baseline="0" dirty="0">
+                <a:ln>
+                  <a:noFill/>
+                </a:ln>
+                <a:solidFill>
+                  <a:srgbClr val="9876AA"/>
+                </a:solidFill>
+                <a:effectLst/>
+                <a:latin typeface="JetBrains Mono"/>
+              </a:rPr>
+              <a:t>“reportedPropertyInterval"</a:t>
+            </a:r>
+            <a:r>
+              <a:rPr kumimoji="0" lang="en-US" altLang="en-US" sz="900" b="0" i="0" u="none" strike="noStrike" cap="none" normalizeH="0" baseline="0" dirty="0">
+                <a:ln>
+                  <a:noFill/>
+                </a:ln>
+                <a:solidFill>
+                  <a:srgbClr val="CC7832"/>
+                </a:solidFill>
+                <a:effectLst/>
+                <a:latin typeface="JetBrains Mono"/>
+              </a:rPr>
+              <a:t>: </a:t>
+            </a:r>
+            <a:r>
+              <a:rPr kumimoji="0" lang="en-US" altLang="en-US" sz="900" b="0" i="0" u="none" strike="noStrike" cap="none" normalizeH="0" baseline="0" dirty="0">
+                <a:ln>
+                  <a:noFill/>
+                </a:ln>
+                <a:solidFill>
+                  <a:srgbClr val="6897BB"/>
+                </a:solidFill>
+                <a:effectLst/>
+                <a:latin typeface="JetBrains Mono"/>
+              </a:rPr>
+              <a:t>3600</a:t>
+            </a:r>
+            <a:r>
+              <a:rPr kumimoji="0" lang="en-US" altLang="en-US" sz="900" b="0" i="0" u="none" strike="noStrike" cap="none" normalizeH="0" baseline="0" dirty="0">
+                <a:ln>
+                  <a:noFill/>
+                </a:ln>
+                <a:solidFill>
+                  <a:srgbClr val="CC7832"/>
+                </a:solidFill>
+                <a:effectLst/>
+                <a:latin typeface="JetBrains Mono"/>
+              </a:rPr>
+              <a:t>,</a:t>
+            </a:r>
+            <a:br>
+              <a:rPr kumimoji="0" lang="en-US" altLang="en-US" sz="900" b="0" i="0" u="none" strike="noStrike" cap="none" normalizeH="0" baseline="0" dirty="0">
+                <a:ln>
+                  <a:noFill/>
+                </a:ln>
+                <a:solidFill>
+                  <a:srgbClr val="CC7832"/>
+                </a:solidFill>
+                <a:effectLst/>
+                <a:latin typeface="JetBrains Mono"/>
+              </a:rPr>
+            </a:br>
+            <a:r>
+              <a:rPr kumimoji="0" lang="en-US" altLang="en-US" sz="900" b="0" i="0" u="none" strike="noStrike" cap="none" normalizeH="0" baseline="0" dirty="0">
+                <a:ln>
+                  <a:noFill/>
+                </a:ln>
+                <a:solidFill>
+                  <a:srgbClr val="CC7832"/>
+                </a:solidFill>
+                <a:effectLst/>
+                <a:latin typeface="JetBrains Mono"/>
+              </a:rPr>
+              <a:t>  </a:t>
+            </a:r>
+            <a:r>
+              <a:rPr kumimoji="0" lang="en-US" altLang="en-US" sz="900" b="0" i="0" u="none" strike="noStrike" cap="none" normalizeH="0" baseline="0" dirty="0">
+                <a:ln>
+                  <a:noFill/>
+                </a:ln>
+                <a:solidFill>
+                  <a:srgbClr val="9876AA"/>
+                </a:solidFill>
+                <a:effectLst/>
+                <a:latin typeface="JetBrains Mono"/>
+              </a:rPr>
+              <a:t>“disconnectBehavior"</a:t>
+            </a:r>
+            <a:r>
+              <a:rPr kumimoji="0" lang="en-US" altLang="en-US" sz="900" b="0" i="0" u="none" strike="noStrike" cap="none" normalizeH="0" baseline="0" dirty="0">
+                <a:ln>
+                  <a:noFill/>
+                </a:ln>
+                <a:solidFill>
+                  <a:srgbClr val="CC7832"/>
+                </a:solidFill>
+                <a:effectLst/>
+                <a:latin typeface="JetBrains Mono"/>
+              </a:rPr>
+              <a:t>: </a:t>
+            </a:r>
+            <a:r>
+              <a:rPr kumimoji="0" lang="en-US" altLang="en-US" sz="900" b="0" i="0" u="none" strike="noStrike" cap="none" normalizeH="0" baseline="0" dirty="0">
+                <a:ln>
+                  <a:noFill/>
+                </a:ln>
+                <a:solidFill>
+                  <a:srgbClr val="6A8759"/>
+                </a:solidFill>
+                <a:effectLst/>
+                <a:latin typeface="JetBrains Mono"/>
+              </a:rPr>
+              <a:t>“none"</a:t>
+            </a:r>
+            <a:br>
+              <a:rPr kumimoji="0" lang="en-US" altLang="en-US" sz="900" b="0" i="0" u="none" strike="noStrike" cap="none" normalizeH="0" baseline="0" dirty="0">
+                <a:ln>
+                  <a:noFill/>
+                </a:ln>
+                <a:solidFill>
+                  <a:srgbClr val="6A8759"/>
+                </a:solidFill>
+                <a:effectLst/>
+                <a:latin typeface="JetBrains Mono"/>
+              </a:rPr>
+            </a:br>
+            <a:endParaRPr kumimoji="0" lang="en-US" altLang="en-US" sz="900" b="0" i="0" u="none" strike="noStrike" cap="none" normalizeH="0" baseline="0" dirty="0">
+              <a:ln>
+                <a:noFill/>
+              </a:ln>
+              <a:solidFill>
+                <a:schemeClr val="tx1"/>
+              </a:solidFill>
+              <a:effectLst/>
+              <a:latin typeface="Arial" panose="020B0604020202020204" pitchFamily="34" charset="0"/>
+            </a:endParaRPr>
+          </a:p>
+        </p:txBody>
+      </p:sp>
+      <p:sp>
+        <p:nvSpPr>
+          <p:cNvPr id="79" name="TextBox 78">
+            <a:extLst>
+              <a:ext uri="{FF2B5EF4-FFF2-40B4-BE49-F238E27FC236}">
+                <a16:creationId xmlns:a16="http://schemas.microsoft.com/office/drawing/2014/main" id="{0D4523A9-6A3B-42F8-987A-C23632EB4431}"/>
+              </a:ext>
+            </a:extLst>
+          </p:cNvPr>
+          <p:cNvSpPr txBox="1"/>
+          <p:nvPr/>
+        </p:nvSpPr>
+        <p:spPr>
+          <a:xfrm>
+            <a:off x="931965" y="2059394"/>
+            <a:ext cx="6471241" cy="384721"/>
+          </a:xfrm>
+          <a:prstGeom prst="rect">
+            <a:avLst/>
+          </a:prstGeom>
+          <a:noFill/>
+        </p:spPr>
+        <p:txBody>
+          <a:bodyPr wrap="square" rtlCol="0">
+            <a:spAutoFit/>
+          </a:bodyPr>
+          <a:lstStyle/>
+          <a:p>
+            <a:r>
+              <a:rPr lang="en-US" sz="1000" b="1" i="1" dirty="0">
+                <a:solidFill>
+                  <a:schemeClr val="accent1"/>
+                </a:solidFill>
+              </a:rPr>
+              <a:t>Telemetry Scenario  - always connected</a:t>
+            </a:r>
+          </a:p>
+          <a:p>
+            <a:pPr marL="171450" indent="-171450">
+              <a:buFont typeface="Arial" panose="020B0604020202020204" pitchFamily="34" charset="0"/>
+              <a:buChar char="•"/>
+            </a:pPr>
+            <a:r>
+              <a:rPr lang="en-US" sz="900" dirty="0"/>
+              <a:t>300 connected cars send 1 telemetry message every 2 minutes</a:t>
+            </a:r>
+          </a:p>
+        </p:txBody>
+      </p:sp>
+      <p:sp>
+        <p:nvSpPr>
+          <p:cNvPr id="85" name="Left Brace 84">
+            <a:extLst>
+              <a:ext uri="{FF2B5EF4-FFF2-40B4-BE49-F238E27FC236}">
+                <a16:creationId xmlns:a16="http://schemas.microsoft.com/office/drawing/2014/main" id="{18B11D58-16F4-48EC-90E5-E554B1FC045B}"/>
+              </a:ext>
+            </a:extLst>
+          </p:cNvPr>
+          <p:cNvSpPr/>
+          <p:nvPr/>
+        </p:nvSpPr>
+        <p:spPr>
+          <a:xfrm rot="16200000">
+            <a:off x="4807857" y="4723973"/>
+            <a:ext cx="148128" cy="1618244"/>
+          </a:xfrm>
+          <a:prstGeom prst="leftBrace">
+            <a:avLst/>
+          </a:prstGeom>
+          <a:ln>
+            <a:solidFill>
+              <a:schemeClr val="tx1">
+                <a:lumMod val="75000"/>
+                <a:lumOff val="25000"/>
+              </a:schemeClr>
+            </a:solidFill>
+          </a:ln>
+        </p:spPr>
+        <p:style>
+          <a:lnRef idx="1">
+            <a:schemeClr val="dk1"/>
+          </a:lnRef>
+          <a:fillRef idx="0">
+            <a:schemeClr val="dk1"/>
+          </a:fillRef>
+          <a:effectRef idx="0">
+            <a:schemeClr val="dk1"/>
+          </a:effectRef>
+          <a:fontRef idx="minor">
+            <a:schemeClr val="tx1"/>
+          </a:fontRef>
+        </p:style>
+        <p:txBody>
+          <a:bodyPr rtlCol="0" anchor="ctr"/>
+          <a:lstStyle/>
+          <a:p>
+            <a:pPr algn="ctr"/>
+            <a:endParaRPr lang="en-US"/>
+          </a:p>
+        </p:txBody>
+      </p:sp>
+      <p:sp>
+        <p:nvSpPr>
+          <p:cNvPr id="87" name="TextBox 86">
+            <a:extLst>
+              <a:ext uri="{FF2B5EF4-FFF2-40B4-BE49-F238E27FC236}">
+                <a16:creationId xmlns:a16="http://schemas.microsoft.com/office/drawing/2014/main" id="{7E8EEC6E-3E30-485D-B824-01078BA051E3}"/>
+              </a:ext>
+            </a:extLst>
+          </p:cNvPr>
+          <p:cNvSpPr txBox="1"/>
+          <p:nvPr/>
+        </p:nvSpPr>
+        <p:spPr>
+          <a:xfrm>
+            <a:off x="4109693" y="5628996"/>
+            <a:ext cx="1544013" cy="307777"/>
+          </a:xfrm>
+          <a:prstGeom prst="rect">
+            <a:avLst/>
+          </a:prstGeom>
+          <a:noFill/>
+        </p:spPr>
+        <p:txBody>
+          <a:bodyPr wrap="none" rtlCol="0">
+            <a:spAutoFit/>
+          </a:bodyPr>
+          <a:lstStyle/>
+          <a:p>
+            <a:pPr algn="ctr"/>
+            <a:r>
+              <a:rPr lang="en-US" sz="700" dirty="0"/>
+              <a:t>Since there is only one group</a:t>
+            </a:r>
+          </a:p>
+          <a:p>
+            <a:pPr algn="ctr"/>
+            <a:r>
+              <a:rPr lang="en-US" sz="700" dirty="0"/>
+              <a:t>Wave group interval does not matter</a:t>
+            </a:r>
+          </a:p>
+        </p:txBody>
+      </p:sp>
+      <p:sp>
+        <p:nvSpPr>
+          <p:cNvPr id="89" name="TextBox 88">
+            <a:extLst>
+              <a:ext uri="{FF2B5EF4-FFF2-40B4-BE49-F238E27FC236}">
+                <a16:creationId xmlns:a16="http://schemas.microsoft.com/office/drawing/2014/main" id="{7FC14568-3EC1-4E64-8234-72216F56696B}"/>
+              </a:ext>
+            </a:extLst>
+          </p:cNvPr>
+          <p:cNvSpPr txBox="1"/>
+          <p:nvPr/>
+        </p:nvSpPr>
+        <p:spPr>
+          <a:xfrm>
+            <a:off x="4372157" y="3741294"/>
+            <a:ext cx="1019070" cy="415498"/>
+          </a:xfrm>
+          <a:prstGeom prst="rect">
+            <a:avLst/>
+          </a:prstGeom>
+          <a:noFill/>
+        </p:spPr>
+        <p:txBody>
+          <a:bodyPr wrap="square" rtlCol="0">
+            <a:spAutoFit/>
+          </a:bodyPr>
+          <a:lstStyle/>
+          <a:p>
+            <a:pPr algn="ctr"/>
+            <a:r>
+              <a:rPr lang="en-US" sz="700" dirty="0"/>
+              <a:t>Each device sends a</a:t>
+            </a:r>
+          </a:p>
+          <a:p>
+            <a:pPr algn="ctr"/>
+            <a:r>
+              <a:rPr lang="en-US" sz="700" dirty="0"/>
+              <a:t>batch containing</a:t>
+            </a:r>
+          </a:p>
+          <a:p>
+            <a:pPr algn="ctr"/>
+            <a:r>
+              <a:rPr lang="en-US" sz="700" dirty="0"/>
+              <a:t>1 msg</a:t>
+            </a:r>
+          </a:p>
+        </p:txBody>
+      </p:sp>
+      <p:cxnSp>
+        <p:nvCxnSpPr>
+          <p:cNvPr id="91" name="Straight Arrow Connector 90">
+            <a:extLst>
+              <a:ext uri="{FF2B5EF4-FFF2-40B4-BE49-F238E27FC236}">
+                <a16:creationId xmlns:a16="http://schemas.microsoft.com/office/drawing/2014/main" id="{558CAD2F-0D60-4FFC-955B-91F1D0ADF416}"/>
+              </a:ext>
+            </a:extLst>
+          </p:cNvPr>
+          <p:cNvCxnSpPr>
+            <a:cxnSpLocks/>
+            <a:stCxn id="89" idx="2"/>
+          </p:cNvCxnSpPr>
+          <p:nvPr/>
+        </p:nvCxnSpPr>
+        <p:spPr>
+          <a:xfrm flipH="1">
+            <a:off x="4063640" y="4156792"/>
+            <a:ext cx="818052" cy="287996"/>
+          </a:xfrm>
+          <a:prstGeom prst="straightConnector1">
+            <a:avLst/>
+          </a:prstGeom>
+          <a:ln>
+            <a:solidFill>
+              <a:schemeClr val="tx1">
+                <a:lumMod val="65000"/>
+                <a:lumOff val="35000"/>
+              </a:schemeClr>
+            </a:solidFill>
+            <a:tailEnd type="triangle"/>
+          </a:ln>
+        </p:spPr>
+        <p:style>
+          <a:lnRef idx="1">
+            <a:schemeClr val="dk1"/>
+          </a:lnRef>
+          <a:fillRef idx="0">
+            <a:schemeClr val="dk1"/>
+          </a:fillRef>
+          <a:effectRef idx="0">
+            <a:schemeClr val="dk1"/>
+          </a:effectRef>
+          <a:fontRef idx="minor">
+            <a:schemeClr val="tx1"/>
+          </a:fontRef>
+        </p:style>
+      </p:cxnSp>
+      <p:sp>
+        <p:nvSpPr>
+          <p:cNvPr id="93" name="TextBox 92">
+            <a:extLst>
+              <a:ext uri="{FF2B5EF4-FFF2-40B4-BE49-F238E27FC236}">
+                <a16:creationId xmlns:a16="http://schemas.microsoft.com/office/drawing/2014/main" id="{EA5BB88E-1C61-4505-AEBB-15934CF99B0D}"/>
+              </a:ext>
+            </a:extLst>
+          </p:cNvPr>
+          <p:cNvSpPr txBox="1"/>
+          <p:nvPr/>
+        </p:nvSpPr>
+        <p:spPr>
+          <a:xfrm>
+            <a:off x="8053165" y="4088708"/>
+            <a:ext cx="2062261" cy="246221"/>
+          </a:xfrm>
+          <a:prstGeom prst="rect">
+            <a:avLst/>
+          </a:prstGeom>
+          <a:noFill/>
+        </p:spPr>
+        <p:txBody>
+          <a:bodyPr wrap="square" rtlCol="0">
+            <a:spAutoFit/>
+          </a:bodyPr>
+          <a:lstStyle/>
+          <a:p>
+            <a:r>
+              <a:rPr lang="en-US" sz="1000" b="1" i="1" dirty="0">
+                <a:solidFill>
+                  <a:schemeClr val="accent1"/>
+                </a:solidFill>
+              </a:rPr>
+              <a:t>Simulation Configuration</a:t>
+            </a:r>
+          </a:p>
+        </p:txBody>
+      </p:sp>
+      <p:sp>
+        <p:nvSpPr>
+          <p:cNvPr id="95" name="Arrow: Left-Right 94">
+            <a:extLst>
+              <a:ext uri="{FF2B5EF4-FFF2-40B4-BE49-F238E27FC236}">
+                <a16:creationId xmlns:a16="http://schemas.microsoft.com/office/drawing/2014/main" id="{642AC097-E24E-4364-9BF8-B06F3259D27D}"/>
+              </a:ext>
+            </a:extLst>
+          </p:cNvPr>
+          <p:cNvSpPr/>
+          <p:nvPr/>
+        </p:nvSpPr>
+        <p:spPr>
+          <a:xfrm>
+            <a:off x="4167586" y="5082411"/>
+            <a:ext cx="1428214" cy="224664"/>
+          </a:xfrm>
+          <a:prstGeom prst="leftRightArrow">
+            <a:avLst/>
+          </a:prstGeom>
+          <a:solidFill>
+            <a:schemeClr val="bg1">
+              <a:lumMod val="85000"/>
+            </a:schemeClr>
+          </a:solidFill>
+          <a:ln>
+            <a:solidFill>
+              <a:schemeClr val="bg1">
+                <a:lumMod val="75000"/>
+              </a:schemeClr>
+            </a:solidFill>
+          </a:ln>
+        </p:spPr>
+        <p:style>
+          <a:lnRef idx="2">
+            <a:schemeClr val="accent1">
+              <a:shade val="50000"/>
+            </a:schemeClr>
+          </a:lnRef>
+          <a:fillRef idx="1">
+            <a:schemeClr val="accent1"/>
+          </a:fillRef>
+          <a:effectRef idx="0">
+            <a:schemeClr val="accent1"/>
+          </a:effectRef>
+          <a:fontRef idx="minor">
+            <a:schemeClr val="lt1"/>
+          </a:fontRef>
+        </p:style>
+        <p:txBody>
+          <a:bodyPr rtlCol="0" anchor="ctr"/>
+          <a:lstStyle/>
+          <a:p>
+            <a:pPr algn="ctr"/>
+            <a:endParaRPr lang="en-US"/>
+          </a:p>
+        </p:txBody>
+      </p:sp>
+      <p:sp>
+        <p:nvSpPr>
+          <p:cNvPr id="101" name="TextBox 100">
+            <a:extLst>
+              <a:ext uri="{FF2B5EF4-FFF2-40B4-BE49-F238E27FC236}">
+                <a16:creationId xmlns:a16="http://schemas.microsoft.com/office/drawing/2014/main" id="{3E9B18CA-61F7-4CF7-9EE0-16AA235A0E9F}"/>
+              </a:ext>
+            </a:extLst>
+          </p:cNvPr>
+          <p:cNvSpPr txBox="1"/>
+          <p:nvPr/>
+        </p:nvSpPr>
+        <p:spPr>
+          <a:xfrm>
+            <a:off x="2076574" y="4642465"/>
+            <a:ext cx="1341676" cy="307777"/>
+          </a:xfrm>
+          <a:prstGeom prst="rect">
+            <a:avLst/>
+          </a:prstGeom>
+          <a:noFill/>
+        </p:spPr>
+        <p:txBody>
+          <a:bodyPr wrap="square" rtlCol="0">
+            <a:spAutoFit/>
+          </a:bodyPr>
+          <a:lstStyle/>
+          <a:p>
+            <a:pPr algn="ctr"/>
+            <a:r>
+              <a:rPr lang="en-US" sz="700" dirty="0"/>
+              <a:t>300 devices x 1 batch x 1 msg = 300 msgs are sent</a:t>
+            </a:r>
+          </a:p>
+        </p:txBody>
+      </p:sp>
     </p:spTree>
     <p:extLst>
       <p:ext uri="{BB962C8B-B14F-4D97-AF65-F5344CB8AC3E}">
-        <p14:creationId xmlns:p14="http://schemas.microsoft.com/office/powerpoint/2010/main" val="2435270530"/>
+        <p14:creationId xmlns:p14="http://schemas.microsoft.com/office/powerpoint/2010/main" val="1218700458"/>
+      </p:ext>
+    </p:extLst>
+  </p:cSld>
+  <p:clrMapOvr>
+    <a:masterClrMapping/>
+  </p:clrMapOvr>
+</p:sld>
+</file>
+
+<file path=ppt/slides/slide6.xml><?xml version="1.0" encoding="utf-8"?>
+<p:sld xmlns:a="http://schemas.openxmlformats.org/drawingml/2006/main" xmlns:r="http://schemas.openxmlformats.org/officeDocument/2006/relationships" xmlns:p="http://schemas.openxmlformats.org/presentationml/2006/main">
+  <p:cSld>
+    <p:spTree>
+      <p:nvGrpSpPr>
+        <p:cNvPr id="1" name=""/>
+        <p:cNvGrpSpPr/>
+        <p:nvPr/>
+      </p:nvGrpSpPr>
+      <p:grpSpPr>
+        <a:xfrm>
+          <a:off x="0" y="0"/>
+          <a:ext cx="0" cy="0"/>
+          <a:chOff x="0" y="0"/>
+          <a:chExt cx="0" cy="0"/>
+        </a:xfrm>
+      </p:grpSpPr>
+      <p:sp>
+        <p:nvSpPr>
+          <p:cNvPr id="2" name="Title 1">
+            <a:extLst>
+              <a:ext uri="{FF2B5EF4-FFF2-40B4-BE49-F238E27FC236}">
+                <a16:creationId xmlns:a16="http://schemas.microsoft.com/office/drawing/2014/main" id="{3653B71B-09D3-4F92-A323-6FC7BDEA0C60}"/>
+              </a:ext>
+            </a:extLst>
+          </p:cNvPr>
+          <p:cNvSpPr>
+            <a:spLocks noGrp="1"/>
+          </p:cNvSpPr>
+          <p:nvPr>
+            <p:ph type="title"/>
+          </p:nvPr>
+        </p:nvSpPr>
+        <p:spPr/>
+        <p:txBody>
+          <a:bodyPr/>
+          <a:lstStyle/>
+          <a:p>
+            <a:r>
+              <a:rPr lang="en-US" dirty="0"/>
+              <a:t>Scenario 2: Complex</a:t>
+            </a:r>
+          </a:p>
+        </p:txBody>
+      </p:sp>
+      <p:sp>
+        <p:nvSpPr>
+          <p:cNvPr id="5" name="Rectangle 4">
+            <a:extLst>
+              <a:ext uri="{FF2B5EF4-FFF2-40B4-BE49-F238E27FC236}">
+                <a16:creationId xmlns:a16="http://schemas.microsoft.com/office/drawing/2014/main" id="{A8CE9FC8-DCD7-4F1B-ACC1-E970614AE861}"/>
+              </a:ext>
+            </a:extLst>
+          </p:cNvPr>
+          <p:cNvSpPr/>
+          <p:nvPr/>
+        </p:nvSpPr>
+        <p:spPr>
+          <a:xfrm>
+            <a:off x="1993981" y="4312052"/>
+            <a:ext cx="483747" cy="265471"/>
+          </a:xfrm>
+          <a:prstGeom prst="rect">
+            <a:avLst/>
+          </a:prstGeom>
+          <a:solidFill>
+            <a:schemeClr val="accent1">
+              <a:lumMod val="20000"/>
+              <a:lumOff val="80000"/>
+            </a:schemeClr>
+          </a:solidFill>
+          <a:ln w="6350">
+            <a:solidFill>
+              <a:schemeClr val="bg1">
+                <a:lumMod val="65000"/>
+              </a:schemeClr>
+            </a:solidFill>
+          </a:ln>
+        </p:spPr>
+        <p:style>
+          <a:lnRef idx="2">
+            <a:schemeClr val="accent1">
+              <a:shade val="50000"/>
+            </a:schemeClr>
+          </a:lnRef>
+          <a:fillRef idx="1">
+            <a:schemeClr val="accent1"/>
+          </a:fillRef>
+          <a:effectRef idx="0">
+            <a:schemeClr val="accent1"/>
+          </a:effectRef>
+          <a:fontRef idx="minor">
+            <a:schemeClr val="lt1"/>
+          </a:fontRef>
+        </p:style>
+        <p:txBody>
+          <a:bodyPr rtlCol="0" anchor="ctr"/>
+          <a:lstStyle/>
+          <a:p>
+            <a:pPr algn="ctr"/>
+            <a:r>
+              <a:rPr lang="en-US" sz="700" b="1" dirty="0">
+                <a:solidFill>
+                  <a:schemeClr val="tx1">
+                    <a:lumMod val="85000"/>
+                    <a:lumOff val="15000"/>
+                  </a:schemeClr>
+                </a:solidFill>
+              </a:rPr>
+              <a:t>Car1</a:t>
+            </a:r>
+          </a:p>
+          <a:p>
+            <a:pPr algn="ctr"/>
+            <a:r>
+              <a:rPr lang="en-US" sz="700" dirty="0">
+                <a:solidFill>
+                  <a:schemeClr val="tx1">
+                    <a:lumMod val="85000"/>
+                    <a:lumOff val="15000"/>
+                  </a:schemeClr>
+                </a:solidFill>
+              </a:rPr>
+              <a:t>60 msgs</a:t>
+            </a:r>
+          </a:p>
+        </p:txBody>
+      </p:sp>
+      <p:sp>
+        <p:nvSpPr>
+          <p:cNvPr id="7" name="Rectangle 6">
+            <a:extLst>
+              <a:ext uri="{FF2B5EF4-FFF2-40B4-BE49-F238E27FC236}">
+                <a16:creationId xmlns:a16="http://schemas.microsoft.com/office/drawing/2014/main" id="{F5CF39D6-F846-4D00-AFC1-AEB5678F4279}"/>
+              </a:ext>
+            </a:extLst>
+          </p:cNvPr>
+          <p:cNvSpPr/>
+          <p:nvPr/>
+        </p:nvSpPr>
+        <p:spPr>
+          <a:xfrm>
+            <a:off x="1993982" y="4577523"/>
+            <a:ext cx="483747" cy="265471"/>
+          </a:xfrm>
+          <a:prstGeom prst="rect">
+            <a:avLst/>
+          </a:prstGeom>
+          <a:solidFill>
+            <a:schemeClr val="accent1">
+              <a:lumMod val="20000"/>
+              <a:lumOff val="80000"/>
+            </a:schemeClr>
+          </a:solidFill>
+          <a:ln w="6350">
+            <a:solidFill>
+              <a:schemeClr val="bg1">
+                <a:lumMod val="65000"/>
+              </a:schemeClr>
+            </a:solidFill>
+          </a:ln>
+        </p:spPr>
+        <p:style>
+          <a:lnRef idx="2">
+            <a:schemeClr val="accent1">
+              <a:shade val="50000"/>
+            </a:schemeClr>
+          </a:lnRef>
+          <a:fillRef idx="1">
+            <a:schemeClr val="accent1"/>
+          </a:fillRef>
+          <a:effectRef idx="0">
+            <a:schemeClr val="accent1"/>
+          </a:effectRef>
+          <a:fontRef idx="minor">
+            <a:schemeClr val="lt1"/>
+          </a:fontRef>
+        </p:style>
+        <p:txBody>
+          <a:bodyPr rtlCol="0" anchor="ctr"/>
+          <a:lstStyle/>
+          <a:p>
+            <a:pPr algn="ctr"/>
+            <a:r>
+              <a:rPr lang="en-US" sz="700" b="1" dirty="0">
+                <a:solidFill>
+                  <a:schemeClr val="tx1">
+                    <a:lumMod val="85000"/>
+                    <a:lumOff val="15000"/>
+                  </a:schemeClr>
+                </a:solidFill>
+              </a:rPr>
+              <a:t>Car2</a:t>
+            </a:r>
+          </a:p>
+          <a:p>
+            <a:pPr algn="ctr"/>
+            <a:r>
+              <a:rPr lang="en-US" sz="700" dirty="0">
+                <a:solidFill>
+                  <a:schemeClr val="tx1">
+                    <a:lumMod val="85000"/>
+                    <a:lumOff val="15000"/>
+                  </a:schemeClr>
+                </a:solidFill>
+              </a:rPr>
+              <a:t>60 msgs</a:t>
+            </a:r>
+          </a:p>
+        </p:txBody>
+      </p:sp>
+      <p:sp>
+        <p:nvSpPr>
+          <p:cNvPr id="9" name="Rectangle 8">
+            <a:extLst>
+              <a:ext uri="{FF2B5EF4-FFF2-40B4-BE49-F238E27FC236}">
+                <a16:creationId xmlns:a16="http://schemas.microsoft.com/office/drawing/2014/main" id="{BD6D2FE1-45FE-401B-9139-FAF14C2B026B}"/>
+              </a:ext>
+            </a:extLst>
+          </p:cNvPr>
+          <p:cNvSpPr/>
+          <p:nvPr/>
+        </p:nvSpPr>
+        <p:spPr>
+          <a:xfrm>
+            <a:off x="1993981" y="4842994"/>
+            <a:ext cx="483747" cy="265471"/>
+          </a:xfrm>
+          <a:prstGeom prst="rect">
+            <a:avLst/>
+          </a:prstGeom>
+          <a:solidFill>
+            <a:schemeClr val="accent1">
+              <a:lumMod val="20000"/>
+              <a:lumOff val="80000"/>
+            </a:schemeClr>
+          </a:solidFill>
+          <a:ln w="6350">
+            <a:solidFill>
+              <a:schemeClr val="bg1">
+                <a:lumMod val="65000"/>
+              </a:schemeClr>
+            </a:solidFill>
+          </a:ln>
+        </p:spPr>
+        <p:style>
+          <a:lnRef idx="2">
+            <a:schemeClr val="accent1">
+              <a:shade val="50000"/>
+            </a:schemeClr>
+          </a:lnRef>
+          <a:fillRef idx="1">
+            <a:schemeClr val="accent1"/>
+          </a:fillRef>
+          <a:effectRef idx="0">
+            <a:schemeClr val="accent1"/>
+          </a:effectRef>
+          <a:fontRef idx="minor">
+            <a:schemeClr val="lt1"/>
+          </a:fontRef>
+        </p:style>
+        <p:txBody>
+          <a:bodyPr rtlCol="0" anchor="ctr"/>
+          <a:lstStyle/>
+          <a:p>
+            <a:pPr algn="ctr"/>
+            <a:r>
+              <a:rPr lang="en-US" sz="700" dirty="0">
+                <a:solidFill>
+                  <a:schemeClr val="tx1">
+                    <a:lumMod val="85000"/>
+                    <a:lumOff val="15000"/>
+                  </a:schemeClr>
+                </a:solidFill>
+              </a:rPr>
+              <a:t>…</a:t>
+            </a:r>
+          </a:p>
+        </p:txBody>
+      </p:sp>
+      <p:sp>
+        <p:nvSpPr>
+          <p:cNvPr id="11" name="Rectangle 10">
+            <a:extLst>
+              <a:ext uri="{FF2B5EF4-FFF2-40B4-BE49-F238E27FC236}">
+                <a16:creationId xmlns:a16="http://schemas.microsoft.com/office/drawing/2014/main" id="{E33C3044-26EB-4CEE-87B6-D345A52B26A7}"/>
+              </a:ext>
+            </a:extLst>
+          </p:cNvPr>
+          <p:cNvSpPr/>
+          <p:nvPr/>
+        </p:nvSpPr>
+        <p:spPr>
+          <a:xfrm>
+            <a:off x="1993981" y="5108465"/>
+            <a:ext cx="483747" cy="265471"/>
+          </a:xfrm>
+          <a:prstGeom prst="rect">
+            <a:avLst/>
+          </a:prstGeom>
+          <a:solidFill>
+            <a:schemeClr val="accent1">
+              <a:lumMod val="20000"/>
+              <a:lumOff val="80000"/>
+            </a:schemeClr>
+          </a:solidFill>
+          <a:ln w="6350">
+            <a:solidFill>
+              <a:schemeClr val="bg1">
+                <a:lumMod val="65000"/>
+              </a:schemeClr>
+            </a:solidFill>
+          </a:ln>
+        </p:spPr>
+        <p:style>
+          <a:lnRef idx="2">
+            <a:schemeClr val="accent1">
+              <a:shade val="50000"/>
+            </a:schemeClr>
+          </a:lnRef>
+          <a:fillRef idx="1">
+            <a:schemeClr val="accent1"/>
+          </a:fillRef>
+          <a:effectRef idx="0">
+            <a:schemeClr val="accent1"/>
+          </a:effectRef>
+          <a:fontRef idx="minor">
+            <a:schemeClr val="lt1"/>
+          </a:fontRef>
+        </p:style>
+        <p:txBody>
+          <a:bodyPr rtlCol="0" anchor="ctr"/>
+          <a:lstStyle/>
+          <a:p>
+            <a:pPr algn="ctr"/>
+            <a:r>
+              <a:rPr lang="en-US" sz="700" b="1" dirty="0">
+                <a:solidFill>
+                  <a:schemeClr val="tx1">
+                    <a:lumMod val="85000"/>
+                    <a:lumOff val="15000"/>
+                  </a:schemeClr>
+                </a:solidFill>
+              </a:rPr>
+              <a:t>Car100</a:t>
+            </a:r>
+          </a:p>
+          <a:p>
+            <a:pPr algn="ctr"/>
+            <a:r>
+              <a:rPr lang="en-US" sz="700" dirty="0">
+                <a:solidFill>
+                  <a:schemeClr val="tx1">
+                    <a:lumMod val="85000"/>
+                    <a:lumOff val="15000"/>
+                  </a:schemeClr>
+                </a:solidFill>
+              </a:rPr>
+              <a:t>60 msgs</a:t>
+            </a:r>
+          </a:p>
+        </p:txBody>
+      </p:sp>
+      <p:sp>
+        <p:nvSpPr>
+          <p:cNvPr id="13" name="Rectangle 12">
+            <a:extLst>
+              <a:ext uri="{FF2B5EF4-FFF2-40B4-BE49-F238E27FC236}">
+                <a16:creationId xmlns:a16="http://schemas.microsoft.com/office/drawing/2014/main" id="{1EF80E33-EB0F-4870-8A30-DFC653261467}"/>
+              </a:ext>
+            </a:extLst>
+          </p:cNvPr>
+          <p:cNvSpPr/>
+          <p:nvPr/>
+        </p:nvSpPr>
+        <p:spPr>
+          <a:xfrm>
+            <a:off x="2786937" y="4312052"/>
+            <a:ext cx="483747" cy="265471"/>
+          </a:xfrm>
+          <a:prstGeom prst="rect">
+            <a:avLst/>
+          </a:prstGeom>
+          <a:solidFill>
+            <a:schemeClr val="accent1">
+              <a:lumMod val="20000"/>
+              <a:lumOff val="80000"/>
+            </a:schemeClr>
+          </a:solidFill>
+          <a:ln w="6350">
+            <a:solidFill>
+              <a:schemeClr val="bg1">
+                <a:lumMod val="65000"/>
+              </a:schemeClr>
+            </a:solidFill>
+          </a:ln>
+        </p:spPr>
+        <p:style>
+          <a:lnRef idx="2">
+            <a:schemeClr val="accent1">
+              <a:shade val="50000"/>
+            </a:schemeClr>
+          </a:lnRef>
+          <a:fillRef idx="1">
+            <a:schemeClr val="accent1"/>
+          </a:fillRef>
+          <a:effectRef idx="0">
+            <a:schemeClr val="accent1"/>
+          </a:effectRef>
+          <a:fontRef idx="minor">
+            <a:schemeClr val="lt1"/>
+          </a:fontRef>
+        </p:style>
+        <p:txBody>
+          <a:bodyPr rtlCol="0" anchor="ctr"/>
+          <a:lstStyle/>
+          <a:p>
+            <a:pPr algn="ctr"/>
+            <a:r>
+              <a:rPr lang="en-US" sz="700" b="1" dirty="0">
+                <a:solidFill>
+                  <a:schemeClr val="tx1">
+                    <a:lumMod val="85000"/>
+                    <a:lumOff val="15000"/>
+                  </a:schemeClr>
+                </a:solidFill>
+              </a:rPr>
+              <a:t>Car101</a:t>
+            </a:r>
+          </a:p>
+          <a:p>
+            <a:pPr algn="ctr"/>
+            <a:r>
+              <a:rPr lang="en-US" sz="700" dirty="0">
+                <a:solidFill>
+                  <a:schemeClr val="tx1">
+                    <a:lumMod val="85000"/>
+                    <a:lumOff val="15000"/>
+                  </a:schemeClr>
+                </a:solidFill>
+              </a:rPr>
+              <a:t>60 msgs</a:t>
+            </a:r>
+          </a:p>
+        </p:txBody>
+      </p:sp>
+      <p:sp>
+        <p:nvSpPr>
+          <p:cNvPr id="15" name="Rectangle 14">
+            <a:extLst>
+              <a:ext uri="{FF2B5EF4-FFF2-40B4-BE49-F238E27FC236}">
+                <a16:creationId xmlns:a16="http://schemas.microsoft.com/office/drawing/2014/main" id="{8AF6A240-1012-4CA8-821E-639FA7CF0AB7}"/>
+              </a:ext>
+            </a:extLst>
+          </p:cNvPr>
+          <p:cNvSpPr/>
+          <p:nvPr/>
+        </p:nvSpPr>
+        <p:spPr>
+          <a:xfrm>
+            <a:off x="2786938" y="4577523"/>
+            <a:ext cx="483747" cy="265471"/>
+          </a:xfrm>
+          <a:prstGeom prst="rect">
+            <a:avLst/>
+          </a:prstGeom>
+          <a:solidFill>
+            <a:schemeClr val="accent1">
+              <a:lumMod val="20000"/>
+              <a:lumOff val="80000"/>
+            </a:schemeClr>
+          </a:solidFill>
+          <a:ln w="6350">
+            <a:solidFill>
+              <a:schemeClr val="bg1">
+                <a:lumMod val="65000"/>
+              </a:schemeClr>
+            </a:solidFill>
+          </a:ln>
+        </p:spPr>
+        <p:style>
+          <a:lnRef idx="2">
+            <a:schemeClr val="accent1">
+              <a:shade val="50000"/>
+            </a:schemeClr>
+          </a:lnRef>
+          <a:fillRef idx="1">
+            <a:schemeClr val="accent1"/>
+          </a:fillRef>
+          <a:effectRef idx="0">
+            <a:schemeClr val="accent1"/>
+          </a:effectRef>
+          <a:fontRef idx="minor">
+            <a:schemeClr val="lt1"/>
+          </a:fontRef>
+        </p:style>
+        <p:txBody>
+          <a:bodyPr rtlCol="0" anchor="ctr"/>
+          <a:lstStyle/>
+          <a:p>
+            <a:pPr algn="ctr"/>
+            <a:r>
+              <a:rPr lang="en-US" sz="700" b="1" dirty="0">
+                <a:solidFill>
+                  <a:schemeClr val="tx1">
+                    <a:lumMod val="85000"/>
+                    <a:lumOff val="15000"/>
+                  </a:schemeClr>
+                </a:solidFill>
+              </a:rPr>
+              <a:t>Car102</a:t>
+            </a:r>
+          </a:p>
+          <a:p>
+            <a:pPr algn="ctr"/>
+            <a:r>
+              <a:rPr lang="en-US" sz="700" dirty="0">
+                <a:solidFill>
+                  <a:schemeClr val="tx1">
+                    <a:lumMod val="85000"/>
+                    <a:lumOff val="15000"/>
+                  </a:schemeClr>
+                </a:solidFill>
+              </a:rPr>
+              <a:t>60 msgs</a:t>
+            </a:r>
+          </a:p>
+        </p:txBody>
+      </p:sp>
+      <p:sp>
+        <p:nvSpPr>
+          <p:cNvPr id="17" name="Rectangle 16">
+            <a:extLst>
+              <a:ext uri="{FF2B5EF4-FFF2-40B4-BE49-F238E27FC236}">
+                <a16:creationId xmlns:a16="http://schemas.microsoft.com/office/drawing/2014/main" id="{C04E24A5-5166-4B03-83BC-5498D3994568}"/>
+              </a:ext>
+            </a:extLst>
+          </p:cNvPr>
+          <p:cNvSpPr/>
+          <p:nvPr/>
+        </p:nvSpPr>
+        <p:spPr>
+          <a:xfrm>
+            <a:off x="2786937" y="4842994"/>
+            <a:ext cx="483747" cy="265471"/>
+          </a:xfrm>
+          <a:prstGeom prst="rect">
+            <a:avLst/>
+          </a:prstGeom>
+          <a:solidFill>
+            <a:schemeClr val="accent1">
+              <a:lumMod val="20000"/>
+              <a:lumOff val="80000"/>
+            </a:schemeClr>
+          </a:solidFill>
+          <a:ln w="6350">
+            <a:solidFill>
+              <a:schemeClr val="bg1">
+                <a:lumMod val="65000"/>
+              </a:schemeClr>
+            </a:solidFill>
+          </a:ln>
+        </p:spPr>
+        <p:style>
+          <a:lnRef idx="2">
+            <a:schemeClr val="accent1">
+              <a:shade val="50000"/>
+            </a:schemeClr>
+          </a:lnRef>
+          <a:fillRef idx="1">
+            <a:schemeClr val="accent1"/>
+          </a:fillRef>
+          <a:effectRef idx="0">
+            <a:schemeClr val="accent1"/>
+          </a:effectRef>
+          <a:fontRef idx="minor">
+            <a:schemeClr val="lt1"/>
+          </a:fontRef>
+        </p:style>
+        <p:txBody>
+          <a:bodyPr rtlCol="0" anchor="ctr"/>
+          <a:lstStyle/>
+          <a:p>
+            <a:pPr algn="ctr"/>
+            <a:r>
+              <a:rPr lang="en-US" sz="700" dirty="0">
+                <a:solidFill>
+                  <a:schemeClr val="tx1">
+                    <a:lumMod val="85000"/>
+                    <a:lumOff val="15000"/>
+                  </a:schemeClr>
+                </a:solidFill>
+              </a:rPr>
+              <a:t>…</a:t>
+            </a:r>
+          </a:p>
+        </p:txBody>
+      </p:sp>
+      <p:sp>
+        <p:nvSpPr>
+          <p:cNvPr id="19" name="Rectangle 18">
+            <a:extLst>
+              <a:ext uri="{FF2B5EF4-FFF2-40B4-BE49-F238E27FC236}">
+                <a16:creationId xmlns:a16="http://schemas.microsoft.com/office/drawing/2014/main" id="{F3B92EB5-ECAD-40C0-AB90-A2E3361F1412}"/>
+              </a:ext>
+            </a:extLst>
+          </p:cNvPr>
+          <p:cNvSpPr/>
+          <p:nvPr/>
+        </p:nvSpPr>
+        <p:spPr>
+          <a:xfrm>
+            <a:off x="2786937" y="5108465"/>
+            <a:ext cx="483747" cy="265471"/>
+          </a:xfrm>
+          <a:prstGeom prst="rect">
+            <a:avLst/>
+          </a:prstGeom>
+          <a:solidFill>
+            <a:schemeClr val="accent1">
+              <a:lumMod val="20000"/>
+              <a:lumOff val="80000"/>
+            </a:schemeClr>
+          </a:solidFill>
+          <a:ln w="6350">
+            <a:solidFill>
+              <a:schemeClr val="bg1">
+                <a:lumMod val="65000"/>
+              </a:schemeClr>
+            </a:solidFill>
+          </a:ln>
+        </p:spPr>
+        <p:style>
+          <a:lnRef idx="2">
+            <a:schemeClr val="accent1">
+              <a:shade val="50000"/>
+            </a:schemeClr>
+          </a:lnRef>
+          <a:fillRef idx="1">
+            <a:schemeClr val="accent1"/>
+          </a:fillRef>
+          <a:effectRef idx="0">
+            <a:schemeClr val="accent1"/>
+          </a:effectRef>
+          <a:fontRef idx="minor">
+            <a:schemeClr val="lt1"/>
+          </a:fontRef>
+        </p:style>
+        <p:txBody>
+          <a:bodyPr rtlCol="0" anchor="ctr"/>
+          <a:lstStyle/>
+          <a:p>
+            <a:pPr algn="ctr"/>
+            <a:r>
+              <a:rPr lang="en-US" sz="700" b="1" dirty="0">
+                <a:solidFill>
+                  <a:schemeClr val="tx1">
+                    <a:lumMod val="85000"/>
+                    <a:lumOff val="15000"/>
+                  </a:schemeClr>
+                </a:solidFill>
+              </a:rPr>
+              <a:t>Car200</a:t>
+            </a:r>
+          </a:p>
+          <a:p>
+            <a:pPr algn="ctr"/>
+            <a:r>
+              <a:rPr lang="en-US" sz="700" dirty="0">
+                <a:solidFill>
+                  <a:schemeClr val="tx1">
+                    <a:lumMod val="85000"/>
+                    <a:lumOff val="15000"/>
+                  </a:schemeClr>
+                </a:solidFill>
+              </a:rPr>
+              <a:t>60 msgs</a:t>
+            </a:r>
+          </a:p>
+        </p:txBody>
+      </p:sp>
+      <p:sp>
+        <p:nvSpPr>
+          <p:cNvPr id="21" name="Rectangle 20">
+            <a:extLst>
+              <a:ext uri="{FF2B5EF4-FFF2-40B4-BE49-F238E27FC236}">
+                <a16:creationId xmlns:a16="http://schemas.microsoft.com/office/drawing/2014/main" id="{2910F7F6-7817-459F-84BC-F9B9063B437F}"/>
+              </a:ext>
+            </a:extLst>
+          </p:cNvPr>
+          <p:cNvSpPr/>
+          <p:nvPr/>
+        </p:nvSpPr>
+        <p:spPr>
+          <a:xfrm>
+            <a:off x="3579892" y="4312052"/>
+            <a:ext cx="483747" cy="265471"/>
+          </a:xfrm>
+          <a:prstGeom prst="rect">
+            <a:avLst/>
+          </a:prstGeom>
+          <a:solidFill>
+            <a:schemeClr val="accent1">
+              <a:lumMod val="20000"/>
+              <a:lumOff val="80000"/>
+            </a:schemeClr>
+          </a:solidFill>
+          <a:ln w="6350">
+            <a:solidFill>
+              <a:schemeClr val="bg1">
+                <a:lumMod val="65000"/>
+              </a:schemeClr>
+            </a:solidFill>
+          </a:ln>
+        </p:spPr>
+        <p:style>
+          <a:lnRef idx="2">
+            <a:schemeClr val="accent1">
+              <a:shade val="50000"/>
+            </a:schemeClr>
+          </a:lnRef>
+          <a:fillRef idx="1">
+            <a:schemeClr val="accent1"/>
+          </a:fillRef>
+          <a:effectRef idx="0">
+            <a:schemeClr val="accent1"/>
+          </a:effectRef>
+          <a:fontRef idx="minor">
+            <a:schemeClr val="lt1"/>
+          </a:fontRef>
+        </p:style>
+        <p:txBody>
+          <a:bodyPr rtlCol="0" anchor="ctr"/>
+          <a:lstStyle/>
+          <a:p>
+            <a:pPr algn="ctr"/>
+            <a:r>
+              <a:rPr lang="en-US" sz="700" b="1" dirty="0">
+                <a:solidFill>
+                  <a:schemeClr val="tx1">
+                    <a:lumMod val="85000"/>
+                    <a:lumOff val="15000"/>
+                  </a:schemeClr>
+                </a:solidFill>
+              </a:rPr>
+              <a:t>Car201</a:t>
+            </a:r>
+          </a:p>
+          <a:p>
+            <a:pPr algn="ctr"/>
+            <a:r>
+              <a:rPr lang="en-US" sz="700" dirty="0">
+                <a:solidFill>
+                  <a:schemeClr val="tx1">
+                    <a:lumMod val="85000"/>
+                    <a:lumOff val="15000"/>
+                  </a:schemeClr>
+                </a:solidFill>
+              </a:rPr>
+              <a:t>60 msgs</a:t>
+            </a:r>
+          </a:p>
+        </p:txBody>
+      </p:sp>
+      <p:sp>
+        <p:nvSpPr>
+          <p:cNvPr id="23" name="Rectangle 22">
+            <a:extLst>
+              <a:ext uri="{FF2B5EF4-FFF2-40B4-BE49-F238E27FC236}">
+                <a16:creationId xmlns:a16="http://schemas.microsoft.com/office/drawing/2014/main" id="{F4BF2D66-3807-4EF1-B0CB-1476B3C74620}"/>
+              </a:ext>
+            </a:extLst>
+          </p:cNvPr>
+          <p:cNvSpPr/>
+          <p:nvPr/>
+        </p:nvSpPr>
+        <p:spPr>
+          <a:xfrm>
+            <a:off x="3579893" y="4577523"/>
+            <a:ext cx="483747" cy="265471"/>
+          </a:xfrm>
+          <a:prstGeom prst="rect">
+            <a:avLst/>
+          </a:prstGeom>
+          <a:solidFill>
+            <a:schemeClr val="accent1">
+              <a:lumMod val="20000"/>
+              <a:lumOff val="80000"/>
+            </a:schemeClr>
+          </a:solidFill>
+          <a:ln w="6350">
+            <a:solidFill>
+              <a:schemeClr val="bg1">
+                <a:lumMod val="65000"/>
+              </a:schemeClr>
+            </a:solidFill>
+          </a:ln>
+        </p:spPr>
+        <p:style>
+          <a:lnRef idx="2">
+            <a:schemeClr val="accent1">
+              <a:shade val="50000"/>
+            </a:schemeClr>
+          </a:lnRef>
+          <a:fillRef idx="1">
+            <a:schemeClr val="accent1"/>
+          </a:fillRef>
+          <a:effectRef idx="0">
+            <a:schemeClr val="accent1"/>
+          </a:effectRef>
+          <a:fontRef idx="minor">
+            <a:schemeClr val="lt1"/>
+          </a:fontRef>
+        </p:style>
+        <p:txBody>
+          <a:bodyPr rtlCol="0" anchor="ctr"/>
+          <a:lstStyle/>
+          <a:p>
+            <a:pPr algn="ctr"/>
+            <a:r>
+              <a:rPr lang="en-US" sz="700" b="1" dirty="0">
+                <a:solidFill>
+                  <a:schemeClr val="tx1">
+                    <a:lumMod val="85000"/>
+                    <a:lumOff val="15000"/>
+                  </a:schemeClr>
+                </a:solidFill>
+              </a:rPr>
+              <a:t>Car202</a:t>
+            </a:r>
+          </a:p>
+          <a:p>
+            <a:pPr algn="ctr"/>
+            <a:r>
+              <a:rPr lang="en-US" sz="700" dirty="0">
+                <a:solidFill>
+                  <a:schemeClr val="tx1">
+                    <a:lumMod val="85000"/>
+                    <a:lumOff val="15000"/>
+                  </a:schemeClr>
+                </a:solidFill>
+              </a:rPr>
+              <a:t>60 msgs</a:t>
+            </a:r>
+          </a:p>
+        </p:txBody>
+      </p:sp>
+      <p:sp>
+        <p:nvSpPr>
+          <p:cNvPr id="25" name="Rectangle 24">
+            <a:extLst>
+              <a:ext uri="{FF2B5EF4-FFF2-40B4-BE49-F238E27FC236}">
+                <a16:creationId xmlns:a16="http://schemas.microsoft.com/office/drawing/2014/main" id="{4A4242C4-AC21-44CA-BEB1-4943D01D8B38}"/>
+              </a:ext>
+            </a:extLst>
+          </p:cNvPr>
+          <p:cNvSpPr/>
+          <p:nvPr/>
+        </p:nvSpPr>
+        <p:spPr>
+          <a:xfrm>
+            <a:off x="3579892" y="4842994"/>
+            <a:ext cx="483747" cy="265471"/>
+          </a:xfrm>
+          <a:prstGeom prst="rect">
+            <a:avLst/>
+          </a:prstGeom>
+          <a:solidFill>
+            <a:schemeClr val="accent1">
+              <a:lumMod val="20000"/>
+              <a:lumOff val="80000"/>
+            </a:schemeClr>
+          </a:solidFill>
+          <a:ln w="6350">
+            <a:solidFill>
+              <a:schemeClr val="bg1">
+                <a:lumMod val="65000"/>
+              </a:schemeClr>
+            </a:solidFill>
+          </a:ln>
+        </p:spPr>
+        <p:style>
+          <a:lnRef idx="2">
+            <a:schemeClr val="accent1">
+              <a:shade val="50000"/>
+            </a:schemeClr>
+          </a:lnRef>
+          <a:fillRef idx="1">
+            <a:schemeClr val="accent1"/>
+          </a:fillRef>
+          <a:effectRef idx="0">
+            <a:schemeClr val="accent1"/>
+          </a:effectRef>
+          <a:fontRef idx="minor">
+            <a:schemeClr val="lt1"/>
+          </a:fontRef>
+        </p:style>
+        <p:txBody>
+          <a:bodyPr rtlCol="0" anchor="ctr"/>
+          <a:lstStyle/>
+          <a:p>
+            <a:pPr algn="ctr"/>
+            <a:r>
+              <a:rPr lang="en-US" sz="700" dirty="0">
+                <a:solidFill>
+                  <a:schemeClr val="tx1">
+                    <a:lumMod val="85000"/>
+                    <a:lumOff val="15000"/>
+                  </a:schemeClr>
+                </a:solidFill>
+              </a:rPr>
+              <a:t>…</a:t>
+            </a:r>
+          </a:p>
+        </p:txBody>
+      </p:sp>
+      <p:sp>
+        <p:nvSpPr>
+          <p:cNvPr id="27" name="Rectangle 26">
+            <a:extLst>
+              <a:ext uri="{FF2B5EF4-FFF2-40B4-BE49-F238E27FC236}">
+                <a16:creationId xmlns:a16="http://schemas.microsoft.com/office/drawing/2014/main" id="{ABD7A2C3-E892-4523-A4BF-6C7A575EB205}"/>
+              </a:ext>
+            </a:extLst>
+          </p:cNvPr>
+          <p:cNvSpPr/>
+          <p:nvPr/>
+        </p:nvSpPr>
+        <p:spPr>
+          <a:xfrm>
+            <a:off x="3579892" y="5108465"/>
+            <a:ext cx="483747" cy="265471"/>
+          </a:xfrm>
+          <a:prstGeom prst="rect">
+            <a:avLst/>
+          </a:prstGeom>
+          <a:solidFill>
+            <a:schemeClr val="accent1">
+              <a:lumMod val="20000"/>
+              <a:lumOff val="80000"/>
+            </a:schemeClr>
+          </a:solidFill>
+          <a:ln w="6350">
+            <a:solidFill>
+              <a:schemeClr val="bg1">
+                <a:lumMod val="65000"/>
+              </a:schemeClr>
+            </a:solidFill>
+          </a:ln>
+        </p:spPr>
+        <p:style>
+          <a:lnRef idx="2">
+            <a:schemeClr val="accent1">
+              <a:shade val="50000"/>
+            </a:schemeClr>
+          </a:lnRef>
+          <a:fillRef idx="1">
+            <a:schemeClr val="accent1"/>
+          </a:fillRef>
+          <a:effectRef idx="0">
+            <a:schemeClr val="accent1"/>
+          </a:effectRef>
+          <a:fontRef idx="minor">
+            <a:schemeClr val="lt1"/>
+          </a:fontRef>
+        </p:style>
+        <p:txBody>
+          <a:bodyPr rtlCol="0" anchor="ctr"/>
+          <a:lstStyle/>
+          <a:p>
+            <a:pPr algn="ctr"/>
+            <a:r>
+              <a:rPr lang="en-US" sz="700" b="1" dirty="0">
+                <a:solidFill>
+                  <a:schemeClr val="tx1">
+                    <a:lumMod val="85000"/>
+                    <a:lumOff val="15000"/>
+                  </a:schemeClr>
+                </a:solidFill>
+              </a:rPr>
+              <a:t>Car300</a:t>
+            </a:r>
+          </a:p>
+          <a:p>
+            <a:pPr algn="ctr"/>
+            <a:r>
+              <a:rPr lang="en-US" sz="700" dirty="0">
+                <a:solidFill>
+                  <a:schemeClr val="tx1">
+                    <a:lumMod val="85000"/>
+                    <a:lumOff val="15000"/>
+                  </a:schemeClr>
+                </a:solidFill>
+              </a:rPr>
+              <a:t>60 msgs</a:t>
+            </a:r>
+          </a:p>
+        </p:txBody>
+      </p:sp>
+      <p:sp>
+        <p:nvSpPr>
+          <p:cNvPr id="29" name="Rectangle 28">
+            <a:extLst>
+              <a:ext uri="{FF2B5EF4-FFF2-40B4-BE49-F238E27FC236}">
+                <a16:creationId xmlns:a16="http://schemas.microsoft.com/office/drawing/2014/main" id="{D7EC5989-E84B-4275-AB60-BC3CE9BA5E6F}"/>
+              </a:ext>
+            </a:extLst>
+          </p:cNvPr>
+          <p:cNvSpPr/>
+          <p:nvPr/>
+        </p:nvSpPr>
+        <p:spPr>
+          <a:xfrm>
+            <a:off x="5700201" y="4312052"/>
+            <a:ext cx="483747" cy="265471"/>
+          </a:xfrm>
+          <a:prstGeom prst="rect">
+            <a:avLst/>
+          </a:prstGeom>
+          <a:solidFill>
+            <a:schemeClr val="accent1">
+              <a:lumMod val="20000"/>
+              <a:lumOff val="80000"/>
+            </a:schemeClr>
+          </a:solidFill>
+          <a:ln w="6350">
+            <a:solidFill>
+              <a:schemeClr val="bg1">
+                <a:lumMod val="65000"/>
+              </a:schemeClr>
+            </a:solidFill>
+          </a:ln>
+        </p:spPr>
+        <p:style>
+          <a:lnRef idx="2">
+            <a:schemeClr val="accent1">
+              <a:shade val="50000"/>
+            </a:schemeClr>
+          </a:lnRef>
+          <a:fillRef idx="1">
+            <a:schemeClr val="accent1"/>
+          </a:fillRef>
+          <a:effectRef idx="0">
+            <a:schemeClr val="accent1"/>
+          </a:effectRef>
+          <a:fontRef idx="minor">
+            <a:schemeClr val="lt1"/>
+          </a:fontRef>
+        </p:style>
+        <p:txBody>
+          <a:bodyPr rtlCol="0" anchor="ctr"/>
+          <a:lstStyle/>
+          <a:p>
+            <a:pPr algn="ctr"/>
+            <a:r>
+              <a:rPr lang="en-US" sz="700" b="1" dirty="0">
+                <a:solidFill>
+                  <a:schemeClr val="tx1">
+                    <a:lumMod val="85000"/>
+                    <a:lumOff val="15000"/>
+                  </a:schemeClr>
+                </a:solidFill>
+              </a:rPr>
+              <a:t>Car1</a:t>
+            </a:r>
+          </a:p>
+          <a:p>
+            <a:pPr algn="ctr"/>
+            <a:r>
+              <a:rPr lang="en-US" sz="700" dirty="0">
+                <a:solidFill>
+                  <a:schemeClr val="tx1">
+                    <a:lumMod val="85000"/>
+                    <a:lumOff val="15000"/>
+                  </a:schemeClr>
+                </a:solidFill>
+              </a:rPr>
+              <a:t>60 msgs</a:t>
+            </a:r>
+          </a:p>
+        </p:txBody>
+      </p:sp>
+      <p:sp>
+        <p:nvSpPr>
+          <p:cNvPr id="31" name="Rectangle 30">
+            <a:extLst>
+              <a:ext uri="{FF2B5EF4-FFF2-40B4-BE49-F238E27FC236}">
+                <a16:creationId xmlns:a16="http://schemas.microsoft.com/office/drawing/2014/main" id="{2D29FB41-1FDC-4A53-B68B-26146C057AEA}"/>
+              </a:ext>
+            </a:extLst>
+          </p:cNvPr>
+          <p:cNvSpPr/>
+          <p:nvPr/>
+        </p:nvSpPr>
+        <p:spPr>
+          <a:xfrm>
+            <a:off x="5700202" y="4577523"/>
+            <a:ext cx="483747" cy="265471"/>
+          </a:xfrm>
+          <a:prstGeom prst="rect">
+            <a:avLst/>
+          </a:prstGeom>
+          <a:solidFill>
+            <a:schemeClr val="accent1">
+              <a:lumMod val="20000"/>
+              <a:lumOff val="80000"/>
+            </a:schemeClr>
+          </a:solidFill>
+          <a:ln w="6350">
+            <a:solidFill>
+              <a:schemeClr val="bg1">
+                <a:lumMod val="65000"/>
+              </a:schemeClr>
+            </a:solidFill>
+          </a:ln>
+        </p:spPr>
+        <p:style>
+          <a:lnRef idx="2">
+            <a:schemeClr val="accent1">
+              <a:shade val="50000"/>
+            </a:schemeClr>
+          </a:lnRef>
+          <a:fillRef idx="1">
+            <a:schemeClr val="accent1"/>
+          </a:fillRef>
+          <a:effectRef idx="0">
+            <a:schemeClr val="accent1"/>
+          </a:effectRef>
+          <a:fontRef idx="minor">
+            <a:schemeClr val="lt1"/>
+          </a:fontRef>
+        </p:style>
+        <p:txBody>
+          <a:bodyPr rtlCol="0" anchor="ctr"/>
+          <a:lstStyle/>
+          <a:p>
+            <a:pPr algn="ctr"/>
+            <a:r>
+              <a:rPr lang="en-US" sz="700" b="1" dirty="0">
+                <a:solidFill>
+                  <a:schemeClr val="tx1">
+                    <a:lumMod val="85000"/>
+                    <a:lumOff val="15000"/>
+                  </a:schemeClr>
+                </a:solidFill>
+              </a:rPr>
+              <a:t>Car2</a:t>
+            </a:r>
+          </a:p>
+          <a:p>
+            <a:pPr algn="ctr"/>
+            <a:r>
+              <a:rPr lang="en-US" sz="700" dirty="0">
+                <a:solidFill>
+                  <a:schemeClr val="tx1">
+                    <a:lumMod val="85000"/>
+                    <a:lumOff val="15000"/>
+                  </a:schemeClr>
+                </a:solidFill>
+              </a:rPr>
+              <a:t>60 msgs</a:t>
+            </a:r>
+          </a:p>
+        </p:txBody>
+      </p:sp>
+      <p:sp>
+        <p:nvSpPr>
+          <p:cNvPr id="33" name="Rectangle 32">
+            <a:extLst>
+              <a:ext uri="{FF2B5EF4-FFF2-40B4-BE49-F238E27FC236}">
+                <a16:creationId xmlns:a16="http://schemas.microsoft.com/office/drawing/2014/main" id="{A1D9D51C-9C4D-4E39-8EAA-E455C2D48459}"/>
+              </a:ext>
+            </a:extLst>
+          </p:cNvPr>
+          <p:cNvSpPr/>
+          <p:nvPr/>
+        </p:nvSpPr>
+        <p:spPr>
+          <a:xfrm>
+            <a:off x="5700201" y="4842994"/>
+            <a:ext cx="483747" cy="265471"/>
+          </a:xfrm>
+          <a:prstGeom prst="rect">
+            <a:avLst/>
+          </a:prstGeom>
+          <a:solidFill>
+            <a:schemeClr val="accent1">
+              <a:lumMod val="20000"/>
+              <a:lumOff val="80000"/>
+            </a:schemeClr>
+          </a:solidFill>
+          <a:ln w="6350">
+            <a:solidFill>
+              <a:schemeClr val="bg1">
+                <a:lumMod val="65000"/>
+              </a:schemeClr>
+            </a:solidFill>
+          </a:ln>
+        </p:spPr>
+        <p:style>
+          <a:lnRef idx="2">
+            <a:schemeClr val="accent1">
+              <a:shade val="50000"/>
+            </a:schemeClr>
+          </a:lnRef>
+          <a:fillRef idx="1">
+            <a:schemeClr val="accent1"/>
+          </a:fillRef>
+          <a:effectRef idx="0">
+            <a:schemeClr val="accent1"/>
+          </a:effectRef>
+          <a:fontRef idx="minor">
+            <a:schemeClr val="lt1"/>
+          </a:fontRef>
+        </p:style>
+        <p:txBody>
+          <a:bodyPr rtlCol="0" anchor="ctr"/>
+          <a:lstStyle/>
+          <a:p>
+            <a:pPr algn="ctr"/>
+            <a:r>
+              <a:rPr lang="en-US" sz="700" dirty="0">
+                <a:solidFill>
+                  <a:schemeClr val="tx1">
+                    <a:lumMod val="85000"/>
+                    <a:lumOff val="15000"/>
+                  </a:schemeClr>
+                </a:solidFill>
+              </a:rPr>
+              <a:t>…</a:t>
+            </a:r>
+          </a:p>
+        </p:txBody>
+      </p:sp>
+      <p:sp>
+        <p:nvSpPr>
+          <p:cNvPr id="35" name="Rectangle 34">
+            <a:extLst>
+              <a:ext uri="{FF2B5EF4-FFF2-40B4-BE49-F238E27FC236}">
+                <a16:creationId xmlns:a16="http://schemas.microsoft.com/office/drawing/2014/main" id="{6C0D906A-461B-436B-8F52-02A4779E056D}"/>
+              </a:ext>
+            </a:extLst>
+          </p:cNvPr>
+          <p:cNvSpPr/>
+          <p:nvPr/>
+        </p:nvSpPr>
+        <p:spPr>
+          <a:xfrm>
+            <a:off x="5700201" y="5108465"/>
+            <a:ext cx="483747" cy="265471"/>
+          </a:xfrm>
+          <a:prstGeom prst="rect">
+            <a:avLst/>
+          </a:prstGeom>
+          <a:solidFill>
+            <a:schemeClr val="accent1">
+              <a:lumMod val="20000"/>
+              <a:lumOff val="80000"/>
+            </a:schemeClr>
+          </a:solidFill>
+          <a:ln w="6350">
+            <a:solidFill>
+              <a:schemeClr val="bg1">
+                <a:lumMod val="65000"/>
+              </a:schemeClr>
+            </a:solidFill>
+          </a:ln>
+        </p:spPr>
+        <p:style>
+          <a:lnRef idx="2">
+            <a:schemeClr val="accent1">
+              <a:shade val="50000"/>
+            </a:schemeClr>
+          </a:lnRef>
+          <a:fillRef idx="1">
+            <a:schemeClr val="accent1"/>
+          </a:fillRef>
+          <a:effectRef idx="0">
+            <a:schemeClr val="accent1"/>
+          </a:effectRef>
+          <a:fontRef idx="minor">
+            <a:schemeClr val="lt1"/>
+          </a:fontRef>
+        </p:style>
+        <p:txBody>
+          <a:bodyPr rtlCol="0" anchor="ctr"/>
+          <a:lstStyle/>
+          <a:p>
+            <a:pPr algn="ctr"/>
+            <a:r>
+              <a:rPr lang="en-US" sz="700" b="1" dirty="0">
+                <a:solidFill>
+                  <a:schemeClr val="tx1">
+                    <a:lumMod val="85000"/>
+                    <a:lumOff val="15000"/>
+                  </a:schemeClr>
+                </a:solidFill>
+              </a:rPr>
+              <a:t>Car100</a:t>
+            </a:r>
+          </a:p>
+          <a:p>
+            <a:pPr algn="ctr"/>
+            <a:r>
+              <a:rPr lang="en-US" sz="700" dirty="0">
+                <a:solidFill>
+                  <a:schemeClr val="tx1">
+                    <a:lumMod val="85000"/>
+                    <a:lumOff val="15000"/>
+                  </a:schemeClr>
+                </a:solidFill>
+              </a:rPr>
+              <a:t>60 msgs</a:t>
+            </a:r>
+          </a:p>
+        </p:txBody>
+      </p:sp>
+      <p:sp>
+        <p:nvSpPr>
+          <p:cNvPr id="37" name="Rectangle 36">
+            <a:extLst>
+              <a:ext uri="{FF2B5EF4-FFF2-40B4-BE49-F238E27FC236}">
+                <a16:creationId xmlns:a16="http://schemas.microsoft.com/office/drawing/2014/main" id="{BBED3D93-2A54-40B8-A4E1-B8CBF3980BEE}"/>
+              </a:ext>
+            </a:extLst>
+          </p:cNvPr>
+          <p:cNvSpPr/>
+          <p:nvPr/>
+        </p:nvSpPr>
+        <p:spPr>
+          <a:xfrm>
+            <a:off x="6493157" y="4312052"/>
+            <a:ext cx="483747" cy="265471"/>
+          </a:xfrm>
+          <a:prstGeom prst="rect">
+            <a:avLst/>
+          </a:prstGeom>
+          <a:solidFill>
+            <a:schemeClr val="accent1">
+              <a:lumMod val="20000"/>
+              <a:lumOff val="80000"/>
+            </a:schemeClr>
+          </a:solidFill>
+          <a:ln w="6350">
+            <a:solidFill>
+              <a:schemeClr val="bg1">
+                <a:lumMod val="65000"/>
+              </a:schemeClr>
+            </a:solidFill>
+          </a:ln>
+        </p:spPr>
+        <p:style>
+          <a:lnRef idx="2">
+            <a:schemeClr val="accent1">
+              <a:shade val="50000"/>
+            </a:schemeClr>
+          </a:lnRef>
+          <a:fillRef idx="1">
+            <a:schemeClr val="accent1"/>
+          </a:fillRef>
+          <a:effectRef idx="0">
+            <a:schemeClr val="accent1"/>
+          </a:effectRef>
+          <a:fontRef idx="minor">
+            <a:schemeClr val="lt1"/>
+          </a:fontRef>
+        </p:style>
+        <p:txBody>
+          <a:bodyPr rtlCol="0" anchor="ctr"/>
+          <a:lstStyle/>
+          <a:p>
+            <a:pPr algn="ctr"/>
+            <a:r>
+              <a:rPr lang="en-US" sz="700" b="1" dirty="0">
+                <a:solidFill>
+                  <a:schemeClr val="tx1">
+                    <a:lumMod val="85000"/>
+                    <a:lumOff val="15000"/>
+                  </a:schemeClr>
+                </a:solidFill>
+              </a:rPr>
+              <a:t>Car101</a:t>
+            </a:r>
+          </a:p>
+          <a:p>
+            <a:pPr algn="ctr"/>
+            <a:r>
+              <a:rPr lang="en-US" sz="700" dirty="0">
+                <a:solidFill>
+                  <a:schemeClr val="tx1">
+                    <a:lumMod val="85000"/>
+                    <a:lumOff val="15000"/>
+                  </a:schemeClr>
+                </a:solidFill>
+              </a:rPr>
+              <a:t>60 msgs</a:t>
+            </a:r>
+          </a:p>
+        </p:txBody>
+      </p:sp>
+      <p:sp>
+        <p:nvSpPr>
+          <p:cNvPr id="39" name="Rectangle 38">
+            <a:extLst>
+              <a:ext uri="{FF2B5EF4-FFF2-40B4-BE49-F238E27FC236}">
+                <a16:creationId xmlns:a16="http://schemas.microsoft.com/office/drawing/2014/main" id="{98AFB2E9-1F14-4B3A-954A-3C24CF9075FF}"/>
+              </a:ext>
+            </a:extLst>
+          </p:cNvPr>
+          <p:cNvSpPr/>
+          <p:nvPr/>
+        </p:nvSpPr>
+        <p:spPr>
+          <a:xfrm>
+            <a:off x="6493158" y="4577523"/>
+            <a:ext cx="483747" cy="265471"/>
+          </a:xfrm>
+          <a:prstGeom prst="rect">
+            <a:avLst/>
+          </a:prstGeom>
+          <a:solidFill>
+            <a:schemeClr val="accent1">
+              <a:lumMod val="20000"/>
+              <a:lumOff val="80000"/>
+            </a:schemeClr>
+          </a:solidFill>
+          <a:ln w="6350">
+            <a:solidFill>
+              <a:schemeClr val="bg1">
+                <a:lumMod val="65000"/>
+              </a:schemeClr>
+            </a:solidFill>
+          </a:ln>
+        </p:spPr>
+        <p:style>
+          <a:lnRef idx="2">
+            <a:schemeClr val="accent1">
+              <a:shade val="50000"/>
+            </a:schemeClr>
+          </a:lnRef>
+          <a:fillRef idx="1">
+            <a:schemeClr val="accent1"/>
+          </a:fillRef>
+          <a:effectRef idx="0">
+            <a:schemeClr val="accent1"/>
+          </a:effectRef>
+          <a:fontRef idx="minor">
+            <a:schemeClr val="lt1"/>
+          </a:fontRef>
+        </p:style>
+        <p:txBody>
+          <a:bodyPr rtlCol="0" anchor="ctr"/>
+          <a:lstStyle/>
+          <a:p>
+            <a:pPr algn="ctr"/>
+            <a:r>
+              <a:rPr lang="en-US" sz="700" b="1" dirty="0">
+                <a:solidFill>
+                  <a:schemeClr val="tx1">
+                    <a:lumMod val="85000"/>
+                    <a:lumOff val="15000"/>
+                  </a:schemeClr>
+                </a:solidFill>
+              </a:rPr>
+              <a:t>Car102</a:t>
+            </a:r>
+          </a:p>
+          <a:p>
+            <a:pPr algn="ctr"/>
+            <a:r>
+              <a:rPr lang="en-US" sz="700" dirty="0">
+                <a:solidFill>
+                  <a:schemeClr val="tx1">
+                    <a:lumMod val="85000"/>
+                    <a:lumOff val="15000"/>
+                  </a:schemeClr>
+                </a:solidFill>
+              </a:rPr>
+              <a:t>60 msgs</a:t>
+            </a:r>
+          </a:p>
+        </p:txBody>
+      </p:sp>
+      <p:sp>
+        <p:nvSpPr>
+          <p:cNvPr id="41" name="Rectangle 40">
+            <a:extLst>
+              <a:ext uri="{FF2B5EF4-FFF2-40B4-BE49-F238E27FC236}">
+                <a16:creationId xmlns:a16="http://schemas.microsoft.com/office/drawing/2014/main" id="{F78FE48B-5F49-4813-9484-995AA390ABCA}"/>
+              </a:ext>
+            </a:extLst>
+          </p:cNvPr>
+          <p:cNvSpPr/>
+          <p:nvPr/>
+        </p:nvSpPr>
+        <p:spPr>
+          <a:xfrm>
+            <a:off x="6493157" y="4842994"/>
+            <a:ext cx="483747" cy="265471"/>
+          </a:xfrm>
+          <a:prstGeom prst="rect">
+            <a:avLst/>
+          </a:prstGeom>
+          <a:solidFill>
+            <a:schemeClr val="accent1">
+              <a:lumMod val="20000"/>
+              <a:lumOff val="80000"/>
+            </a:schemeClr>
+          </a:solidFill>
+          <a:ln w="6350">
+            <a:solidFill>
+              <a:schemeClr val="bg1">
+                <a:lumMod val="65000"/>
+              </a:schemeClr>
+            </a:solidFill>
+          </a:ln>
+        </p:spPr>
+        <p:style>
+          <a:lnRef idx="2">
+            <a:schemeClr val="accent1">
+              <a:shade val="50000"/>
+            </a:schemeClr>
+          </a:lnRef>
+          <a:fillRef idx="1">
+            <a:schemeClr val="accent1"/>
+          </a:fillRef>
+          <a:effectRef idx="0">
+            <a:schemeClr val="accent1"/>
+          </a:effectRef>
+          <a:fontRef idx="minor">
+            <a:schemeClr val="lt1"/>
+          </a:fontRef>
+        </p:style>
+        <p:txBody>
+          <a:bodyPr rtlCol="0" anchor="ctr"/>
+          <a:lstStyle/>
+          <a:p>
+            <a:pPr algn="ctr"/>
+            <a:r>
+              <a:rPr lang="en-US" sz="700" dirty="0">
+                <a:solidFill>
+                  <a:schemeClr val="tx1">
+                    <a:lumMod val="85000"/>
+                    <a:lumOff val="15000"/>
+                  </a:schemeClr>
+                </a:solidFill>
+              </a:rPr>
+              <a:t>…</a:t>
+            </a:r>
+          </a:p>
+        </p:txBody>
+      </p:sp>
+      <p:sp>
+        <p:nvSpPr>
+          <p:cNvPr id="43" name="Rectangle 42">
+            <a:extLst>
+              <a:ext uri="{FF2B5EF4-FFF2-40B4-BE49-F238E27FC236}">
+                <a16:creationId xmlns:a16="http://schemas.microsoft.com/office/drawing/2014/main" id="{CDA4023C-A57A-4470-9918-CA5A69116080}"/>
+              </a:ext>
+            </a:extLst>
+          </p:cNvPr>
+          <p:cNvSpPr/>
+          <p:nvPr/>
+        </p:nvSpPr>
+        <p:spPr>
+          <a:xfrm>
+            <a:off x="6493157" y="5108465"/>
+            <a:ext cx="483747" cy="265471"/>
+          </a:xfrm>
+          <a:prstGeom prst="rect">
+            <a:avLst/>
+          </a:prstGeom>
+          <a:solidFill>
+            <a:schemeClr val="accent1">
+              <a:lumMod val="20000"/>
+              <a:lumOff val="80000"/>
+            </a:schemeClr>
+          </a:solidFill>
+          <a:ln w="6350">
+            <a:solidFill>
+              <a:schemeClr val="bg1">
+                <a:lumMod val="65000"/>
+              </a:schemeClr>
+            </a:solidFill>
+          </a:ln>
+        </p:spPr>
+        <p:style>
+          <a:lnRef idx="2">
+            <a:schemeClr val="accent1">
+              <a:shade val="50000"/>
+            </a:schemeClr>
+          </a:lnRef>
+          <a:fillRef idx="1">
+            <a:schemeClr val="accent1"/>
+          </a:fillRef>
+          <a:effectRef idx="0">
+            <a:schemeClr val="accent1"/>
+          </a:effectRef>
+          <a:fontRef idx="minor">
+            <a:schemeClr val="lt1"/>
+          </a:fontRef>
+        </p:style>
+        <p:txBody>
+          <a:bodyPr rtlCol="0" anchor="ctr"/>
+          <a:lstStyle/>
+          <a:p>
+            <a:pPr algn="ctr"/>
+            <a:r>
+              <a:rPr lang="en-US" sz="700" b="1" dirty="0">
+                <a:solidFill>
+                  <a:schemeClr val="tx1">
+                    <a:lumMod val="85000"/>
+                    <a:lumOff val="15000"/>
+                  </a:schemeClr>
+                </a:solidFill>
+              </a:rPr>
+              <a:t>Car200</a:t>
+            </a:r>
+          </a:p>
+          <a:p>
+            <a:pPr algn="ctr"/>
+            <a:r>
+              <a:rPr lang="en-US" sz="700" dirty="0">
+                <a:solidFill>
+                  <a:schemeClr val="tx1">
+                    <a:lumMod val="85000"/>
+                    <a:lumOff val="15000"/>
+                  </a:schemeClr>
+                </a:solidFill>
+              </a:rPr>
+              <a:t>60 msgs</a:t>
+            </a:r>
+          </a:p>
+        </p:txBody>
+      </p:sp>
+      <p:sp>
+        <p:nvSpPr>
+          <p:cNvPr id="45" name="Rectangle 44">
+            <a:extLst>
+              <a:ext uri="{FF2B5EF4-FFF2-40B4-BE49-F238E27FC236}">
+                <a16:creationId xmlns:a16="http://schemas.microsoft.com/office/drawing/2014/main" id="{086533F6-A716-425A-BDBA-7A1EAAD60449}"/>
+              </a:ext>
+            </a:extLst>
+          </p:cNvPr>
+          <p:cNvSpPr/>
+          <p:nvPr/>
+        </p:nvSpPr>
+        <p:spPr>
+          <a:xfrm>
+            <a:off x="7286112" y="4312052"/>
+            <a:ext cx="483747" cy="265471"/>
+          </a:xfrm>
+          <a:prstGeom prst="rect">
+            <a:avLst/>
+          </a:prstGeom>
+          <a:solidFill>
+            <a:schemeClr val="accent1">
+              <a:lumMod val="20000"/>
+              <a:lumOff val="80000"/>
+            </a:schemeClr>
+          </a:solidFill>
+          <a:ln w="6350">
+            <a:solidFill>
+              <a:schemeClr val="bg1">
+                <a:lumMod val="65000"/>
+              </a:schemeClr>
+            </a:solidFill>
+          </a:ln>
+        </p:spPr>
+        <p:style>
+          <a:lnRef idx="2">
+            <a:schemeClr val="accent1">
+              <a:shade val="50000"/>
+            </a:schemeClr>
+          </a:lnRef>
+          <a:fillRef idx="1">
+            <a:schemeClr val="accent1"/>
+          </a:fillRef>
+          <a:effectRef idx="0">
+            <a:schemeClr val="accent1"/>
+          </a:effectRef>
+          <a:fontRef idx="minor">
+            <a:schemeClr val="lt1"/>
+          </a:fontRef>
+        </p:style>
+        <p:txBody>
+          <a:bodyPr rtlCol="0" anchor="ctr"/>
+          <a:lstStyle/>
+          <a:p>
+            <a:pPr algn="ctr"/>
+            <a:r>
+              <a:rPr lang="en-US" sz="700" b="1" dirty="0">
+                <a:solidFill>
+                  <a:schemeClr val="tx1">
+                    <a:lumMod val="85000"/>
+                    <a:lumOff val="15000"/>
+                  </a:schemeClr>
+                </a:solidFill>
+              </a:rPr>
+              <a:t>Car201</a:t>
+            </a:r>
+          </a:p>
+          <a:p>
+            <a:pPr algn="ctr"/>
+            <a:r>
+              <a:rPr lang="en-US" sz="700" dirty="0">
+                <a:solidFill>
+                  <a:schemeClr val="tx1">
+                    <a:lumMod val="85000"/>
+                    <a:lumOff val="15000"/>
+                  </a:schemeClr>
+                </a:solidFill>
+              </a:rPr>
+              <a:t>60 msgs</a:t>
+            </a:r>
+          </a:p>
+        </p:txBody>
+      </p:sp>
+      <p:sp>
+        <p:nvSpPr>
+          <p:cNvPr id="47" name="Rectangle 46">
+            <a:extLst>
+              <a:ext uri="{FF2B5EF4-FFF2-40B4-BE49-F238E27FC236}">
+                <a16:creationId xmlns:a16="http://schemas.microsoft.com/office/drawing/2014/main" id="{DDC3AC93-CFF9-4E62-948F-D16B8316FC43}"/>
+              </a:ext>
+            </a:extLst>
+          </p:cNvPr>
+          <p:cNvSpPr/>
+          <p:nvPr/>
+        </p:nvSpPr>
+        <p:spPr>
+          <a:xfrm>
+            <a:off x="7286113" y="4577523"/>
+            <a:ext cx="483747" cy="265471"/>
+          </a:xfrm>
+          <a:prstGeom prst="rect">
+            <a:avLst/>
+          </a:prstGeom>
+          <a:solidFill>
+            <a:schemeClr val="accent1">
+              <a:lumMod val="20000"/>
+              <a:lumOff val="80000"/>
+            </a:schemeClr>
+          </a:solidFill>
+          <a:ln w="6350">
+            <a:solidFill>
+              <a:schemeClr val="bg1">
+                <a:lumMod val="65000"/>
+              </a:schemeClr>
+            </a:solidFill>
+          </a:ln>
+        </p:spPr>
+        <p:style>
+          <a:lnRef idx="2">
+            <a:schemeClr val="accent1">
+              <a:shade val="50000"/>
+            </a:schemeClr>
+          </a:lnRef>
+          <a:fillRef idx="1">
+            <a:schemeClr val="accent1"/>
+          </a:fillRef>
+          <a:effectRef idx="0">
+            <a:schemeClr val="accent1"/>
+          </a:effectRef>
+          <a:fontRef idx="minor">
+            <a:schemeClr val="lt1"/>
+          </a:fontRef>
+        </p:style>
+        <p:txBody>
+          <a:bodyPr rtlCol="0" anchor="ctr"/>
+          <a:lstStyle/>
+          <a:p>
+            <a:pPr algn="ctr"/>
+            <a:r>
+              <a:rPr lang="en-US" sz="700" b="1" dirty="0">
+                <a:solidFill>
+                  <a:schemeClr val="tx1">
+                    <a:lumMod val="85000"/>
+                    <a:lumOff val="15000"/>
+                  </a:schemeClr>
+                </a:solidFill>
+              </a:rPr>
+              <a:t>Car202</a:t>
+            </a:r>
+          </a:p>
+          <a:p>
+            <a:pPr algn="ctr"/>
+            <a:r>
+              <a:rPr lang="en-US" sz="700" dirty="0">
+                <a:solidFill>
+                  <a:schemeClr val="tx1">
+                    <a:lumMod val="85000"/>
+                    <a:lumOff val="15000"/>
+                  </a:schemeClr>
+                </a:solidFill>
+              </a:rPr>
+              <a:t>60 msgs</a:t>
+            </a:r>
+          </a:p>
+        </p:txBody>
+      </p:sp>
+      <p:sp>
+        <p:nvSpPr>
+          <p:cNvPr id="49" name="Rectangle 48">
+            <a:extLst>
+              <a:ext uri="{FF2B5EF4-FFF2-40B4-BE49-F238E27FC236}">
+                <a16:creationId xmlns:a16="http://schemas.microsoft.com/office/drawing/2014/main" id="{5150F674-2C3E-425D-BF99-71B75A9FA1D8}"/>
+              </a:ext>
+            </a:extLst>
+          </p:cNvPr>
+          <p:cNvSpPr/>
+          <p:nvPr/>
+        </p:nvSpPr>
+        <p:spPr>
+          <a:xfrm>
+            <a:off x="7286112" y="4842994"/>
+            <a:ext cx="483747" cy="265471"/>
+          </a:xfrm>
+          <a:prstGeom prst="rect">
+            <a:avLst/>
+          </a:prstGeom>
+          <a:solidFill>
+            <a:schemeClr val="accent1">
+              <a:lumMod val="20000"/>
+              <a:lumOff val="80000"/>
+            </a:schemeClr>
+          </a:solidFill>
+          <a:ln w="6350">
+            <a:solidFill>
+              <a:schemeClr val="bg1">
+                <a:lumMod val="65000"/>
+              </a:schemeClr>
+            </a:solidFill>
+          </a:ln>
+        </p:spPr>
+        <p:style>
+          <a:lnRef idx="2">
+            <a:schemeClr val="accent1">
+              <a:shade val="50000"/>
+            </a:schemeClr>
+          </a:lnRef>
+          <a:fillRef idx="1">
+            <a:schemeClr val="accent1"/>
+          </a:fillRef>
+          <a:effectRef idx="0">
+            <a:schemeClr val="accent1"/>
+          </a:effectRef>
+          <a:fontRef idx="minor">
+            <a:schemeClr val="lt1"/>
+          </a:fontRef>
+        </p:style>
+        <p:txBody>
+          <a:bodyPr rtlCol="0" anchor="ctr"/>
+          <a:lstStyle/>
+          <a:p>
+            <a:pPr algn="ctr"/>
+            <a:r>
+              <a:rPr lang="en-US" sz="700" dirty="0">
+                <a:solidFill>
+                  <a:schemeClr val="tx1">
+                    <a:lumMod val="85000"/>
+                    <a:lumOff val="15000"/>
+                  </a:schemeClr>
+                </a:solidFill>
+              </a:rPr>
+              <a:t>…</a:t>
+            </a:r>
+          </a:p>
+        </p:txBody>
+      </p:sp>
+      <p:sp>
+        <p:nvSpPr>
+          <p:cNvPr id="51" name="Rectangle 50">
+            <a:extLst>
+              <a:ext uri="{FF2B5EF4-FFF2-40B4-BE49-F238E27FC236}">
+                <a16:creationId xmlns:a16="http://schemas.microsoft.com/office/drawing/2014/main" id="{070E3535-B69F-4EE9-B617-C0FADB2CC124}"/>
+              </a:ext>
+            </a:extLst>
+          </p:cNvPr>
+          <p:cNvSpPr/>
+          <p:nvPr/>
+        </p:nvSpPr>
+        <p:spPr>
+          <a:xfrm>
+            <a:off x="7286112" y="5108465"/>
+            <a:ext cx="483747" cy="265471"/>
+          </a:xfrm>
+          <a:prstGeom prst="rect">
+            <a:avLst/>
+          </a:prstGeom>
+          <a:solidFill>
+            <a:schemeClr val="accent1">
+              <a:lumMod val="20000"/>
+              <a:lumOff val="80000"/>
+            </a:schemeClr>
+          </a:solidFill>
+          <a:ln w="6350">
+            <a:solidFill>
+              <a:schemeClr val="bg1">
+                <a:lumMod val="65000"/>
+              </a:schemeClr>
+            </a:solidFill>
+          </a:ln>
+        </p:spPr>
+        <p:style>
+          <a:lnRef idx="2">
+            <a:schemeClr val="accent1">
+              <a:shade val="50000"/>
+            </a:schemeClr>
+          </a:lnRef>
+          <a:fillRef idx="1">
+            <a:schemeClr val="accent1"/>
+          </a:fillRef>
+          <a:effectRef idx="0">
+            <a:schemeClr val="accent1"/>
+          </a:effectRef>
+          <a:fontRef idx="minor">
+            <a:schemeClr val="lt1"/>
+          </a:fontRef>
+        </p:style>
+        <p:txBody>
+          <a:bodyPr rtlCol="0" anchor="ctr"/>
+          <a:lstStyle/>
+          <a:p>
+            <a:pPr algn="ctr"/>
+            <a:r>
+              <a:rPr lang="en-US" sz="700" b="1" dirty="0">
+                <a:solidFill>
+                  <a:schemeClr val="tx1">
+                    <a:lumMod val="85000"/>
+                    <a:lumOff val="15000"/>
+                  </a:schemeClr>
+                </a:solidFill>
+              </a:rPr>
+              <a:t>Car300</a:t>
+            </a:r>
+          </a:p>
+          <a:p>
+            <a:pPr algn="ctr"/>
+            <a:r>
+              <a:rPr lang="en-US" sz="700" dirty="0">
+                <a:solidFill>
+                  <a:schemeClr val="tx1">
+                    <a:lumMod val="85000"/>
+                    <a:lumOff val="15000"/>
+                  </a:schemeClr>
+                </a:solidFill>
+              </a:rPr>
+              <a:t>60 msgs</a:t>
+            </a:r>
+          </a:p>
+        </p:txBody>
+      </p:sp>
+      <p:cxnSp>
+        <p:nvCxnSpPr>
+          <p:cNvPr id="53" name="Straight Arrow Connector 52">
+            <a:extLst>
+              <a:ext uri="{FF2B5EF4-FFF2-40B4-BE49-F238E27FC236}">
+                <a16:creationId xmlns:a16="http://schemas.microsoft.com/office/drawing/2014/main" id="{E6EBE9DE-A64A-4C85-B849-060BED6475B4}"/>
+              </a:ext>
+            </a:extLst>
+          </p:cNvPr>
+          <p:cNvCxnSpPr>
+            <a:cxnSpLocks/>
+          </p:cNvCxnSpPr>
+          <p:nvPr/>
+        </p:nvCxnSpPr>
+        <p:spPr>
+          <a:xfrm>
+            <a:off x="1037443" y="5463131"/>
+            <a:ext cx="7292447" cy="0"/>
+          </a:xfrm>
+          <a:prstGeom prst="straightConnector1">
+            <a:avLst/>
+          </a:prstGeom>
+          <a:ln w="25400">
+            <a:solidFill>
+              <a:schemeClr val="tx1">
+                <a:lumMod val="65000"/>
+                <a:lumOff val="35000"/>
+              </a:schemeClr>
+            </a:solidFill>
+            <a:tailEnd type="triangle"/>
+          </a:ln>
+        </p:spPr>
+        <p:style>
+          <a:lnRef idx="1">
+            <a:schemeClr val="accent1"/>
+          </a:lnRef>
+          <a:fillRef idx="0">
+            <a:schemeClr val="accent1"/>
+          </a:fillRef>
+          <a:effectRef idx="0">
+            <a:schemeClr val="accent1"/>
+          </a:effectRef>
+          <a:fontRef idx="minor">
+            <a:schemeClr val="tx1"/>
+          </a:fontRef>
+        </p:style>
+      </p:cxnSp>
+      <p:sp>
+        <p:nvSpPr>
+          <p:cNvPr id="55" name="TextBox 54">
+            <a:extLst>
+              <a:ext uri="{FF2B5EF4-FFF2-40B4-BE49-F238E27FC236}">
+                <a16:creationId xmlns:a16="http://schemas.microsoft.com/office/drawing/2014/main" id="{EA248DA2-88DF-4B50-A32B-A5D36BBDBA39}"/>
+              </a:ext>
+            </a:extLst>
+          </p:cNvPr>
+          <p:cNvSpPr txBox="1"/>
+          <p:nvPr/>
+        </p:nvSpPr>
+        <p:spPr>
+          <a:xfrm>
+            <a:off x="1984823" y="5453930"/>
+            <a:ext cx="502061" cy="200055"/>
+          </a:xfrm>
+          <a:prstGeom prst="rect">
+            <a:avLst/>
+          </a:prstGeom>
+          <a:noFill/>
+        </p:spPr>
+        <p:txBody>
+          <a:bodyPr wrap="none" rtlCol="0">
+            <a:spAutoFit/>
+          </a:bodyPr>
+          <a:lstStyle/>
+          <a:p>
+            <a:r>
+              <a:rPr lang="en-US" sz="700" dirty="0"/>
+              <a:t>00:00:00</a:t>
+            </a:r>
+          </a:p>
+        </p:txBody>
+      </p:sp>
+      <p:sp>
+        <p:nvSpPr>
+          <p:cNvPr id="57" name="TextBox 56">
+            <a:extLst>
+              <a:ext uri="{FF2B5EF4-FFF2-40B4-BE49-F238E27FC236}">
+                <a16:creationId xmlns:a16="http://schemas.microsoft.com/office/drawing/2014/main" id="{190A0C40-4A7C-48D2-9CD6-DD029C95FAFB}"/>
+              </a:ext>
+            </a:extLst>
+          </p:cNvPr>
+          <p:cNvSpPr txBox="1"/>
+          <p:nvPr/>
+        </p:nvSpPr>
+        <p:spPr>
+          <a:xfrm>
+            <a:off x="2777779" y="5453930"/>
+            <a:ext cx="502061" cy="200055"/>
+          </a:xfrm>
+          <a:prstGeom prst="rect">
+            <a:avLst/>
+          </a:prstGeom>
+          <a:noFill/>
+        </p:spPr>
+        <p:txBody>
+          <a:bodyPr wrap="none" rtlCol="0">
+            <a:spAutoFit/>
+          </a:bodyPr>
+          <a:lstStyle/>
+          <a:p>
+            <a:r>
+              <a:rPr lang="en-US" sz="700" dirty="0"/>
+              <a:t>00:00:30</a:t>
+            </a:r>
+          </a:p>
+        </p:txBody>
+      </p:sp>
+      <p:sp>
+        <p:nvSpPr>
+          <p:cNvPr id="59" name="TextBox 58">
+            <a:extLst>
+              <a:ext uri="{FF2B5EF4-FFF2-40B4-BE49-F238E27FC236}">
+                <a16:creationId xmlns:a16="http://schemas.microsoft.com/office/drawing/2014/main" id="{E82871D0-EC0C-4884-84AD-AF7AA12599B6}"/>
+              </a:ext>
+            </a:extLst>
+          </p:cNvPr>
+          <p:cNvSpPr txBox="1"/>
+          <p:nvPr/>
+        </p:nvSpPr>
+        <p:spPr>
+          <a:xfrm>
+            <a:off x="3570734" y="5453930"/>
+            <a:ext cx="502061" cy="200055"/>
+          </a:xfrm>
+          <a:prstGeom prst="rect">
+            <a:avLst/>
+          </a:prstGeom>
+          <a:noFill/>
+        </p:spPr>
+        <p:txBody>
+          <a:bodyPr wrap="none" rtlCol="0">
+            <a:spAutoFit/>
+          </a:bodyPr>
+          <a:lstStyle/>
+          <a:p>
+            <a:r>
+              <a:rPr lang="en-US" sz="700" dirty="0"/>
+              <a:t>00:01:00</a:t>
+            </a:r>
+          </a:p>
+        </p:txBody>
+      </p:sp>
+      <p:sp>
+        <p:nvSpPr>
+          <p:cNvPr id="61" name="TextBox 60">
+            <a:extLst>
+              <a:ext uri="{FF2B5EF4-FFF2-40B4-BE49-F238E27FC236}">
+                <a16:creationId xmlns:a16="http://schemas.microsoft.com/office/drawing/2014/main" id="{42984166-F797-4D3E-B9C6-55FA7DA47229}"/>
+              </a:ext>
+            </a:extLst>
+          </p:cNvPr>
+          <p:cNvSpPr txBox="1"/>
+          <p:nvPr/>
+        </p:nvSpPr>
+        <p:spPr>
+          <a:xfrm>
+            <a:off x="1210410" y="5463131"/>
+            <a:ext cx="601447" cy="230832"/>
+          </a:xfrm>
+          <a:prstGeom prst="rect">
+            <a:avLst/>
+          </a:prstGeom>
+          <a:noFill/>
+        </p:spPr>
+        <p:txBody>
+          <a:bodyPr wrap="none" rtlCol="0">
+            <a:spAutoFit/>
+          </a:bodyPr>
+          <a:lstStyle/>
+          <a:p>
+            <a:r>
+              <a:rPr lang="en-US" sz="900" b="1" dirty="0"/>
+              <a:t>Timeline</a:t>
+            </a:r>
+          </a:p>
+        </p:txBody>
+      </p:sp>
+      <p:sp>
+        <p:nvSpPr>
+          <p:cNvPr id="63" name="TextBox 62">
+            <a:extLst>
+              <a:ext uri="{FF2B5EF4-FFF2-40B4-BE49-F238E27FC236}">
+                <a16:creationId xmlns:a16="http://schemas.microsoft.com/office/drawing/2014/main" id="{2A8D7FCB-021D-4155-B91D-4AB013C333E5}"/>
+              </a:ext>
+            </a:extLst>
+          </p:cNvPr>
+          <p:cNvSpPr txBox="1"/>
+          <p:nvPr/>
+        </p:nvSpPr>
+        <p:spPr>
+          <a:xfrm>
+            <a:off x="5691043" y="5453930"/>
+            <a:ext cx="502061" cy="200055"/>
+          </a:xfrm>
+          <a:prstGeom prst="rect">
+            <a:avLst/>
+          </a:prstGeom>
+          <a:noFill/>
+        </p:spPr>
+        <p:txBody>
+          <a:bodyPr wrap="none" rtlCol="0">
+            <a:spAutoFit/>
+          </a:bodyPr>
+          <a:lstStyle/>
+          <a:p>
+            <a:r>
+              <a:rPr lang="en-US" sz="700" dirty="0"/>
+              <a:t>01:00:00</a:t>
+            </a:r>
+          </a:p>
+        </p:txBody>
+      </p:sp>
+      <p:sp>
+        <p:nvSpPr>
+          <p:cNvPr id="65" name="TextBox 64">
+            <a:extLst>
+              <a:ext uri="{FF2B5EF4-FFF2-40B4-BE49-F238E27FC236}">
+                <a16:creationId xmlns:a16="http://schemas.microsoft.com/office/drawing/2014/main" id="{57463E4C-6A4E-43C4-BE82-F7C7EDDCAC64}"/>
+              </a:ext>
+            </a:extLst>
+          </p:cNvPr>
+          <p:cNvSpPr txBox="1"/>
+          <p:nvPr/>
+        </p:nvSpPr>
+        <p:spPr>
+          <a:xfrm>
+            <a:off x="6483999" y="5453930"/>
+            <a:ext cx="502061" cy="200055"/>
+          </a:xfrm>
+          <a:prstGeom prst="rect">
+            <a:avLst/>
+          </a:prstGeom>
+          <a:noFill/>
+        </p:spPr>
+        <p:txBody>
+          <a:bodyPr wrap="none" rtlCol="0">
+            <a:spAutoFit/>
+          </a:bodyPr>
+          <a:lstStyle/>
+          <a:p>
+            <a:r>
+              <a:rPr lang="en-US" sz="700" dirty="0"/>
+              <a:t>01:00:30</a:t>
+            </a:r>
+          </a:p>
+        </p:txBody>
+      </p:sp>
+      <p:sp>
+        <p:nvSpPr>
+          <p:cNvPr id="67" name="TextBox 66">
+            <a:extLst>
+              <a:ext uri="{FF2B5EF4-FFF2-40B4-BE49-F238E27FC236}">
+                <a16:creationId xmlns:a16="http://schemas.microsoft.com/office/drawing/2014/main" id="{317ECE5F-961B-4CEB-B0FC-B8ACF317FE82}"/>
+              </a:ext>
+            </a:extLst>
+          </p:cNvPr>
+          <p:cNvSpPr txBox="1"/>
+          <p:nvPr/>
+        </p:nvSpPr>
+        <p:spPr>
+          <a:xfrm>
+            <a:off x="7276953" y="5453930"/>
+            <a:ext cx="502061" cy="200055"/>
+          </a:xfrm>
+          <a:prstGeom prst="rect">
+            <a:avLst/>
+          </a:prstGeom>
+          <a:noFill/>
+        </p:spPr>
+        <p:txBody>
+          <a:bodyPr wrap="none" rtlCol="0">
+            <a:spAutoFit/>
+          </a:bodyPr>
+          <a:lstStyle/>
+          <a:p>
+            <a:r>
+              <a:rPr lang="en-US" sz="700" dirty="0"/>
+              <a:t>01:01:00</a:t>
+            </a:r>
+          </a:p>
+        </p:txBody>
+      </p:sp>
+      <p:sp>
+        <p:nvSpPr>
+          <p:cNvPr id="69" name="Left Brace 68">
+            <a:extLst>
+              <a:ext uri="{FF2B5EF4-FFF2-40B4-BE49-F238E27FC236}">
+                <a16:creationId xmlns:a16="http://schemas.microsoft.com/office/drawing/2014/main" id="{A795ACAC-3DEB-423B-B3F3-D81AF196E74C}"/>
+              </a:ext>
+            </a:extLst>
+          </p:cNvPr>
+          <p:cNvSpPr/>
+          <p:nvPr/>
+        </p:nvSpPr>
+        <p:spPr>
+          <a:xfrm>
+            <a:off x="1794382" y="4312052"/>
+            <a:ext cx="133066" cy="1065932"/>
+          </a:xfrm>
+          <a:prstGeom prst="leftBrace">
+            <a:avLst/>
+          </a:prstGeom>
+          <a:ln>
+            <a:solidFill>
+              <a:schemeClr val="tx1">
+                <a:lumMod val="75000"/>
+                <a:lumOff val="25000"/>
+              </a:schemeClr>
+            </a:solidFill>
+          </a:ln>
+        </p:spPr>
+        <p:style>
+          <a:lnRef idx="1">
+            <a:schemeClr val="dk1"/>
+          </a:lnRef>
+          <a:fillRef idx="0">
+            <a:schemeClr val="dk1"/>
+          </a:fillRef>
+          <a:effectRef idx="0">
+            <a:schemeClr val="dk1"/>
+          </a:effectRef>
+          <a:fontRef idx="minor">
+            <a:schemeClr val="tx1"/>
+          </a:fontRef>
+        </p:style>
+        <p:txBody>
+          <a:bodyPr rtlCol="0" anchor="ctr"/>
+          <a:lstStyle/>
+          <a:p>
+            <a:pPr algn="ctr"/>
+            <a:endParaRPr lang="en-US"/>
+          </a:p>
+        </p:txBody>
+      </p:sp>
+      <p:sp>
+        <p:nvSpPr>
+          <p:cNvPr id="71" name="TextBox 70">
+            <a:extLst>
+              <a:ext uri="{FF2B5EF4-FFF2-40B4-BE49-F238E27FC236}">
+                <a16:creationId xmlns:a16="http://schemas.microsoft.com/office/drawing/2014/main" id="{6D6B5108-DEA3-486D-8920-598EC1D7E8AC}"/>
+              </a:ext>
+            </a:extLst>
+          </p:cNvPr>
+          <p:cNvSpPr txBox="1"/>
+          <p:nvPr/>
+        </p:nvSpPr>
+        <p:spPr>
+          <a:xfrm>
+            <a:off x="1037443" y="4686797"/>
+            <a:ext cx="756938" cy="307777"/>
+          </a:xfrm>
+          <a:prstGeom prst="rect">
+            <a:avLst/>
+          </a:prstGeom>
+          <a:noFill/>
+        </p:spPr>
+        <p:txBody>
+          <a:bodyPr wrap="none" rtlCol="0">
+            <a:spAutoFit/>
+          </a:bodyPr>
+          <a:lstStyle/>
+          <a:p>
+            <a:pPr algn="ctr"/>
+            <a:r>
+              <a:rPr lang="en-US" sz="700" dirty="0"/>
+              <a:t>Each Group</a:t>
+            </a:r>
+          </a:p>
+          <a:p>
+            <a:pPr algn="ctr"/>
+            <a:r>
+              <a:rPr lang="en-US" sz="700" dirty="0"/>
+              <a:t>has 100 devices</a:t>
+            </a:r>
+          </a:p>
+        </p:txBody>
+      </p:sp>
+      <p:sp>
+        <p:nvSpPr>
+          <p:cNvPr id="73" name="Left Brace 72">
+            <a:extLst>
+              <a:ext uri="{FF2B5EF4-FFF2-40B4-BE49-F238E27FC236}">
+                <a16:creationId xmlns:a16="http://schemas.microsoft.com/office/drawing/2014/main" id="{39E832D0-A6FC-4118-B2F1-55BDE7544EA4}"/>
+              </a:ext>
+            </a:extLst>
+          </p:cNvPr>
+          <p:cNvSpPr/>
+          <p:nvPr/>
+        </p:nvSpPr>
+        <p:spPr>
+          <a:xfrm rot="5400000">
+            <a:off x="2957698" y="2792057"/>
+            <a:ext cx="133066" cy="2078816"/>
+          </a:xfrm>
+          <a:prstGeom prst="leftBrace">
+            <a:avLst/>
+          </a:prstGeom>
+          <a:ln>
+            <a:solidFill>
+              <a:schemeClr val="tx1">
+                <a:lumMod val="75000"/>
+                <a:lumOff val="25000"/>
+              </a:schemeClr>
+            </a:solidFill>
+          </a:ln>
+        </p:spPr>
+        <p:style>
+          <a:lnRef idx="1">
+            <a:schemeClr val="dk1"/>
+          </a:lnRef>
+          <a:fillRef idx="0">
+            <a:schemeClr val="dk1"/>
+          </a:fillRef>
+          <a:effectRef idx="0">
+            <a:schemeClr val="dk1"/>
+          </a:effectRef>
+          <a:fontRef idx="minor">
+            <a:schemeClr val="tx1"/>
+          </a:fontRef>
+        </p:style>
+        <p:txBody>
+          <a:bodyPr rtlCol="0" anchor="ctr"/>
+          <a:lstStyle/>
+          <a:p>
+            <a:pPr algn="ctr"/>
+            <a:endParaRPr lang="en-US"/>
+          </a:p>
+        </p:txBody>
+      </p:sp>
+      <p:sp>
+        <p:nvSpPr>
+          <p:cNvPr id="75" name="TextBox 74">
+            <a:extLst>
+              <a:ext uri="{FF2B5EF4-FFF2-40B4-BE49-F238E27FC236}">
+                <a16:creationId xmlns:a16="http://schemas.microsoft.com/office/drawing/2014/main" id="{EF97932E-9341-4971-B583-DA3BC4852967}"/>
+              </a:ext>
+            </a:extLst>
+          </p:cNvPr>
+          <p:cNvSpPr txBox="1"/>
+          <p:nvPr/>
+        </p:nvSpPr>
+        <p:spPr>
+          <a:xfrm>
+            <a:off x="2003137" y="3533072"/>
+            <a:ext cx="2069658" cy="200055"/>
+          </a:xfrm>
+          <a:prstGeom prst="rect">
+            <a:avLst/>
+          </a:prstGeom>
+          <a:noFill/>
+        </p:spPr>
+        <p:txBody>
+          <a:bodyPr wrap="square" rtlCol="0">
+            <a:spAutoFit/>
+          </a:bodyPr>
+          <a:lstStyle/>
+          <a:p>
+            <a:pPr algn="ctr"/>
+            <a:r>
+              <a:rPr lang="en-US" sz="700" dirty="0"/>
+              <a:t>300 Devices distributed into  3 Groups</a:t>
+            </a:r>
+          </a:p>
+        </p:txBody>
+      </p:sp>
+      <p:sp>
+        <p:nvSpPr>
+          <p:cNvPr id="77" name="Rectangle 1">
+            <a:extLst>
+              <a:ext uri="{FF2B5EF4-FFF2-40B4-BE49-F238E27FC236}">
+                <a16:creationId xmlns:a16="http://schemas.microsoft.com/office/drawing/2014/main" id="{5C421360-4F6D-48EC-A0D2-93DEC52F008D}"/>
+              </a:ext>
+            </a:extLst>
+          </p:cNvPr>
+          <p:cNvSpPr>
+            <a:spLocks noChangeArrowheads="1"/>
+          </p:cNvSpPr>
+          <p:nvPr/>
+        </p:nvSpPr>
+        <p:spPr bwMode="auto">
+          <a:xfrm>
+            <a:off x="8329890" y="4263218"/>
+            <a:ext cx="2643153" cy="1061829"/>
+          </a:xfrm>
+          <a:prstGeom prst="rect">
+            <a:avLst/>
+          </a:prstGeom>
+          <a:noFill/>
+          <a:ln>
+            <a:noFill/>
+          </a:ln>
+          <a:effectLst/>
+        </p:spPr>
+        <p:txBody>
+          <a:bodyPr vert="horz" wrap="square" lIns="91440" tIns="45720" rIns="91440" bIns="45720" numCol="1" anchor="ctr" anchorCtr="0" compatLnSpc="1">
+            <a:prstTxWarp prst="textNoShape">
+              <a:avLst/>
+            </a:prstTxWarp>
+            <a:spAutoFit/>
+          </a:bodyPr>
+          <a:lstStyle/>
+          <a:p>
+            <a:pPr marL="0" marR="0" lvl="0" indent="0" algn="l" defTabSz="914400" rtl="0" eaLnBrk="0" fontAlgn="base" latinLnBrk="0" hangingPunct="0">
+              <a:lnSpc>
+                <a:spcPct val="100000"/>
+              </a:lnSpc>
+              <a:spcBef>
+                <a:spcPct val="0"/>
+              </a:spcBef>
+              <a:spcAft>
+                <a:spcPct val="0"/>
+              </a:spcAft>
+              <a:buClrTx/>
+              <a:buSzTx/>
+              <a:buFontTx/>
+              <a:buNone/>
+              <a:tabLst/>
+            </a:pPr>
+            <a:r>
+              <a:rPr kumimoji="0" lang="en-US" altLang="en-US" sz="900" b="0" i="0" u="none" strike="noStrike" cap="none" normalizeH="0" baseline="0" dirty="0">
+                <a:ln>
+                  <a:noFill/>
+                </a:ln>
+                <a:solidFill>
+                  <a:srgbClr val="CC7832"/>
+                </a:solidFill>
+                <a:effectLst/>
+                <a:latin typeface="JetBrains Mono"/>
+              </a:rPr>
+              <a:t>  </a:t>
+            </a:r>
+            <a:r>
+              <a:rPr kumimoji="0" lang="en-US" altLang="en-US" sz="900" b="0" i="0" u="none" strike="noStrike" cap="none" normalizeH="0" baseline="0" dirty="0">
+                <a:ln>
+                  <a:noFill/>
+                </a:ln>
+                <a:solidFill>
+                  <a:srgbClr val="9876AA"/>
+                </a:solidFill>
+                <a:effectLst/>
+                <a:latin typeface="JetBrains Mono"/>
+              </a:rPr>
+              <a:t>“waveGroupCount"</a:t>
+            </a:r>
+            <a:r>
+              <a:rPr kumimoji="0" lang="en-US" altLang="en-US" sz="900" b="0" i="0" u="none" strike="noStrike" cap="none" normalizeH="0" baseline="0" dirty="0">
+                <a:ln>
+                  <a:noFill/>
+                </a:ln>
+                <a:solidFill>
+                  <a:srgbClr val="CC7832"/>
+                </a:solidFill>
+                <a:effectLst/>
+                <a:latin typeface="JetBrains Mono"/>
+              </a:rPr>
+              <a:t>: </a:t>
+            </a:r>
+            <a:r>
+              <a:rPr lang="en-US" altLang="en-US" sz="900" dirty="0">
+                <a:solidFill>
+                  <a:srgbClr val="6897BB"/>
+                </a:solidFill>
+                <a:latin typeface="JetBrains Mono"/>
+              </a:rPr>
+              <a:t>3 </a:t>
+            </a:r>
+            <a:r>
+              <a:rPr kumimoji="0" lang="en-US" altLang="en-US" sz="900" b="0" i="0" u="none" strike="noStrike" cap="none" normalizeH="0" baseline="0" dirty="0">
+                <a:ln>
+                  <a:noFill/>
+                </a:ln>
+                <a:solidFill>
+                  <a:srgbClr val="CC7832"/>
+                </a:solidFill>
+                <a:effectLst/>
+                <a:latin typeface="JetBrains Mono"/>
+              </a:rPr>
+              <a:t>,</a:t>
+            </a:r>
+            <a:br>
+              <a:rPr kumimoji="0" lang="en-US" altLang="en-US" sz="900" b="0" i="0" u="none" strike="noStrike" cap="none" normalizeH="0" baseline="0" dirty="0">
+                <a:ln>
+                  <a:noFill/>
+                </a:ln>
+                <a:solidFill>
+                  <a:srgbClr val="CC7832"/>
+                </a:solidFill>
+                <a:effectLst/>
+                <a:latin typeface="JetBrains Mono"/>
+              </a:rPr>
+            </a:br>
+            <a:r>
+              <a:rPr kumimoji="0" lang="en-US" altLang="en-US" sz="900" b="0" i="0" u="none" strike="noStrike" cap="none" normalizeH="0" baseline="0" dirty="0">
+                <a:ln>
+                  <a:noFill/>
+                </a:ln>
+                <a:solidFill>
+                  <a:srgbClr val="CC7832"/>
+                </a:solidFill>
+                <a:effectLst/>
+                <a:latin typeface="JetBrains Mono"/>
+              </a:rPr>
+              <a:t>  </a:t>
+            </a:r>
+            <a:r>
+              <a:rPr kumimoji="0" lang="en-US" altLang="en-US" sz="900" b="0" i="0" u="none" strike="noStrike" cap="none" normalizeH="0" baseline="0" dirty="0">
+                <a:ln>
+                  <a:noFill/>
+                </a:ln>
+                <a:solidFill>
+                  <a:srgbClr val="9876AA"/>
+                </a:solidFill>
+                <a:effectLst/>
+                <a:latin typeface="JetBrains Mono"/>
+              </a:rPr>
+              <a:t>“waveGroupInterval"</a:t>
+            </a:r>
+            <a:r>
+              <a:rPr kumimoji="0" lang="en-US" altLang="en-US" sz="900" b="0" i="0" u="none" strike="noStrike" cap="none" normalizeH="0" baseline="0" dirty="0">
+                <a:ln>
+                  <a:noFill/>
+                </a:ln>
+                <a:solidFill>
+                  <a:srgbClr val="CC7832"/>
+                </a:solidFill>
+                <a:effectLst/>
+                <a:latin typeface="JetBrains Mono"/>
+              </a:rPr>
+              <a:t>: </a:t>
+            </a:r>
+            <a:r>
+              <a:rPr lang="en-US" altLang="en-US" sz="900" dirty="0">
+                <a:solidFill>
+                  <a:srgbClr val="6897BB"/>
+                </a:solidFill>
+                <a:latin typeface="JetBrains Mono"/>
+              </a:rPr>
+              <a:t>30</a:t>
+            </a:r>
+            <a:r>
+              <a:rPr kumimoji="0" lang="en-US" altLang="en-US" sz="900" b="0" i="0" u="none" strike="noStrike" cap="none" normalizeH="0" baseline="0" dirty="0">
+                <a:ln>
+                  <a:noFill/>
+                </a:ln>
+                <a:solidFill>
+                  <a:srgbClr val="CC7832"/>
+                </a:solidFill>
+                <a:effectLst/>
+                <a:latin typeface="JetBrains Mono"/>
+              </a:rPr>
+              <a:t>,</a:t>
+            </a:r>
+            <a:br>
+              <a:rPr kumimoji="0" lang="en-US" altLang="en-US" sz="900" b="0" i="0" u="none" strike="noStrike" cap="none" normalizeH="0" baseline="0" dirty="0">
+                <a:ln>
+                  <a:noFill/>
+                </a:ln>
+                <a:solidFill>
+                  <a:srgbClr val="CC7832"/>
+                </a:solidFill>
+                <a:effectLst/>
+                <a:latin typeface="JetBrains Mono"/>
+              </a:rPr>
+            </a:br>
+            <a:r>
+              <a:rPr kumimoji="0" lang="en-US" altLang="en-US" sz="900" b="0" i="0" u="none" strike="noStrike" cap="none" normalizeH="0" baseline="0" dirty="0">
+                <a:ln>
+                  <a:noFill/>
+                </a:ln>
+                <a:solidFill>
+                  <a:srgbClr val="CC7832"/>
+                </a:solidFill>
+                <a:effectLst/>
+                <a:latin typeface="JetBrains Mono"/>
+              </a:rPr>
+              <a:t>  </a:t>
+            </a:r>
+            <a:r>
+              <a:rPr kumimoji="0" lang="en-US" altLang="en-US" sz="900" b="0" i="0" u="none" strike="noStrike" cap="none" normalizeH="0" baseline="0" dirty="0">
+                <a:ln>
+                  <a:noFill/>
+                </a:ln>
+                <a:solidFill>
+                  <a:srgbClr val="9876AA"/>
+                </a:solidFill>
+                <a:effectLst/>
+                <a:latin typeface="JetBrains Mono"/>
+              </a:rPr>
+              <a:t>“waveGroupCount"</a:t>
+            </a:r>
+            <a:r>
+              <a:rPr kumimoji="0" lang="en-US" altLang="en-US" sz="900" b="0" i="0" u="none" strike="noStrike" cap="none" normalizeH="0" baseline="0" dirty="0">
+                <a:ln>
+                  <a:noFill/>
+                </a:ln>
+                <a:solidFill>
+                  <a:srgbClr val="CC7832"/>
+                </a:solidFill>
+                <a:effectLst/>
+                <a:latin typeface="JetBrains Mono"/>
+              </a:rPr>
+              <a:t>: </a:t>
+            </a:r>
+            <a:r>
+              <a:rPr lang="en-US" altLang="en-US" sz="900" dirty="0">
+                <a:solidFill>
+                  <a:srgbClr val="6897BB"/>
+                </a:solidFill>
+                <a:latin typeface="JetBrains Mono"/>
+              </a:rPr>
+              <a:t>60</a:t>
+            </a:r>
+            <a:r>
+              <a:rPr kumimoji="0" lang="en-US" altLang="en-US" sz="900" b="0" i="0" u="none" strike="noStrike" cap="none" normalizeH="0" baseline="0" dirty="0">
+                <a:ln>
+                  <a:noFill/>
+                </a:ln>
+                <a:solidFill>
+                  <a:srgbClr val="CC7832"/>
+                </a:solidFill>
+                <a:effectLst/>
+                <a:latin typeface="JetBrains Mono"/>
+              </a:rPr>
+              <a:t>,</a:t>
+            </a:r>
+            <a:br>
+              <a:rPr kumimoji="0" lang="en-US" altLang="en-US" sz="900" b="0" i="0" u="none" strike="noStrike" cap="none" normalizeH="0" baseline="0" dirty="0">
+                <a:ln>
+                  <a:noFill/>
+                </a:ln>
+                <a:solidFill>
+                  <a:srgbClr val="CC7832"/>
+                </a:solidFill>
+                <a:effectLst/>
+                <a:latin typeface="JetBrains Mono"/>
+              </a:rPr>
+            </a:br>
+            <a:r>
+              <a:rPr kumimoji="0" lang="en-US" altLang="en-US" sz="900" b="0" i="0" u="none" strike="noStrike" cap="none" normalizeH="0" baseline="0" dirty="0">
+                <a:ln>
+                  <a:noFill/>
+                </a:ln>
+                <a:solidFill>
+                  <a:srgbClr val="CC7832"/>
+                </a:solidFill>
+                <a:effectLst/>
+                <a:latin typeface="JetBrains Mono"/>
+              </a:rPr>
+              <a:t>  </a:t>
+            </a:r>
+            <a:r>
+              <a:rPr kumimoji="0" lang="en-US" altLang="en-US" sz="900" b="0" i="0" u="none" strike="noStrike" cap="none" normalizeH="0" baseline="0" dirty="0">
+                <a:ln>
+                  <a:noFill/>
+                </a:ln>
+                <a:solidFill>
+                  <a:srgbClr val="9876AA"/>
+                </a:solidFill>
+                <a:effectLst/>
+                <a:latin typeface="JetBrains Mono"/>
+              </a:rPr>
+              <a:t>“telemetryBatchSize"</a:t>
+            </a:r>
+            <a:r>
+              <a:rPr kumimoji="0" lang="en-US" altLang="en-US" sz="900" b="0" i="0" u="none" strike="noStrike" cap="none" normalizeH="0" baseline="0" dirty="0">
+                <a:ln>
+                  <a:noFill/>
+                </a:ln>
+                <a:solidFill>
+                  <a:srgbClr val="CC7832"/>
+                </a:solidFill>
+                <a:effectLst/>
+                <a:latin typeface="JetBrains Mono"/>
+              </a:rPr>
+              <a:t>: </a:t>
+            </a:r>
+            <a:r>
+              <a:rPr lang="en-US" altLang="en-US" sz="900" dirty="0">
+                <a:solidFill>
+                  <a:srgbClr val="6897BB"/>
+                </a:solidFill>
+                <a:latin typeface="JetBrains Mono"/>
+              </a:rPr>
+              <a:t>60</a:t>
+            </a:r>
+            <a:r>
+              <a:rPr kumimoji="0" lang="en-US" altLang="en-US" sz="900" b="0" i="0" u="none" strike="noStrike" cap="none" normalizeH="0" baseline="0" dirty="0">
+                <a:ln>
+                  <a:noFill/>
+                </a:ln>
+                <a:solidFill>
+                  <a:srgbClr val="CC7832"/>
+                </a:solidFill>
+                <a:effectLst/>
+                <a:latin typeface="JetBrains Mono"/>
+              </a:rPr>
+              <a:t>,</a:t>
+            </a:r>
+            <a:br>
+              <a:rPr kumimoji="0" lang="en-US" altLang="en-US" sz="900" b="0" i="0" u="none" strike="noStrike" cap="none" normalizeH="0" baseline="0" dirty="0">
+                <a:ln>
+                  <a:noFill/>
+                </a:ln>
+                <a:solidFill>
+                  <a:srgbClr val="CC7832"/>
+                </a:solidFill>
+                <a:effectLst/>
+                <a:latin typeface="JetBrains Mono"/>
+              </a:rPr>
+            </a:br>
+            <a:r>
+              <a:rPr kumimoji="0" lang="en-US" altLang="en-US" sz="900" b="0" i="0" u="none" strike="noStrike" cap="none" normalizeH="0" baseline="0" dirty="0">
+                <a:ln>
+                  <a:noFill/>
+                </a:ln>
+                <a:solidFill>
+                  <a:srgbClr val="CC7832"/>
+                </a:solidFill>
+                <a:effectLst/>
+                <a:latin typeface="JetBrains Mono"/>
+              </a:rPr>
+              <a:t>  </a:t>
+            </a:r>
+            <a:r>
+              <a:rPr kumimoji="0" lang="en-US" altLang="en-US" sz="900" b="0" i="0" u="none" strike="noStrike" cap="none" normalizeH="0" baseline="0" dirty="0">
+                <a:ln>
+                  <a:noFill/>
+                </a:ln>
+                <a:solidFill>
+                  <a:srgbClr val="9876AA"/>
+                </a:solidFill>
+                <a:effectLst/>
+                <a:latin typeface="JetBrains Mono"/>
+              </a:rPr>
+              <a:t>“telemetryInterval"</a:t>
+            </a:r>
+            <a:r>
+              <a:rPr kumimoji="0" lang="en-US" altLang="en-US" sz="900" b="0" i="0" u="none" strike="noStrike" cap="none" normalizeH="0" baseline="0" dirty="0">
+                <a:ln>
+                  <a:noFill/>
+                </a:ln>
+                <a:solidFill>
+                  <a:srgbClr val="CC7832"/>
+                </a:solidFill>
+                <a:effectLst/>
+                <a:latin typeface="JetBrains Mono"/>
+              </a:rPr>
+              <a:t>: </a:t>
+            </a:r>
+            <a:r>
+              <a:rPr kumimoji="0" lang="en-US" altLang="en-US" sz="900" b="0" i="0" u="none" strike="noStrike" cap="none" normalizeH="0" baseline="0" dirty="0">
+                <a:ln>
+                  <a:noFill/>
+                </a:ln>
+                <a:solidFill>
+                  <a:srgbClr val="6897BB"/>
+                </a:solidFill>
+                <a:effectLst/>
+                <a:latin typeface="JetBrains Mono"/>
+              </a:rPr>
+              <a:t>3600</a:t>
+            </a:r>
+            <a:r>
+              <a:rPr kumimoji="0" lang="en-US" altLang="en-US" sz="900" b="0" i="0" u="none" strike="noStrike" cap="none" normalizeH="0" baseline="0" dirty="0">
+                <a:ln>
+                  <a:noFill/>
+                </a:ln>
+                <a:solidFill>
+                  <a:srgbClr val="CC7832"/>
+                </a:solidFill>
+                <a:effectLst/>
+                <a:latin typeface="JetBrains Mono"/>
+              </a:rPr>
+              <a:t>,</a:t>
+            </a:r>
+            <a:br>
+              <a:rPr kumimoji="0" lang="en-US" altLang="en-US" sz="900" b="0" i="0" u="none" strike="noStrike" cap="none" normalizeH="0" baseline="0" dirty="0">
+                <a:ln>
+                  <a:noFill/>
+                </a:ln>
+                <a:solidFill>
+                  <a:srgbClr val="CC7832"/>
+                </a:solidFill>
+                <a:effectLst/>
+                <a:latin typeface="JetBrains Mono"/>
+              </a:rPr>
+            </a:br>
+            <a:r>
+              <a:rPr kumimoji="0" lang="en-US" altLang="en-US" sz="900" b="0" i="0" u="none" strike="noStrike" cap="none" normalizeH="0" baseline="0" dirty="0">
+                <a:ln>
+                  <a:noFill/>
+                </a:ln>
+                <a:solidFill>
+                  <a:srgbClr val="CC7832"/>
+                </a:solidFill>
+                <a:effectLst/>
+                <a:latin typeface="JetBrains Mono"/>
+              </a:rPr>
+              <a:t>  </a:t>
+            </a:r>
+            <a:r>
+              <a:rPr kumimoji="0" lang="en-US" altLang="en-US" sz="900" b="0" i="0" u="none" strike="noStrike" cap="none" normalizeH="0" baseline="0" dirty="0">
+                <a:ln>
+                  <a:noFill/>
+                </a:ln>
+                <a:solidFill>
+                  <a:srgbClr val="9876AA"/>
+                </a:solidFill>
+                <a:effectLst/>
+                <a:latin typeface="JetBrains Mono"/>
+              </a:rPr>
+              <a:t>“reportedPropertyInterval"</a:t>
+            </a:r>
+            <a:r>
+              <a:rPr kumimoji="0" lang="en-US" altLang="en-US" sz="900" b="0" i="0" u="none" strike="noStrike" cap="none" normalizeH="0" baseline="0" dirty="0">
+                <a:ln>
+                  <a:noFill/>
+                </a:ln>
+                <a:solidFill>
+                  <a:srgbClr val="CC7832"/>
+                </a:solidFill>
+                <a:effectLst/>
+                <a:latin typeface="JetBrains Mono"/>
+              </a:rPr>
+              <a:t>: </a:t>
+            </a:r>
+            <a:r>
+              <a:rPr kumimoji="0" lang="en-US" altLang="en-US" sz="900" b="0" i="0" u="none" strike="noStrike" cap="none" normalizeH="0" baseline="0" dirty="0">
+                <a:ln>
+                  <a:noFill/>
+                </a:ln>
+                <a:solidFill>
+                  <a:srgbClr val="6897BB"/>
+                </a:solidFill>
+                <a:effectLst/>
+                <a:latin typeface="JetBrains Mono"/>
+              </a:rPr>
+              <a:t>3600</a:t>
+            </a:r>
+            <a:r>
+              <a:rPr kumimoji="0" lang="en-US" altLang="en-US" sz="900" b="0" i="0" u="none" strike="noStrike" cap="none" normalizeH="0" baseline="0" dirty="0">
+                <a:ln>
+                  <a:noFill/>
+                </a:ln>
+                <a:solidFill>
+                  <a:srgbClr val="CC7832"/>
+                </a:solidFill>
+                <a:effectLst/>
+                <a:latin typeface="JetBrains Mono"/>
+              </a:rPr>
+              <a:t>,</a:t>
+            </a:r>
+            <a:br>
+              <a:rPr kumimoji="0" lang="en-US" altLang="en-US" sz="900" b="0" i="0" u="none" strike="noStrike" cap="none" normalizeH="0" baseline="0" dirty="0">
+                <a:ln>
+                  <a:noFill/>
+                </a:ln>
+                <a:solidFill>
+                  <a:srgbClr val="CC7832"/>
+                </a:solidFill>
+                <a:effectLst/>
+                <a:latin typeface="JetBrains Mono"/>
+              </a:rPr>
+            </a:br>
+            <a:r>
+              <a:rPr kumimoji="0" lang="en-US" altLang="en-US" sz="900" b="0" i="0" u="none" strike="noStrike" cap="none" normalizeH="0" baseline="0" dirty="0">
+                <a:ln>
+                  <a:noFill/>
+                </a:ln>
+                <a:solidFill>
+                  <a:srgbClr val="CC7832"/>
+                </a:solidFill>
+                <a:effectLst/>
+                <a:latin typeface="JetBrains Mono"/>
+              </a:rPr>
+              <a:t>  </a:t>
+            </a:r>
+            <a:r>
+              <a:rPr kumimoji="0" lang="en-US" altLang="en-US" sz="900" b="0" i="0" u="none" strike="noStrike" cap="none" normalizeH="0" baseline="0" dirty="0">
+                <a:ln>
+                  <a:noFill/>
+                </a:ln>
+                <a:solidFill>
+                  <a:srgbClr val="9876AA"/>
+                </a:solidFill>
+                <a:effectLst/>
+                <a:latin typeface="JetBrains Mono"/>
+              </a:rPr>
+              <a:t>“disconnectBehavior"</a:t>
+            </a:r>
+            <a:r>
+              <a:rPr kumimoji="0" lang="en-US" altLang="en-US" sz="900" b="0" i="0" u="none" strike="noStrike" cap="none" normalizeH="0" baseline="0" dirty="0">
+                <a:ln>
+                  <a:noFill/>
+                </a:ln>
+                <a:solidFill>
+                  <a:srgbClr val="CC7832"/>
+                </a:solidFill>
+                <a:effectLst/>
+                <a:latin typeface="JetBrains Mono"/>
+              </a:rPr>
+              <a:t>: </a:t>
+            </a:r>
+            <a:r>
+              <a:rPr kumimoji="0" lang="en-US" altLang="en-US" sz="900" b="0" i="0" u="none" strike="noStrike" cap="none" normalizeH="0" baseline="0" dirty="0">
+                <a:ln>
+                  <a:noFill/>
+                </a:ln>
+                <a:solidFill>
+                  <a:srgbClr val="6A8759"/>
+                </a:solidFill>
+                <a:effectLst/>
+                <a:latin typeface="JetBrains Mono"/>
+              </a:rPr>
+              <a:t>“telemetry"</a:t>
+            </a:r>
+            <a:endParaRPr kumimoji="0" lang="en-US" altLang="en-US" sz="900" b="0" i="0" u="none" strike="noStrike" cap="none" normalizeH="0" baseline="0" dirty="0">
+              <a:ln>
+                <a:noFill/>
+              </a:ln>
+              <a:solidFill>
+                <a:schemeClr val="tx1"/>
+              </a:solidFill>
+              <a:effectLst/>
+              <a:latin typeface="Arial" panose="020B0604020202020204" pitchFamily="34" charset="0"/>
+            </a:endParaRPr>
+          </a:p>
+        </p:txBody>
+      </p:sp>
+      <p:sp>
+        <p:nvSpPr>
+          <p:cNvPr id="79" name="TextBox 78">
+            <a:extLst>
+              <a:ext uri="{FF2B5EF4-FFF2-40B4-BE49-F238E27FC236}">
+                <a16:creationId xmlns:a16="http://schemas.microsoft.com/office/drawing/2014/main" id="{0D4523A9-6A3B-42F8-987A-C23632EB4431}"/>
+              </a:ext>
+            </a:extLst>
+          </p:cNvPr>
+          <p:cNvSpPr txBox="1"/>
+          <p:nvPr/>
+        </p:nvSpPr>
+        <p:spPr>
+          <a:xfrm>
+            <a:off x="931965" y="2059394"/>
+            <a:ext cx="6471241" cy="1369606"/>
+          </a:xfrm>
+          <a:prstGeom prst="rect">
+            <a:avLst/>
+          </a:prstGeom>
+          <a:noFill/>
+        </p:spPr>
+        <p:txBody>
+          <a:bodyPr wrap="square" rtlCol="0">
+            <a:spAutoFit/>
+          </a:bodyPr>
+          <a:lstStyle/>
+          <a:p>
+            <a:r>
+              <a:rPr lang="en-US" sz="1000" b="1" i="1" dirty="0">
+                <a:solidFill>
+                  <a:schemeClr val="accent1"/>
+                </a:solidFill>
+              </a:rPr>
+              <a:t>Telemetry Scenario  - Occasionally connected</a:t>
+            </a:r>
+          </a:p>
+          <a:p>
+            <a:pPr marL="171450" indent="-171450">
+              <a:buFont typeface="Arial" panose="020B0604020202020204" pitchFamily="34" charset="0"/>
+              <a:buChar char="•"/>
+            </a:pPr>
+            <a:r>
+              <a:rPr lang="en-US" sz="900" dirty="0"/>
+              <a:t>300 connected cars send batched telemetry once an hour and disconnect</a:t>
+            </a:r>
+          </a:p>
+          <a:p>
+            <a:endParaRPr lang="en-US" sz="900" dirty="0"/>
+          </a:p>
+          <a:p>
+            <a:r>
+              <a:rPr lang="en-US" sz="1000" b="1" i="1" dirty="0">
+                <a:solidFill>
+                  <a:schemeClr val="accent1"/>
+                </a:solidFill>
+              </a:rPr>
+              <a:t>Simulation Configuration</a:t>
+            </a:r>
+            <a:endParaRPr lang="en-US" sz="900" b="1" i="1" dirty="0">
+              <a:solidFill>
+                <a:schemeClr val="accent1"/>
+              </a:solidFill>
+            </a:endParaRPr>
+          </a:p>
+          <a:p>
+            <a:pPr marL="171450" indent="-171450">
+              <a:buFont typeface="Arial" panose="020B0604020202020204" pitchFamily="34" charset="0"/>
+              <a:buChar char="•"/>
+            </a:pPr>
+            <a:r>
+              <a:rPr lang="en-US" sz="900" dirty="0"/>
+              <a:t>Entire device fleet is divided into 3 groups</a:t>
+            </a:r>
+          </a:p>
+          <a:p>
+            <a:pPr marL="171450" indent="-171450">
+              <a:buFont typeface="Arial" panose="020B0604020202020204" pitchFamily="34" charset="0"/>
+              <a:buChar char="•"/>
+            </a:pPr>
+            <a:r>
+              <a:rPr lang="en-US" sz="900" dirty="0"/>
+              <a:t>Each group has 100 devices and acts (telemetry, commands etc.) 30 seconds apart</a:t>
+            </a:r>
+          </a:p>
+          <a:p>
+            <a:pPr marL="171450" indent="-171450">
+              <a:buFont typeface="Arial" panose="020B0604020202020204" pitchFamily="34" charset="0"/>
+              <a:buChar char="•"/>
+            </a:pPr>
+            <a:r>
+              <a:rPr lang="en-US" sz="900" dirty="0"/>
+              <a:t>Telemetry waves are 1 hour apart</a:t>
+            </a:r>
+          </a:p>
+          <a:p>
+            <a:pPr marL="171450" indent="-171450">
+              <a:buFont typeface="Arial" panose="020B0604020202020204" pitchFamily="34" charset="0"/>
+              <a:buChar char="•"/>
+            </a:pPr>
+            <a:r>
+              <a:rPr lang="en-US" sz="900" dirty="0"/>
+              <a:t>Each device sends a batch of 60 messages with create times spread across an hour</a:t>
+            </a:r>
+          </a:p>
+          <a:p>
+            <a:pPr marL="171450" indent="-171450">
+              <a:buFont typeface="Arial" panose="020B0604020202020204" pitchFamily="34" charset="0"/>
+              <a:buChar char="•"/>
+            </a:pPr>
+            <a:r>
+              <a:rPr lang="en-US" sz="900" dirty="0"/>
+              <a:t>All devices disconnect after the telemetry  wave is sent</a:t>
+            </a:r>
+          </a:p>
+        </p:txBody>
+      </p:sp>
+      <p:sp>
+        <p:nvSpPr>
+          <p:cNvPr id="81" name="Left Brace 80">
+            <a:extLst>
+              <a:ext uri="{FF2B5EF4-FFF2-40B4-BE49-F238E27FC236}">
+                <a16:creationId xmlns:a16="http://schemas.microsoft.com/office/drawing/2014/main" id="{F670936C-4FFA-4C15-8752-C9197F50AECD}"/>
+              </a:ext>
+            </a:extLst>
+          </p:cNvPr>
+          <p:cNvSpPr/>
+          <p:nvPr/>
+        </p:nvSpPr>
+        <p:spPr>
+          <a:xfrm rot="16200000">
+            <a:off x="2545196" y="5394844"/>
+            <a:ext cx="159094" cy="309209"/>
+          </a:xfrm>
+          <a:prstGeom prst="leftBrace">
+            <a:avLst/>
+          </a:prstGeom>
+          <a:ln>
+            <a:solidFill>
+              <a:schemeClr val="tx1">
+                <a:lumMod val="75000"/>
+                <a:lumOff val="25000"/>
+              </a:schemeClr>
+            </a:solidFill>
+          </a:ln>
+        </p:spPr>
+        <p:style>
+          <a:lnRef idx="1">
+            <a:schemeClr val="dk1"/>
+          </a:lnRef>
+          <a:fillRef idx="0">
+            <a:schemeClr val="dk1"/>
+          </a:fillRef>
+          <a:effectRef idx="0">
+            <a:schemeClr val="dk1"/>
+          </a:effectRef>
+          <a:fontRef idx="minor">
+            <a:schemeClr val="tx1"/>
+          </a:fontRef>
+        </p:style>
+        <p:txBody>
+          <a:bodyPr rtlCol="0" anchor="ctr"/>
+          <a:lstStyle/>
+          <a:p>
+            <a:pPr algn="ctr"/>
+            <a:endParaRPr lang="en-US"/>
+          </a:p>
+        </p:txBody>
+      </p:sp>
+      <p:sp>
+        <p:nvSpPr>
+          <p:cNvPr id="83" name="TextBox 82">
+            <a:extLst>
+              <a:ext uri="{FF2B5EF4-FFF2-40B4-BE49-F238E27FC236}">
+                <a16:creationId xmlns:a16="http://schemas.microsoft.com/office/drawing/2014/main" id="{0B35BE14-8DE5-4153-9A50-DC634890C02B}"/>
+              </a:ext>
+            </a:extLst>
+          </p:cNvPr>
+          <p:cNvSpPr txBox="1"/>
+          <p:nvPr/>
+        </p:nvSpPr>
+        <p:spPr>
+          <a:xfrm>
+            <a:off x="2235853" y="5663624"/>
+            <a:ext cx="777777" cy="307777"/>
+          </a:xfrm>
+          <a:prstGeom prst="rect">
+            <a:avLst/>
+          </a:prstGeom>
+          <a:noFill/>
+        </p:spPr>
+        <p:txBody>
+          <a:bodyPr wrap="none" rtlCol="0">
+            <a:spAutoFit/>
+          </a:bodyPr>
+          <a:lstStyle/>
+          <a:p>
+            <a:pPr algn="ctr"/>
+            <a:r>
+              <a:rPr lang="en-US" sz="700" dirty="0"/>
+              <a:t>30 secs gap</a:t>
+            </a:r>
+          </a:p>
+          <a:p>
+            <a:pPr algn="ctr"/>
+            <a:r>
+              <a:rPr lang="en-US" sz="700" dirty="0"/>
+              <a:t>between groups</a:t>
+            </a:r>
+          </a:p>
+        </p:txBody>
+      </p:sp>
+      <p:sp>
+        <p:nvSpPr>
+          <p:cNvPr id="85" name="Left Brace 84">
+            <a:extLst>
+              <a:ext uri="{FF2B5EF4-FFF2-40B4-BE49-F238E27FC236}">
+                <a16:creationId xmlns:a16="http://schemas.microsoft.com/office/drawing/2014/main" id="{18B11D58-16F4-48EC-90E5-E554B1FC045B}"/>
+              </a:ext>
+            </a:extLst>
+          </p:cNvPr>
+          <p:cNvSpPr/>
+          <p:nvPr/>
+        </p:nvSpPr>
+        <p:spPr>
+          <a:xfrm rot="16200000">
+            <a:off x="4807857" y="4723973"/>
+            <a:ext cx="148128" cy="1618244"/>
+          </a:xfrm>
+          <a:prstGeom prst="leftBrace">
+            <a:avLst/>
+          </a:prstGeom>
+          <a:ln>
+            <a:solidFill>
+              <a:schemeClr val="tx1">
+                <a:lumMod val="75000"/>
+                <a:lumOff val="25000"/>
+              </a:schemeClr>
+            </a:solidFill>
+          </a:ln>
+        </p:spPr>
+        <p:style>
+          <a:lnRef idx="1">
+            <a:schemeClr val="dk1"/>
+          </a:lnRef>
+          <a:fillRef idx="0">
+            <a:schemeClr val="dk1"/>
+          </a:fillRef>
+          <a:effectRef idx="0">
+            <a:schemeClr val="dk1"/>
+          </a:effectRef>
+          <a:fontRef idx="minor">
+            <a:schemeClr val="tx1"/>
+          </a:fontRef>
+        </p:style>
+        <p:txBody>
+          <a:bodyPr rtlCol="0" anchor="ctr"/>
+          <a:lstStyle/>
+          <a:p>
+            <a:pPr algn="ctr"/>
+            <a:endParaRPr lang="en-US"/>
+          </a:p>
+        </p:txBody>
+      </p:sp>
+      <p:sp>
+        <p:nvSpPr>
+          <p:cNvPr id="87" name="TextBox 86">
+            <a:extLst>
+              <a:ext uri="{FF2B5EF4-FFF2-40B4-BE49-F238E27FC236}">
+                <a16:creationId xmlns:a16="http://schemas.microsoft.com/office/drawing/2014/main" id="{7E8EEC6E-3E30-485D-B824-01078BA051E3}"/>
+              </a:ext>
+            </a:extLst>
+          </p:cNvPr>
+          <p:cNvSpPr txBox="1"/>
+          <p:nvPr/>
+        </p:nvSpPr>
+        <p:spPr>
+          <a:xfrm>
+            <a:off x="4422272" y="5628996"/>
+            <a:ext cx="918841" cy="307777"/>
+          </a:xfrm>
+          <a:prstGeom prst="rect">
+            <a:avLst/>
+          </a:prstGeom>
+          <a:noFill/>
+        </p:spPr>
+        <p:txBody>
+          <a:bodyPr wrap="none" rtlCol="0">
+            <a:spAutoFit/>
+          </a:bodyPr>
+          <a:lstStyle/>
+          <a:p>
+            <a:pPr algn="ctr"/>
+            <a:r>
+              <a:rPr lang="en-US" sz="700" dirty="0"/>
+              <a:t>1 hour gap between</a:t>
+            </a:r>
+          </a:p>
+          <a:p>
+            <a:pPr algn="ctr"/>
+            <a:r>
+              <a:rPr lang="en-US" sz="700" dirty="0"/>
+              <a:t>telemetry waves</a:t>
+            </a:r>
+          </a:p>
+        </p:txBody>
+      </p:sp>
+      <p:sp>
+        <p:nvSpPr>
+          <p:cNvPr id="89" name="TextBox 88">
+            <a:extLst>
+              <a:ext uri="{FF2B5EF4-FFF2-40B4-BE49-F238E27FC236}">
+                <a16:creationId xmlns:a16="http://schemas.microsoft.com/office/drawing/2014/main" id="{7FC14568-3EC1-4E64-8234-72216F56696B}"/>
+              </a:ext>
+            </a:extLst>
+          </p:cNvPr>
+          <p:cNvSpPr txBox="1"/>
+          <p:nvPr/>
+        </p:nvSpPr>
+        <p:spPr>
+          <a:xfrm>
+            <a:off x="4372157" y="3741294"/>
+            <a:ext cx="1019070" cy="523220"/>
+          </a:xfrm>
+          <a:prstGeom prst="rect">
+            <a:avLst/>
+          </a:prstGeom>
+          <a:noFill/>
+        </p:spPr>
+        <p:txBody>
+          <a:bodyPr wrap="square" rtlCol="0">
+            <a:spAutoFit/>
+          </a:bodyPr>
+          <a:lstStyle/>
+          <a:p>
+            <a:pPr algn="ctr"/>
+            <a:r>
+              <a:rPr lang="en-US" sz="700" dirty="0"/>
+              <a:t>Each telemetry</a:t>
+            </a:r>
+          </a:p>
+          <a:p>
+            <a:pPr algn="ctr"/>
+            <a:r>
+              <a:rPr lang="en-US" sz="700" dirty="0"/>
+              <a:t>batch contains</a:t>
+            </a:r>
+          </a:p>
+          <a:p>
+            <a:pPr algn="ctr"/>
+            <a:r>
+              <a:rPr lang="en-US" sz="700" dirty="0"/>
+              <a:t>60 msgs. Distributed across an hour</a:t>
+            </a:r>
+          </a:p>
+        </p:txBody>
+      </p:sp>
+      <p:cxnSp>
+        <p:nvCxnSpPr>
+          <p:cNvPr id="91" name="Straight Arrow Connector 90">
+            <a:extLst>
+              <a:ext uri="{FF2B5EF4-FFF2-40B4-BE49-F238E27FC236}">
+                <a16:creationId xmlns:a16="http://schemas.microsoft.com/office/drawing/2014/main" id="{558CAD2F-0D60-4FFC-955B-91F1D0ADF416}"/>
+              </a:ext>
+            </a:extLst>
+          </p:cNvPr>
+          <p:cNvCxnSpPr>
+            <a:cxnSpLocks/>
+            <a:stCxn id="89" idx="2"/>
+            <a:endCxn id="21" idx="3"/>
+          </p:cNvCxnSpPr>
+          <p:nvPr/>
+        </p:nvCxnSpPr>
+        <p:spPr>
+          <a:xfrm flipH="1">
+            <a:off x="4063639" y="4264514"/>
+            <a:ext cx="818053" cy="180274"/>
+          </a:xfrm>
+          <a:prstGeom prst="straightConnector1">
+            <a:avLst/>
+          </a:prstGeom>
+          <a:ln>
+            <a:solidFill>
+              <a:schemeClr val="tx1">
+                <a:lumMod val="65000"/>
+                <a:lumOff val="35000"/>
+              </a:schemeClr>
+            </a:solidFill>
+            <a:tailEnd type="triangle"/>
+          </a:ln>
+        </p:spPr>
+        <p:style>
+          <a:lnRef idx="1">
+            <a:schemeClr val="dk1"/>
+          </a:lnRef>
+          <a:fillRef idx="0">
+            <a:schemeClr val="dk1"/>
+          </a:fillRef>
+          <a:effectRef idx="0">
+            <a:schemeClr val="dk1"/>
+          </a:effectRef>
+          <a:fontRef idx="minor">
+            <a:schemeClr val="tx1"/>
+          </a:fontRef>
+        </p:style>
+      </p:cxnSp>
+      <p:sp>
+        <p:nvSpPr>
+          <p:cNvPr id="93" name="TextBox 92">
+            <a:extLst>
+              <a:ext uri="{FF2B5EF4-FFF2-40B4-BE49-F238E27FC236}">
+                <a16:creationId xmlns:a16="http://schemas.microsoft.com/office/drawing/2014/main" id="{EA5BB88E-1C61-4505-AEBB-15934CF99B0D}"/>
+              </a:ext>
+            </a:extLst>
+          </p:cNvPr>
+          <p:cNvSpPr txBox="1"/>
+          <p:nvPr/>
+        </p:nvSpPr>
+        <p:spPr>
+          <a:xfrm>
+            <a:off x="8329890" y="4089939"/>
+            <a:ext cx="1516762" cy="246221"/>
+          </a:xfrm>
+          <a:prstGeom prst="rect">
+            <a:avLst/>
+          </a:prstGeom>
+          <a:noFill/>
+        </p:spPr>
+        <p:txBody>
+          <a:bodyPr wrap="none" rtlCol="0">
+            <a:spAutoFit/>
+          </a:bodyPr>
+          <a:lstStyle/>
+          <a:p>
+            <a:r>
+              <a:rPr lang="en-US" sz="1000" b="1" i="1" dirty="0">
+                <a:solidFill>
+                  <a:schemeClr val="accent1"/>
+                </a:solidFill>
+              </a:rPr>
+              <a:t>Simulation Configuration</a:t>
+            </a:r>
+          </a:p>
+        </p:txBody>
+      </p:sp>
+      <p:sp>
+        <p:nvSpPr>
+          <p:cNvPr id="95" name="Arrow: Left-Right 94">
+            <a:extLst>
+              <a:ext uri="{FF2B5EF4-FFF2-40B4-BE49-F238E27FC236}">
+                <a16:creationId xmlns:a16="http://schemas.microsoft.com/office/drawing/2014/main" id="{642AC097-E24E-4364-9BF8-B06F3259D27D}"/>
+              </a:ext>
+            </a:extLst>
+          </p:cNvPr>
+          <p:cNvSpPr/>
+          <p:nvPr/>
+        </p:nvSpPr>
+        <p:spPr>
+          <a:xfrm>
+            <a:off x="4167586" y="5082411"/>
+            <a:ext cx="1428214" cy="224664"/>
+          </a:xfrm>
+          <a:prstGeom prst="leftRightArrow">
+            <a:avLst/>
+          </a:prstGeom>
+          <a:solidFill>
+            <a:schemeClr val="bg1">
+              <a:lumMod val="85000"/>
+            </a:schemeClr>
+          </a:solidFill>
+          <a:ln>
+            <a:solidFill>
+              <a:schemeClr val="bg1">
+                <a:lumMod val="75000"/>
+              </a:schemeClr>
+            </a:solidFill>
+          </a:ln>
+        </p:spPr>
+        <p:style>
+          <a:lnRef idx="2">
+            <a:schemeClr val="accent1">
+              <a:shade val="50000"/>
+            </a:schemeClr>
+          </a:lnRef>
+          <a:fillRef idx="1">
+            <a:schemeClr val="accent1"/>
+          </a:fillRef>
+          <a:effectRef idx="0">
+            <a:schemeClr val="accent1"/>
+          </a:effectRef>
+          <a:fontRef idx="minor">
+            <a:schemeClr val="lt1"/>
+          </a:fontRef>
+        </p:style>
+        <p:txBody>
+          <a:bodyPr rtlCol="0" anchor="ctr"/>
+          <a:lstStyle/>
+          <a:p>
+            <a:pPr algn="ctr"/>
+            <a:endParaRPr lang="en-US"/>
+          </a:p>
+        </p:txBody>
+      </p:sp>
+      <p:sp>
+        <p:nvSpPr>
+          <p:cNvPr id="97" name="TextBox 96">
+            <a:extLst>
+              <a:ext uri="{FF2B5EF4-FFF2-40B4-BE49-F238E27FC236}">
+                <a16:creationId xmlns:a16="http://schemas.microsoft.com/office/drawing/2014/main" id="{804FEF73-1E15-46FF-8EB6-D126735A5ACA}"/>
+              </a:ext>
+            </a:extLst>
+          </p:cNvPr>
+          <p:cNvSpPr txBox="1"/>
+          <p:nvPr/>
+        </p:nvSpPr>
+        <p:spPr>
+          <a:xfrm>
+            <a:off x="4167586" y="4837739"/>
+            <a:ext cx="1428214" cy="307777"/>
+          </a:xfrm>
+          <a:prstGeom prst="rect">
+            <a:avLst/>
+          </a:prstGeom>
+          <a:noFill/>
+        </p:spPr>
+        <p:txBody>
+          <a:bodyPr wrap="square" rtlCol="0">
+            <a:spAutoFit/>
+          </a:bodyPr>
+          <a:lstStyle/>
+          <a:p>
+            <a:pPr algn="ctr"/>
+            <a:r>
+              <a:rPr lang="en-US" sz="700" dirty="0"/>
+              <a:t>All devices are disconnected during this time</a:t>
+            </a:r>
+          </a:p>
+        </p:txBody>
+      </p:sp>
+      <p:sp>
+        <p:nvSpPr>
+          <p:cNvPr id="99" name="Left Brace 98">
+            <a:extLst>
+              <a:ext uri="{FF2B5EF4-FFF2-40B4-BE49-F238E27FC236}">
+                <a16:creationId xmlns:a16="http://schemas.microsoft.com/office/drawing/2014/main" id="{25D612C1-D82C-44D8-899C-E6AA800CCE9F}"/>
+              </a:ext>
+            </a:extLst>
+          </p:cNvPr>
+          <p:cNvSpPr/>
+          <p:nvPr/>
+        </p:nvSpPr>
+        <p:spPr>
+          <a:xfrm rot="5400000">
+            <a:off x="2156637" y="3981914"/>
+            <a:ext cx="164841" cy="476157"/>
+          </a:xfrm>
+          <a:prstGeom prst="leftBrace">
+            <a:avLst/>
+          </a:prstGeom>
+          <a:ln>
+            <a:solidFill>
+              <a:schemeClr val="tx1">
+                <a:lumMod val="75000"/>
+                <a:lumOff val="25000"/>
+              </a:schemeClr>
+            </a:solidFill>
+          </a:ln>
+        </p:spPr>
+        <p:style>
+          <a:lnRef idx="1">
+            <a:schemeClr val="dk1"/>
+          </a:lnRef>
+          <a:fillRef idx="0">
+            <a:schemeClr val="dk1"/>
+          </a:fillRef>
+          <a:effectRef idx="0">
+            <a:schemeClr val="dk1"/>
+          </a:effectRef>
+          <a:fontRef idx="minor">
+            <a:schemeClr val="tx1"/>
+          </a:fontRef>
+        </p:style>
+        <p:txBody>
+          <a:bodyPr rtlCol="0" anchor="ctr"/>
+          <a:lstStyle/>
+          <a:p>
+            <a:pPr algn="ctr"/>
+            <a:endParaRPr lang="en-US"/>
+          </a:p>
+        </p:txBody>
+      </p:sp>
+      <p:sp>
+        <p:nvSpPr>
+          <p:cNvPr id="101" name="TextBox 100">
+            <a:extLst>
+              <a:ext uri="{FF2B5EF4-FFF2-40B4-BE49-F238E27FC236}">
+                <a16:creationId xmlns:a16="http://schemas.microsoft.com/office/drawing/2014/main" id="{3E9B18CA-61F7-4CF7-9EE0-16AA235A0E9F}"/>
+              </a:ext>
+            </a:extLst>
+          </p:cNvPr>
+          <p:cNvSpPr txBox="1"/>
+          <p:nvPr/>
+        </p:nvSpPr>
+        <p:spPr>
+          <a:xfrm>
+            <a:off x="744011" y="3737117"/>
+            <a:ext cx="1067845" cy="307777"/>
+          </a:xfrm>
+          <a:prstGeom prst="rect">
+            <a:avLst/>
+          </a:prstGeom>
+          <a:noFill/>
+        </p:spPr>
+        <p:txBody>
+          <a:bodyPr wrap="square" rtlCol="0">
+            <a:spAutoFit/>
+          </a:bodyPr>
+          <a:lstStyle/>
+          <a:p>
+            <a:pPr algn="ctr"/>
+            <a:r>
+              <a:rPr lang="en-US" sz="700" dirty="0"/>
+              <a:t>100 batches x 60 msgs = 6,000 msgs are sent</a:t>
+            </a:r>
+          </a:p>
+        </p:txBody>
+      </p:sp>
+      <p:cxnSp>
+        <p:nvCxnSpPr>
+          <p:cNvPr id="103" name="Straight Connector 102">
+            <a:extLst>
+              <a:ext uri="{FF2B5EF4-FFF2-40B4-BE49-F238E27FC236}">
+                <a16:creationId xmlns:a16="http://schemas.microsoft.com/office/drawing/2014/main" id="{8B433671-CFF5-4049-9B1F-42165FDF8885}"/>
+              </a:ext>
+            </a:extLst>
+          </p:cNvPr>
+          <p:cNvCxnSpPr>
+            <a:cxnSpLocks/>
+            <a:stCxn id="101" idx="2"/>
+            <a:endCxn id="99" idx="1"/>
+          </p:cNvCxnSpPr>
+          <p:nvPr/>
+        </p:nvCxnSpPr>
+        <p:spPr>
+          <a:xfrm>
+            <a:off x="1277934" y="4044894"/>
+            <a:ext cx="961123" cy="92678"/>
+          </a:xfrm>
+          <a:prstGeom prst="line">
+            <a:avLst/>
+          </a:prstGeom>
+          <a:ln>
+            <a:solidFill>
+              <a:schemeClr val="tx1">
+                <a:lumMod val="75000"/>
+                <a:lumOff val="25000"/>
+              </a:schemeClr>
+            </a:solidFill>
+          </a:ln>
+        </p:spPr>
+        <p:style>
+          <a:lnRef idx="1">
+            <a:schemeClr val="dk1"/>
+          </a:lnRef>
+          <a:fillRef idx="0">
+            <a:schemeClr val="dk1"/>
+          </a:fillRef>
+          <a:effectRef idx="0">
+            <a:schemeClr val="dk1"/>
+          </a:effectRef>
+          <a:fontRef idx="minor">
+            <a:schemeClr val="tx1"/>
+          </a:fontRef>
+        </p:style>
+      </p:cxnSp>
+    </p:spTree>
+    <p:extLst>
+      <p:ext uri="{BB962C8B-B14F-4D97-AF65-F5344CB8AC3E}">
+        <p14:creationId xmlns:p14="http://schemas.microsoft.com/office/powerpoint/2010/main" val="764688284"/>
       </p:ext>
     </p:extLst>
   </p:cSld>
